--- a/doc/开题/开题答辩.pptx
+++ b/doc/开题/开题答辩.pptx
@@ -5,20 +5,23 @@
     <p:sldMasterId id="2147483648" r:id="rId1"/>
   </p:sldMasterIdLst>
   <p:notesMasterIdLst>
-    <p:notesMasterId r:id="rId10"/>
+    <p:notesMasterId r:id="rId13"/>
   </p:notesMasterIdLst>
   <p:handoutMasterIdLst>
-    <p:handoutMasterId r:id="rId11"/>
+    <p:handoutMasterId r:id="rId14"/>
   </p:handoutMasterIdLst>
   <p:sldIdLst>
     <p:sldId id="276" r:id="rId2"/>
     <p:sldId id="257" r:id="rId3"/>
     <p:sldId id="258" r:id="rId4"/>
     <p:sldId id="259" r:id="rId5"/>
-    <p:sldId id="286" r:id="rId6"/>
+    <p:sldId id="290" r:id="rId6"/>
     <p:sldId id="277" r:id="rId7"/>
-    <p:sldId id="278" r:id="rId8"/>
-    <p:sldId id="279" r:id="rId9"/>
+    <p:sldId id="286" r:id="rId8"/>
+    <p:sldId id="291" r:id="rId9"/>
+    <p:sldId id="278" r:id="rId10"/>
+    <p:sldId id="292" r:id="rId11"/>
+    <p:sldId id="279" r:id="rId12"/>
   </p:sldIdLst>
   <p:sldSz cx="12192000" cy="6858000"/>
   <p:notesSz cx="6858000" cy="9144000"/>
@@ -226,7 +229,7 @@
               <a:rPr lang="zh-CN" altLang="en-US">
                 <a:latin typeface="思源黑体 CN Normal" panose="020B0400000000000000" charset="-122"/>
               </a:rPr>
-              <a:t>2025/1/3</a:t>
+              <a:t>2025-01-03</a:t>
             </a:fld>
             <a:endParaRPr lang="zh-CN" altLang="en-US">
               <a:latin typeface="思源黑体 CN Normal" panose="020B0400000000000000" charset="-122"/>
@@ -406,7 +409,7 @@
           <a:p>
             <a:fld id="{D2A48B96-639E-45A3-A0BA-2464DFDB1FAA}" type="datetimeFigureOut">
               <a:rPr lang="zh-CN" altLang="en-US"/>
-              <a:t>2025/1/3</a:t>
+              <a:t>2025-01-03</a:t>
             </a:fld>
             <a:endParaRPr lang="zh-CN" altLang="en-US"/>
           </a:p>
@@ -797,6 +800,147 @@
 </p:notes>
 </file>
 
+<file path=ppt/notesSlides/notesSlide3.xml><?xml version="1.0" encoding="utf-8"?>
+<p:notes xmlns:a="http://schemas.openxmlformats.org/drawingml/2006/main" xmlns:r="http://schemas.openxmlformats.org/officeDocument/2006/relationships" xmlns:p="http://schemas.openxmlformats.org/presentationml/2006/main">
+  <p:cSld>
+    <p:spTree>
+      <p:nvGrpSpPr>
+        <p:cNvPr id="1" name=""/>
+        <p:cNvGrpSpPr/>
+        <p:nvPr/>
+      </p:nvGrpSpPr>
+      <p:grpSpPr>
+        <a:xfrm>
+          <a:off x="0" y="0"/>
+          <a:ext cx="0" cy="0"/>
+          <a:chOff x="0" y="0"/>
+          <a:chExt cx="0" cy="0"/>
+        </a:xfrm>
+      </p:grpSpPr>
+      <p:sp>
+        <p:nvSpPr>
+          <p:cNvPr id="2" name="幻灯片图像占位符 1"/>
+          <p:cNvSpPr>
+            <a:spLocks noGrp="1" noRot="1" noChangeAspect="1"/>
+          </p:cNvSpPr>
+          <p:nvPr>
+            <p:ph type="sldImg"/>
+          </p:nvPr>
+        </p:nvSpPr>
+        <p:spPr/>
+      </p:sp>
+      <p:sp>
+        <p:nvSpPr>
+          <p:cNvPr id="3" name="备注占位符 2"/>
+          <p:cNvSpPr>
+            <a:spLocks noGrp="1"/>
+          </p:cNvSpPr>
+          <p:nvPr>
+            <p:ph type="body" idx="1"/>
+          </p:nvPr>
+        </p:nvSpPr>
+        <p:spPr/>
+        <p:txBody>
+          <a:bodyPr/>
+          <a:lstStyle/>
+          <a:p>
+            <a:r>
+              <a:rPr lang="en-US" altLang="zh-CN" dirty="0"/>
+              <a:t>1. </a:t>
+            </a:r>
+            <a:r>
+              <a:rPr lang="zh-CN" altLang="en-US" dirty="0"/>
+              <a:t>庞大且全面的菜谱库，基本由用户发布组成</a:t>
+            </a:r>
+          </a:p>
+          <a:p>
+            <a:r>
+              <a:rPr lang="en-US" altLang="zh-CN" dirty="0"/>
+              <a:t>2. </a:t>
+            </a:r>
+            <a:r>
+              <a:rPr lang="zh-CN" altLang="en-US" dirty="0"/>
+              <a:t>菜谱分类、菜谱查询、菜谱详情</a:t>
+            </a:r>
+          </a:p>
+          <a:p>
+            <a:r>
+              <a:rPr lang="en-US" altLang="zh-CN" dirty="0"/>
+              <a:t>3. "</a:t>
+            </a:r>
+            <a:r>
+              <a:rPr lang="zh-CN" altLang="en-US" dirty="0"/>
+              <a:t>一日餐食</a:t>
+            </a:r>
+            <a:r>
+              <a:rPr lang="en-US" altLang="zh-CN" dirty="0"/>
+              <a:t>"</a:t>
+            </a:r>
+            <a:r>
+              <a:rPr lang="zh-CN" altLang="en-US" dirty="0"/>
+              <a:t>、</a:t>
+            </a:r>
+            <a:r>
+              <a:rPr lang="en-US" altLang="zh-CN" dirty="0"/>
+              <a:t>"</a:t>
+            </a:r>
+            <a:r>
+              <a:rPr lang="zh-CN" altLang="en-US" dirty="0"/>
+              <a:t>时令流行</a:t>
+            </a:r>
+            <a:r>
+              <a:rPr lang="en-US" altLang="zh-CN" dirty="0"/>
+              <a:t>"</a:t>
+            </a:r>
+            <a:r>
+              <a:rPr lang="zh-CN" altLang="en-US" dirty="0"/>
+              <a:t>、</a:t>
+            </a:r>
+            <a:r>
+              <a:rPr lang="en-US" altLang="zh-CN" dirty="0"/>
+              <a:t>"</a:t>
+            </a:r>
+            <a:r>
+              <a:rPr lang="zh-CN" altLang="en-US" dirty="0"/>
+              <a:t>每日热门</a:t>
+            </a:r>
+            <a:r>
+              <a:rPr lang="en-US" altLang="zh-CN" dirty="0"/>
+              <a:t>"</a:t>
+            </a:r>
+            <a:r>
+              <a:rPr lang="zh-CN" altLang="en-US" dirty="0"/>
+              <a:t>推荐菜谱</a:t>
+            </a:r>
+          </a:p>
+          <a:p>
+            <a:r>
+              <a:rPr lang="en-US" altLang="zh-CN" dirty="0"/>
+              <a:t>4. </a:t>
+            </a:r>
+            <a:r>
+              <a:rPr lang="zh-CN" altLang="en-US" dirty="0"/>
+              <a:t>发布菜谱，自由度非常高</a:t>
+            </a:r>
+          </a:p>
+          <a:p>
+            <a:endParaRPr lang="zh-CN" altLang="en-US" dirty="0"/>
+          </a:p>
+        </p:txBody>
+      </p:sp>
+    </p:spTree>
+    <p:extLst>
+      <p:ext uri="{BB962C8B-B14F-4D97-AF65-F5344CB8AC3E}">
+        <p14:creationId xmlns:p14="http://schemas.microsoft.com/office/powerpoint/2010/main" val="3018645181"/>
+      </p:ext>
+    </p:extLst>
+  </p:cSld>
+  <p:clrMapOvr>
+    <a:masterClrMapping/>
+  </p:clrMapOvr>
+</p:notes>
+</file>
+
 <file path=ppt/slideLayouts/slideLayout1.xml><?xml version="1.0" encoding="utf-8"?>
 <p:sldLayout xmlns:a="http://schemas.openxmlformats.org/drawingml/2006/main" xmlns:r="http://schemas.openxmlformats.org/officeDocument/2006/relationships" xmlns:p="http://schemas.openxmlformats.org/presentationml/2006/main" type="title" preserve="1">
   <p:cSld name="标题幻灯片">
@@ -942,7 +1086,7 @@
           <a:p>
             <a:fld id="{760FBDFE-C587-4B4C-A407-44438C67B59E}" type="datetimeFigureOut">
               <a:rPr lang="zh-CN" altLang="en-US"/>
-              <a:t>2025/1/3</a:t>
+              <a:t>2025-01-03</a:t>
             </a:fld>
             <a:endParaRPr lang="zh-CN" altLang="en-US"/>
           </a:p>
@@ -1357,7 +1501,7 @@
           <a:p>
             <a:fld id="{760FBDFE-C587-4B4C-A407-44438C67B59E}" type="datetimeFigureOut">
               <a:rPr lang="zh-CN" altLang="en-US"/>
-              <a:t>2025/1/3</a:t>
+              <a:t>2025-01-03</a:t>
             </a:fld>
             <a:endParaRPr lang="zh-CN" altLang="en-US"/>
           </a:p>
@@ -1777,7 +1921,7 @@
           <a:p>
             <a:fld id="{760FBDFE-C587-4B4C-A407-44438C67B59E}" type="datetimeFigureOut">
               <a:rPr lang="zh-CN" altLang="en-US"/>
-              <a:t>2025/1/3</a:t>
+              <a:t>2025-01-03</a:t>
             </a:fld>
             <a:endParaRPr lang="zh-CN" altLang="en-US"/>
           </a:p>
@@ -2197,7 +2341,7 @@
           <a:p>
             <a:fld id="{760FBDFE-C587-4B4C-A407-44438C67B59E}" type="datetimeFigureOut">
               <a:rPr lang="zh-CN" altLang="en-US"/>
-              <a:t>2025/1/3</a:t>
+              <a:t>2025-01-03</a:t>
             </a:fld>
             <a:endParaRPr lang="zh-CN" altLang="en-US"/>
           </a:p>
@@ -2617,7 +2761,7 @@
           <a:p>
             <a:fld id="{760FBDFE-C587-4B4C-A407-44438C67B59E}" type="datetimeFigureOut">
               <a:rPr lang="zh-CN" altLang="en-US"/>
-              <a:t>2025/1/3</a:t>
+              <a:t>2025-01-03</a:t>
             </a:fld>
             <a:endParaRPr lang="zh-CN" altLang="en-US"/>
           </a:p>
@@ -3037,7 +3181,7 @@
           <a:p>
             <a:fld id="{760FBDFE-C587-4B4C-A407-44438C67B59E}" type="datetimeFigureOut">
               <a:rPr lang="zh-CN" altLang="en-US"/>
-              <a:t>2025/1/3</a:t>
+              <a:t>2025-01-03</a:t>
             </a:fld>
             <a:endParaRPr lang="zh-CN" altLang="en-US"/>
           </a:p>
@@ -3457,7 +3601,7 @@
           <a:p>
             <a:fld id="{760FBDFE-C587-4B4C-A407-44438C67B59E}" type="datetimeFigureOut">
               <a:rPr lang="zh-CN" altLang="en-US"/>
-              <a:t>2025/1/3</a:t>
+              <a:t>2025-01-03</a:t>
             </a:fld>
             <a:endParaRPr lang="zh-CN" altLang="en-US"/>
           </a:p>
@@ -3877,7 +4021,7 @@
           <a:p>
             <a:fld id="{760FBDFE-C587-4B4C-A407-44438C67B59E}" type="datetimeFigureOut">
               <a:rPr lang="zh-CN" altLang="en-US"/>
-              <a:t>2025/1/3</a:t>
+              <a:t>2025-01-03</a:t>
             </a:fld>
             <a:endParaRPr lang="zh-CN" altLang="en-US"/>
           </a:p>
@@ -4297,7 +4441,7 @@
           <a:p>
             <a:fld id="{760FBDFE-C587-4B4C-A407-44438C67B59E}" type="datetimeFigureOut">
               <a:rPr lang="zh-CN" altLang="en-US"/>
-              <a:t>2025/1/3</a:t>
+              <a:t>2025-01-03</a:t>
             </a:fld>
             <a:endParaRPr lang="zh-CN" altLang="en-US"/>
           </a:p>
@@ -4717,7 +4861,7 @@
           <a:p>
             <a:fld id="{760FBDFE-C587-4B4C-A407-44438C67B59E}" type="datetimeFigureOut">
               <a:rPr lang="zh-CN" altLang="en-US"/>
-              <a:t>2025/1/3</a:t>
+              <a:t>2025-01-03</a:t>
             </a:fld>
             <a:endParaRPr lang="zh-CN" altLang="en-US"/>
           </a:p>
@@ -5137,7 +5281,7 @@
           <a:p>
             <a:fld id="{760FBDFE-C587-4B4C-A407-44438C67B59E}" type="datetimeFigureOut">
               <a:rPr lang="zh-CN" altLang="en-US"/>
-              <a:t>2025/1/3</a:t>
+              <a:t>2025-01-03</a:t>
             </a:fld>
             <a:endParaRPr lang="zh-CN" altLang="en-US"/>
           </a:p>
@@ -5336,7 +5480,7 @@
           <a:p>
             <a:fld id="{760FBDFE-C587-4B4C-A407-44438C67B59E}" type="datetimeFigureOut">
               <a:rPr lang="zh-CN" altLang="en-US"/>
-              <a:t>2025/1/3</a:t>
+              <a:t>2025-01-03</a:t>
             </a:fld>
             <a:endParaRPr lang="zh-CN" altLang="en-US"/>
           </a:p>
@@ -5751,7 +5895,7 @@
           <a:p>
             <a:fld id="{760FBDFE-C587-4B4C-A407-44438C67B59E}" type="datetimeFigureOut">
               <a:rPr lang="zh-CN" altLang="en-US"/>
-              <a:t>2025/1/3</a:t>
+              <a:t>2025-01-03</a:t>
             </a:fld>
             <a:endParaRPr lang="zh-CN" altLang="en-US"/>
           </a:p>
@@ -6171,7 +6315,7 @@
           <a:p>
             <a:fld id="{760FBDFE-C587-4B4C-A407-44438C67B59E}" type="datetimeFigureOut">
               <a:rPr lang="zh-CN" altLang="en-US"/>
-              <a:t>2025/1/3</a:t>
+              <a:t>2025-01-03</a:t>
             </a:fld>
             <a:endParaRPr lang="zh-CN" altLang="en-US"/>
           </a:p>
@@ -6591,7 +6735,7 @@
           <a:p>
             <a:fld id="{760FBDFE-C587-4B4C-A407-44438C67B59E}" type="datetimeFigureOut">
               <a:rPr lang="zh-CN" altLang="en-US"/>
-              <a:t>2025/1/3</a:t>
+              <a:t>2025-01-03</a:t>
             </a:fld>
             <a:endParaRPr lang="zh-CN" altLang="en-US"/>
           </a:p>
@@ -7011,7 +7155,7 @@
           <a:p>
             <a:fld id="{760FBDFE-C587-4B4C-A407-44438C67B59E}" type="datetimeFigureOut">
               <a:rPr lang="zh-CN" altLang="en-US"/>
-              <a:t>2025/1/3</a:t>
+              <a:t>2025-01-03</a:t>
             </a:fld>
             <a:endParaRPr lang="zh-CN" altLang="en-US"/>
           </a:p>
@@ -7431,7 +7575,7 @@
           <a:p>
             <a:fld id="{760FBDFE-C587-4B4C-A407-44438C67B59E}" type="datetimeFigureOut">
               <a:rPr lang="zh-CN" altLang="en-US"/>
-              <a:t>2025/1/3</a:t>
+              <a:t>2025-01-03</a:t>
             </a:fld>
             <a:endParaRPr lang="zh-CN" altLang="en-US"/>
           </a:p>
@@ -7851,7 +7995,7 @@
           <a:p>
             <a:fld id="{760FBDFE-C587-4B4C-A407-44438C67B59E}" type="datetimeFigureOut">
               <a:rPr lang="zh-CN" altLang="en-US"/>
-              <a:t>2025/1/3</a:t>
+              <a:t>2025-01-03</a:t>
             </a:fld>
             <a:endParaRPr lang="zh-CN" altLang="en-US"/>
           </a:p>
@@ -8271,7 +8415,7 @@
           <a:p>
             <a:fld id="{760FBDFE-C587-4B4C-A407-44438C67B59E}" type="datetimeFigureOut">
               <a:rPr lang="zh-CN" altLang="en-US"/>
-              <a:t>2025/1/3</a:t>
+              <a:t>2025-01-03</a:t>
             </a:fld>
             <a:endParaRPr lang="zh-CN" altLang="en-US"/>
           </a:p>
@@ -8691,7 +8835,7 @@
           <a:p>
             <a:fld id="{760FBDFE-C587-4B4C-A407-44438C67B59E}" type="datetimeFigureOut">
               <a:rPr lang="zh-CN" altLang="en-US"/>
-              <a:t>2025/1/3</a:t>
+              <a:t>2025-01-03</a:t>
             </a:fld>
             <a:endParaRPr lang="zh-CN" altLang="en-US"/>
           </a:p>
@@ -9111,7 +9255,7 @@
           <a:p>
             <a:fld id="{760FBDFE-C587-4B4C-A407-44438C67B59E}" type="datetimeFigureOut">
               <a:rPr lang="zh-CN" altLang="en-US"/>
-              <a:t>2025/1/3</a:t>
+              <a:t>2025-01-03</a:t>
             </a:fld>
             <a:endParaRPr lang="zh-CN" altLang="en-US"/>
           </a:p>
@@ -9531,7 +9675,7 @@
           <a:p>
             <a:fld id="{760FBDFE-C587-4B4C-A407-44438C67B59E}" type="datetimeFigureOut">
               <a:rPr lang="zh-CN" altLang="en-US"/>
-              <a:t>2025/1/3</a:t>
+              <a:t>2025-01-03</a:t>
             </a:fld>
             <a:endParaRPr lang="zh-CN" altLang="en-US"/>
           </a:p>
@@ -9797,7 +9941,7 @@
           <a:p>
             <a:fld id="{760FBDFE-C587-4B4C-A407-44438C67B59E}" type="datetimeFigureOut">
               <a:rPr lang="zh-CN" altLang="en-US"/>
-              <a:t>2025/1/3</a:t>
+              <a:t>2025-01-03</a:t>
             </a:fld>
             <a:endParaRPr lang="zh-CN" altLang="en-US"/>
           </a:p>
@@ -10212,7 +10356,7 @@
           <a:p>
             <a:fld id="{760FBDFE-C587-4B4C-A407-44438C67B59E}" type="datetimeFigureOut">
               <a:rPr lang="zh-CN" altLang="en-US"/>
-              <a:t>2025/1/3</a:t>
+              <a:t>2025-01-03</a:t>
             </a:fld>
             <a:endParaRPr lang="zh-CN" altLang="en-US"/>
           </a:p>
@@ -10632,7 +10776,7 @@
           <a:p>
             <a:fld id="{760FBDFE-C587-4B4C-A407-44438C67B59E}" type="datetimeFigureOut">
               <a:rPr lang="zh-CN" altLang="en-US"/>
-              <a:t>2025/1/3</a:t>
+              <a:t>2025-01-03</a:t>
             </a:fld>
             <a:endParaRPr lang="zh-CN" altLang="en-US"/>
           </a:p>
@@ -11052,7 +11196,7 @@
           <a:p>
             <a:fld id="{760FBDFE-C587-4B4C-A407-44438C67B59E}" type="datetimeFigureOut">
               <a:rPr lang="zh-CN" altLang="en-US"/>
-              <a:t>2025/1/3</a:t>
+              <a:t>2025-01-03</a:t>
             </a:fld>
             <a:endParaRPr lang="zh-CN" altLang="en-US"/>
           </a:p>
@@ -11472,7 +11616,7 @@
           <a:p>
             <a:fld id="{760FBDFE-C587-4B4C-A407-44438C67B59E}" type="datetimeFigureOut">
               <a:rPr lang="zh-CN" altLang="en-US"/>
-              <a:t>2025/1/3</a:t>
+              <a:t>2025-01-03</a:t>
             </a:fld>
             <a:endParaRPr lang="zh-CN" altLang="en-US"/>
           </a:p>
@@ -11892,7 +12036,7 @@
           <a:p>
             <a:fld id="{760FBDFE-C587-4B4C-A407-44438C67B59E}" type="datetimeFigureOut">
               <a:rPr lang="zh-CN" altLang="en-US"/>
-              <a:t>2025/1/3</a:t>
+              <a:t>2025-01-03</a:t>
             </a:fld>
             <a:endParaRPr lang="zh-CN" altLang="en-US"/>
           </a:p>
@@ -12312,7 +12456,7 @@
           <a:p>
             <a:fld id="{760FBDFE-C587-4B4C-A407-44438C67B59E}" type="datetimeFigureOut">
               <a:rPr lang="zh-CN" altLang="en-US"/>
-              <a:t>2025/1/3</a:t>
+              <a:t>2025-01-03</a:t>
             </a:fld>
             <a:endParaRPr lang="zh-CN" altLang="en-US"/>
           </a:p>
@@ -12732,7 +12876,7 @@
           <a:p>
             <a:fld id="{760FBDFE-C587-4B4C-A407-44438C67B59E}" type="datetimeFigureOut">
               <a:rPr lang="zh-CN" altLang="en-US"/>
-              <a:t>2025/1/3</a:t>
+              <a:t>2025-01-03</a:t>
             </a:fld>
             <a:endParaRPr lang="zh-CN" altLang="en-US"/>
           </a:p>
@@ -13152,7 +13296,7 @@
           <a:p>
             <a:fld id="{760FBDFE-C587-4B4C-A407-44438C67B59E}" type="datetimeFigureOut">
               <a:rPr lang="zh-CN" altLang="en-US"/>
-              <a:t>2025/1/3</a:t>
+              <a:t>2025-01-03</a:t>
             </a:fld>
             <a:endParaRPr lang="zh-CN" altLang="en-US"/>
           </a:p>
@@ -13572,7 +13716,7 @@
           <a:p>
             <a:fld id="{760FBDFE-C587-4B4C-A407-44438C67B59E}" type="datetimeFigureOut">
               <a:rPr lang="zh-CN" altLang="en-US"/>
-              <a:t>2025/1/3</a:t>
+              <a:t>2025-01-03</a:t>
             </a:fld>
             <a:endParaRPr lang="zh-CN" altLang="en-US"/>
           </a:p>
@@ -13992,7 +14136,7 @@
           <a:p>
             <a:fld id="{760FBDFE-C587-4B4C-A407-44438C67B59E}" type="datetimeFigureOut">
               <a:rPr lang="zh-CN" altLang="en-US"/>
-              <a:t>2025/1/3</a:t>
+              <a:t>2025-01-03</a:t>
             </a:fld>
             <a:endParaRPr lang="zh-CN" altLang="en-US"/>
           </a:p>
@@ -14252,7 +14396,7 @@
           <a:p>
             <a:fld id="{760FBDFE-C587-4B4C-A407-44438C67B59E}" type="datetimeFigureOut">
               <a:rPr lang="zh-CN" altLang="en-US"/>
-              <a:t>2025/1/3</a:t>
+              <a:t>2025-01-03</a:t>
             </a:fld>
             <a:endParaRPr lang="zh-CN" altLang="en-US"/>
           </a:p>
@@ -14667,7 +14811,7 @@
           <a:p>
             <a:fld id="{760FBDFE-C587-4B4C-A407-44438C67B59E}" type="datetimeFigureOut">
               <a:rPr lang="zh-CN" altLang="en-US"/>
-              <a:t>2025/1/3</a:t>
+              <a:t>2025-01-03</a:t>
             </a:fld>
             <a:endParaRPr lang="zh-CN" altLang="en-US"/>
           </a:p>
@@ -15087,7 +15231,7 @@
           <a:p>
             <a:fld id="{760FBDFE-C587-4B4C-A407-44438C67B59E}" type="datetimeFigureOut">
               <a:rPr lang="zh-CN" altLang="en-US"/>
-              <a:t>2025/1/3</a:t>
+              <a:t>2025-01-03</a:t>
             </a:fld>
             <a:endParaRPr lang="zh-CN" altLang="en-US"/>
           </a:p>
@@ -15507,7 +15651,7 @@
           <a:p>
             <a:fld id="{760FBDFE-C587-4B4C-A407-44438C67B59E}" type="datetimeFigureOut">
               <a:rPr lang="zh-CN" altLang="en-US"/>
-              <a:t>2025/1/3</a:t>
+              <a:t>2025-01-03</a:t>
             </a:fld>
             <a:endParaRPr lang="zh-CN" altLang="en-US"/>
           </a:p>
@@ -15726,7 +15870,7 @@
           <a:p>
             <a:fld id="{760FBDFE-C587-4B4C-A407-44438C67B59E}" type="datetimeFigureOut">
               <a:rPr lang="zh-CN" altLang="en-US"/>
-              <a:t>2025/1/3</a:t>
+              <a:t>2025-01-03</a:t>
             </a:fld>
             <a:endParaRPr lang="zh-CN" altLang="en-US"/>
           </a:p>
@@ -15826,7 +15970,7 @@
           <a:p>
             <a:fld id="{760FBDFE-C587-4B4C-A407-44438C67B59E}" type="datetimeFigureOut">
               <a:rPr lang="zh-CN" altLang="en-US"/>
-              <a:t>2025/1/3</a:t>
+              <a:t>2025-01-03</a:t>
             </a:fld>
             <a:endParaRPr lang="zh-CN" altLang="en-US"/>
           </a:p>
@@ -15999,7 +16143,7 @@
           <a:p>
             <a:fld id="{9EFD9D74-47D9-4702-A33C-335B63B48DBF}" type="datetimeFigureOut">
               <a:rPr lang="zh-CN" altLang="en-US"/>
-              <a:t>2025/1/3</a:t>
+              <a:t>2025-01-03</a:t>
             </a:fld>
             <a:endParaRPr lang="zh-CN" altLang="en-US" dirty="0"/>
           </a:p>
@@ -16240,7 +16384,7 @@
           <a:p>
             <a:fld id="{760FBDFE-C587-4B4C-A407-44438C67B59E}" type="datetimeFigureOut">
               <a:rPr lang="zh-CN" altLang="en-US"/>
-              <a:t>2025/1/3</a:t>
+              <a:t>2025-01-03</a:t>
             </a:fld>
             <a:endParaRPr lang="zh-CN" altLang="en-US"/>
           </a:p>
@@ -16340,7 +16484,7 @@
           <a:p>
             <a:fld id="{760FBDFE-C587-4B4C-A407-44438C67B59E}" type="datetimeFigureOut">
               <a:rPr lang="zh-CN" altLang="en-US"/>
-              <a:t>2025/1/3</a:t>
+              <a:t>2025-01-03</a:t>
             </a:fld>
             <a:endParaRPr lang="zh-CN" altLang="en-US"/>
           </a:p>
@@ -16499,7 +16643,7 @@
           <a:p>
             <a:fld id="{760FBDFE-C587-4B4C-A407-44438C67B59E}" type="datetimeFigureOut">
               <a:rPr lang="zh-CN" altLang="en-US"/>
-              <a:t>2025/1/3</a:t>
+              <a:t>2025-01-03</a:t>
             </a:fld>
             <a:endParaRPr lang="zh-CN" altLang="en-US"/>
           </a:p>
@@ -16992,7 +17136,7 @@
           <a:p>
             <a:fld id="{760FBDFE-C587-4B4C-A407-44438C67B59E}" type="datetimeFigureOut">
               <a:rPr lang="zh-CN" altLang="en-US"/>
-              <a:t>2025/1/3</a:t>
+              <a:t>2025-01-03</a:t>
             </a:fld>
             <a:endParaRPr lang="zh-CN" altLang="en-US"/>
           </a:p>
@@ -17407,7 +17551,7 @@
           <a:p>
             <a:fld id="{760FBDFE-C587-4B4C-A407-44438C67B59E}" type="datetimeFigureOut">
               <a:rPr lang="zh-CN" altLang="en-US"/>
-              <a:t>2025/1/3</a:t>
+              <a:t>2025-01-03</a:t>
             </a:fld>
             <a:endParaRPr lang="zh-CN" altLang="en-US"/>
           </a:p>
@@ -17827,7 +17971,7 @@
           <a:p>
             <a:fld id="{760FBDFE-C587-4B4C-A407-44438C67B59E}" type="datetimeFigureOut">
               <a:rPr lang="zh-CN" altLang="en-US"/>
-              <a:t>2025/1/3</a:t>
+              <a:t>2025-01-03</a:t>
             </a:fld>
             <a:endParaRPr lang="zh-CN" altLang="en-US"/>
           </a:p>
@@ -18247,7 +18391,7 @@
           <a:p>
             <a:fld id="{760FBDFE-C587-4B4C-A407-44438C67B59E}" type="datetimeFigureOut">
               <a:rPr lang="zh-CN" altLang="en-US"/>
-              <a:t>2025/1/3</a:t>
+              <a:t>2025-01-03</a:t>
             </a:fld>
             <a:endParaRPr lang="zh-CN" altLang="en-US"/>
           </a:p>
@@ -18667,7 +18811,7 @@
           <a:p>
             <a:fld id="{760FBDFE-C587-4B4C-A407-44438C67B59E}" type="datetimeFigureOut">
               <a:rPr lang="zh-CN" altLang="en-US"/>
-              <a:t>2025/1/3</a:t>
+              <a:t>2025-01-03</a:t>
             </a:fld>
             <a:endParaRPr lang="zh-CN" altLang="en-US"/>
           </a:p>
@@ -18897,7 +19041,7 @@
           <a:p>
             <a:fld id="{760FBDFE-C587-4B4C-A407-44438C67B59E}" type="datetimeFigureOut">
               <a:rPr lang="zh-CN" altLang="en-US"/>
-              <a:t>2025/1/3</a:t>
+              <a:t>2025-01-03</a:t>
             </a:fld>
             <a:endParaRPr lang="zh-CN" altLang="en-US"/>
           </a:p>
@@ -20390,6 +20534,1689 @@
     <p:custDataLst>
       <p:tags r:id="rId1"/>
     </p:custDataLst>
+  </p:cSld>
+  <p:clrMapOvr>
+    <a:masterClrMapping/>
+  </p:clrMapOvr>
+</p:sld>
+</file>
+
+<file path=ppt/slides/slide10.xml><?xml version="1.0" encoding="utf-8"?>
+<p:sld xmlns:a="http://schemas.openxmlformats.org/drawingml/2006/main" xmlns:r="http://schemas.openxmlformats.org/officeDocument/2006/relationships" xmlns:p="http://schemas.openxmlformats.org/presentationml/2006/main">
+  <p:cSld>
+    <p:spTree>
+      <p:nvGrpSpPr>
+        <p:cNvPr id="1" name=""/>
+        <p:cNvGrpSpPr/>
+        <p:nvPr/>
+      </p:nvGrpSpPr>
+      <p:grpSpPr>
+        <a:xfrm>
+          <a:off x="0" y="0"/>
+          <a:ext cx="0" cy="0"/>
+          <a:chOff x="0" y="0"/>
+          <a:chExt cx="0" cy="0"/>
+        </a:xfrm>
+      </p:grpSpPr>
+      <p:grpSp>
+        <p:nvGrpSpPr>
+          <p:cNvPr id="4" name="组合 3">
+            <a:extLst>
+              <a:ext uri="{FF2B5EF4-FFF2-40B4-BE49-F238E27FC236}">
+                <a16:creationId xmlns:a16="http://schemas.microsoft.com/office/drawing/2014/main" id="{0E541393-DBC7-4181-9787-0F0F6726F220}"/>
+              </a:ext>
+            </a:extLst>
+          </p:cNvPr>
+          <p:cNvGrpSpPr/>
+          <p:nvPr/>
+        </p:nvGrpSpPr>
+        <p:grpSpPr>
+          <a:xfrm>
+            <a:off x="635" y="-25400"/>
+            <a:ext cx="12197080" cy="6899910"/>
+            <a:chOff x="635" y="-25400"/>
+            <a:chExt cx="12197080" cy="6899910"/>
+          </a:xfrm>
+        </p:grpSpPr>
+        <p:sp>
+          <p:nvSpPr>
+            <p:cNvPr id="5" name="矩形 背景">
+              <a:extLst>
+                <a:ext uri="{FF2B5EF4-FFF2-40B4-BE49-F238E27FC236}">
+                  <a16:creationId xmlns:a16="http://schemas.microsoft.com/office/drawing/2014/main" id="{64DAAFEC-AFFD-4160-BC94-E974F9F3D60C}"/>
+                </a:ext>
+              </a:extLst>
+            </p:cNvPr>
+            <p:cNvSpPr/>
+            <p:nvPr/>
+          </p:nvSpPr>
+          <p:spPr>
+            <a:xfrm>
+              <a:off x="635" y="-25400"/>
+              <a:ext cx="12197080" cy="6899910"/>
+            </a:xfrm>
+            <a:prstGeom prst="rect">
+              <a:avLst/>
+            </a:prstGeom>
+            <a:solidFill>
+              <a:srgbClr val="DBE1EA"/>
+            </a:solidFill>
+            <a:ln>
+              <a:noFill/>
+            </a:ln>
+          </p:spPr>
+          <p:style>
+            <a:lnRef idx="2">
+              <a:schemeClr val="accent1">
+                <a:shade val="50000"/>
+              </a:schemeClr>
+            </a:lnRef>
+            <a:fillRef idx="1">
+              <a:schemeClr val="accent1"/>
+            </a:fillRef>
+            <a:effectRef idx="0">
+              <a:schemeClr val="accent1"/>
+            </a:effectRef>
+            <a:fontRef idx="minor">
+              <a:schemeClr val="lt1"/>
+            </a:fontRef>
+          </p:style>
+          <p:txBody>
+            <a:bodyPr rtlCol="0" anchor="ctr"/>
+            <a:lstStyle/>
+            <a:p>
+              <a:pPr algn="ctr"/>
+              <a:endParaRPr lang="zh-CN" altLang="en-US">
+                <a:latin typeface="Arial"/>
+                <a:ea typeface="微软雅黑"/>
+                <a:sym typeface="Arial"/>
+              </a:endParaRPr>
+            </a:p>
+          </p:txBody>
+        </p:sp>
+        <p:grpSp>
+          <p:nvGrpSpPr>
+            <p:cNvPr id="6" name="组合 5">
+              <a:extLst>
+                <a:ext uri="{FF2B5EF4-FFF2-40B4-BE49-F238E27FC236}">
+                  <a16:creationId xmlns:a16="http://schemas.microsoft.com/office/drawing/2014/main" id="{4FAFA875-368F-4BC3-885E-9F10ED1766E5}"/>
+                </a:ext>
+              </a:extLst>
+            </p:cNvPr>
+            <p:cNvGrpSpPr/>
+            <p:nvPr/>
+          </p:nvGrpSpPr>
+          <p:grpSpPr>
+            <a:xfrm>
+              <a:off x="242252" y="459105"/>
+              <a:ext cx="11072813" cy="5981700"/>
+              <a:chOff x="242252" y="459105"/>
+              <a:chExt cx="11072813" cy="5981700"/>
+            </a:xfrm>
+          </p:grpSpPr>
+          <p:sp>
+            <p:nvSpPr>
+              <p:cNvPr id="10" name="圆角矩形 5">
+                <a:extLst>
+                  <a:ext uri="{FF2B5EF4-FFF2-40B4-BE49-F238E27FC236}">
+                    <a16:creationId xmlns:a16="http://schemas.microsoft.com/office/drawing/2014/main" id="{EFEBA6BF-0670-420D-B96A-AD084EAEAABF}"/>
+                  </a:ext>
+                </a:extLst>
+              </p:cNvPr>
+              <p:cNvSpPr/>
+              <p:nvPr/>
+            </p:nvSpPr>
+            <p:spPr>
+              <a:xfrm>
+                <a:off x="732155" y="459105"/>
+                <a:ext cx="10563225" cy="5981700"/>
+              </a:xfrm>
+              <a:prstGeom prst="roundRect">
+                <a:avLst>
+                  <a:gd name="adj" fmla="val 5488"/>
+                </a:avLst>
+              </a:prstGeom>
+              <a:gradFill>
+                <a:gsLst>
+                  <a:gs pos="25000">
+                    <a:schemeClr val="bg1">
+                      <a:alpha val="100000"/>
+                    </a:schemeClr>
+                  </a:gs>
+                  <a:gs pos="99000">
+                    <a:srgbClr val="CFD8E9">
+                      <a:alpha val="68000"/>
+                    </a:srgbClr>
+                  </a:gs>
+                </a:gsLst>
+                <a:lin ang="1560000" scaled="0"/>
+              </a:gradFill>
+              <a:ln>
+                <a:noFill/>
+              </a:ln>
+              <a:effectLst>
+                <a:outerShdw blurRad="571500" dist="266700" dir="3180000" algn="tl" rotWithShape="0">
+                  <a:schemeClr val="tx2">
+                    <a:lumMod val="75000"/>
+                    <a:lumOff val="25000"/>
+                    <a:alpha val="13000"/>
+                  </a:schemeClr>
+                </a:outerShdw>
+              </a:effectLst>
+            </p:spPr>
+            <p:style>
+              <a:lnRef idx="2">
+                <a:schemeClr val="accent1">
+                  <a:shade val="50000"/>
+                </a:schemeClr>
+              </a:lnRef>
+              <a:fillRef idx="1">
+                <a:schemeClr val="accent1"/>
+              </a:fillRef>
+              <a:effectRef idx="0">
+                <a:schemeClr val="accent1"/>
+              </a:effectRef>
+              <a:fontRef idx="minor">
+                <a:schemeClr val="lt1"/>
+              </a:fontRef>
+            </p:style>
+            <p:txBody>
+              <a:bodyPr rtlCol="0" anchor="ctr"/>
+              <a:lstStyle/>
+              <a:p>
+                <a:pPr algn="ctr"/>
+                <a:endParaRPr lang="zh-CN" altLang="en-US">
+                  <a:latin typeface="Arial"/>
+                  <a:ea typeface="微软雅黑"/>
+                  <a:sym typeface="Arial"/>
+                </a:endParaRPr>
+              </a:p>
+            </p:txBody>
+          </p:sp>
+          <p:sp>
+            <p:nvSpPr>
+              <p:cNvPr id="11" name="圆角矩形 9">
+                <a:extLst>
+                  <a:ext uri="{FF2B5EF4-FFF2-40B4-BE49-F238E27FC236}">
+                    <a16:creationId xmlns:a16="http://schemas.microsoft.com/office/drawing/2014/main" id="{5F6CB8FA-CEE2-44A0-889E-E5CBD752C431}"/>
+                  </a:ext>
+                </a:extLst>
+              </p:cNvPr>
+              <p:cNvSpPr/>
+              <p:nvPr/>
+            </p:nvSpPr>
+            <p:spPr>
+              <a:xfrm>
+                <a:off x="751840" y="487045"/>
+                <a:ext cx="10563225" cy="5953125"/>
+              </a:xfrm>
+              <a:prstGeom prst="roundRect">
+                <a:avLst>
+                  <a:gd name="adj" fmla="val 5063"/>
+                </a:avLst>
+              </a:prstGeom>
+              <a:gradFill>
+                <a:gsLst>
+                  <a:gs pos="25000">
+                    <a:srgbClr val="F0F4FD"/>
+                  </a:gs>
+                  <a:gs pos="99000">
+                    <a:srgbClr val="CFD8E9">
+                      <a:alpha val="78000"/>
+                    </a:srgbClr>
+                  </a:gs>
+                </a:gsLst>
+                <a:lin ang="1560000" scaled="0"/>
+              </a:gradFill>
+              <a:ln>
+                <a:noFill/>
+              </a:ln>
+            </p:spPr>
+            <p:style>
+              <a:lnRef idx="2">
+                <a:schemeClr val="accent1">
+                  <a:shade val="50000"/>
+                </a:schemeClr>
+              </a:lnRef>
+              <a:fillRef idx="1">
+                <a:schemeClr val="accent1"/>
+              </a:fillRef>
+              <a:effectRef idx="0">
+                <a:schemeClr val="accent1"/>
+              </a:effectRef>
+              <a:fontRef idx="minor">
+                <a:schemeClr val="lt1"/>
+              </a:fontRef>
+            </p:style>
+            <p:txBody>
+              <a:bodyPr rtlCol="0" anchor="ctr"/>
+              <a:lstStyle/>
+              <a:p>
+                <a:pPr algn="ctr"/>
+                <a:endParaRPr lang="zh-CN" altLang="en-US">
+                  <a:latin typeface="Arial"/>
+                  <a:ea typeface="微软雅黑"/>
+                  <a:sym typeface="Arial"/>
+                </a:endParaRPr>
+              </a:p>
+            </p:txBody>
+          </p:sp>
+          <p:pic>
+            <p:nvPicPr>
+              <p:cNvPr id="12" name="图片 11" descr="椭圆 1">
+                <a:extLst>
+                  <a:ext uri="{FF2B5EF4-FFF2-40B4-BE49-F238E27FC236}">
+                    <a16:creationId xmlns:a16="http://schemas.microsoft.com/office/drawing/2014/main" id="{93B88E9D-2AD7-4E9C-AD91-0A9541C86961}"/>
+                  </a:ext>
+                </a:extLst>
+              </p:cNvPr>
+              <p:cNvPicPr>
+                <a:picLocks noChangeAspect="1"/>
+              </p:cNvPicPr>
+              <p:nvPr/>
+            </p:nvPicPr>
+            <p:blipFill>
+              <a:blip r:embed="rId2"/>
+              <a:srcRect l="13828" t="28344" r="73984" b="58494"/>
+              <a:stretch>
+                <a:fillRect/>
+              </a:stretch>
+            </p:blipFill>
+            <p:spPr>
+              <a:xfrm rot="16200000">
+                <a:off x="27940" y="1080135"/>
+                <a:ext cx="1140460" cy="711835"/>
+              </a:xfrm>
+              <a:prstGeom prst="rect">
+                <a:avLst/>
+              </a:prstGeom>
+            </p:spPr>
+          </p:pic>
+          <p:pic>
+            <p:nvPicPr>
+              <p:cNvPr id="13" name="图片 12" descr="椭圆 1 拷贝">
+                <a:extLst>
+                  <a:ext uri="{FF2B5EF4-FFF2-40B4-BE49-F238E27FC236}">
+                    <a16:creationId xmlns:a16="http://schemas.microsoft.com/office/drawing/2014/main" id="{BC79135F-394A-4F14-8DA6-9D4F523BCBDB}"/>
+                  </a:ext>
+                </a:extLst>
+              </p:cNvPr>
+              <p:cNvPicPr>
+                <a:picLocks noChangeAspect="1"/>
+              </p:cNvPicPr>
+              <p:nvPr/>
+            </p:nvPicPr>
+            <p:blipFill>
+              <a:blip r:embed="rId3"/>
+              <a:srcRect l="13057" t="37477" r="70461" b="42655"/>
+              <a:stretch>
+                <a:fillRect/>
+              </a:stretch>
+            </p:blipFill>
+            <p:spPr>
+              <a:xfrm rot="16200000">
+                <a:off x="495935" y="817245"/>
+                <a:ext cx="1456055" cy="988060"/>
+              </a:xfrm>
+              <a:prstGeom prst="rect">
+                <a:avLst/>
+              </a:prstGeom>
+            </p:spPr>
+          </p:pic>
+        </p:grpSp>
+        <p:grpSp>
+          <p:nvGrpSpPr>
+            <p:cNvPr id="7" name="组合 标题">
+              <a:extLst>
+                <a:ext uri="{FF2B5EF4-FFF2-40B4-BE49-F238E27FC236}">
+                  <a16:creationId xmlns:a16="http://schemas.microsoft.com/office/drawing/2014/main" id="{29AD5A47-BB6D-4BEE-9731-1854E9293250}"/>
+                </a:ext>
+              </a:extLst>
+            </p:cNvPr>
+            <p:cNvGrpSpPr/>
+            <p:nvPr/>
+          </p:nvGrpSpPr>
+          <p:grpSpPr>
+            <a:xfrm>
+              <a:off x="1260475" y="1039495"/>
+              <a:ext cx="2163445" cy="605482"/>
+              <a:chOff x="1260475" y="1039495"/>
+              <a:chExt cx="2163445" cy="605482"/>
+            </a:xfrm>
+          </p:grpSpPr>
+          <p:sp>
+            <p:nvSpPr>
+              <p:cNvPr id="8" name="文本框 7">
+                <a:extLst>
+                  <a:ext uri="{FF2B5EF4-FFF2-40B4-BE49-F238E27FC236}">
+                    <a16:creationId xmlns:a16="http://schemas.microsoft.com/office/drawing/2014/main" id="{3596E63C-0EF5-45FA-8D81-4C149A25AC74}"/>
+                  </a:ext>
+                </a:extLst>
+              </p:cNvPr>
+              <p:cNvSpPr txBox="1"/>
+              <p:nvPr/>
+            </p:nvSpPr>
+            <p:spPr>
+              <a:xfrm>
+                <a:off x="1260475" y="1414145"/>
+                <a:ext cx="1274708" cy="230832"/>
+              </a:xfrm>
+              <a:prstGeom prst="rect">
+                <a:avLst/>
+              </a:prstGeom>
+              <a:noFill/>
+            </p:spPr>
+            <p:txBody>
+              <a:bodyPr wrap="none" rtlCol="0">
+                <a:spAutoFit/>
+              </a:bodyPr>
+              <a:lstStyle/>
+              <a:p>
+                <a:r>
+                  <a:rPr lang="en-US" altLang="zh-CN" sz="900" kern="0" dirty="0">
+                    <a:solidFill>
+                      <a:schemeClr val="tx1">
+                        <a:lumMod val="50000"/>
+                        <a:lumOff val="50000"/>
+                      </a:schemeClr>
+                    </a:solidFill>
+                    <a:ea typeface="微软雅黑"/>
+                    <a:cs typeface="思源黑体 CN Bold" panose="020B0800000000000000" charset="-122"/>
+                    <a:sym typeface="Arial"/>
+                  </a:rPr>
+                  <a:t>Main technical routes</a:t>
+                </a:r>
+              </a:p>
+            </p:txBody>
+          </p:sp>
+          <p:sp>
+            <p:nvSpPr>
+              <p:cNvPr id="9" name="矩形 8">
+                <a:extLst>
+                  <a:ext uri="{FF2B5EF4-FFF2-40B4-BE49-F238E27FC236}">
+                    <a16:creationId xmlns:a16="http://schemas.microsoft.com/office/drawing/2014/main" id="{813B8F19-86FD-4741-954C-6509145DE62C}"/>
+                  </a:ext>
+                </a:extLst>
+              </p:cNvPr>
+              <p:cNvSpPr/>
+              <p:nvPr/>
+            </p:nvSpPr>
+            <p:spPr>
+              <a:xfrm>
+                <a:off x="1260475" y="1039495"/>
+                <a:ext cx="2163445" cy="461665"/>
+              </a:xfrm>
+              <a:prstGeom prst="rect">
+                <a:avLst/>
+              </a:prstGeom>
+            </p:spPr>
+            <p:txBody>
+              <a:bodyPr wrap="square">
+                <a:spAutoFit/>
+              </a:bodyPr>
+              <a:lstStyle/>
+              <a:p>
+                <a:pPr lvl="0">
+                  <a:defRPr/>
+                </a:pPr>
+                <a:r>
+                  <a:rPr lang="zh-CN" altLang="en-US" sz="2400" kern="0" dirty="0">
+                    <a:ln w="0">
+                      <a:noFill/>
+                    </a:ln>
+                    <a:solidFill>
+                      <a:srgbClr val="1857F6"/>
+                    </a:solidFill>
+                    <a:ea typeface="微软雅黑"/>
+                    <a:cs typeface="思源黑体 CN Heavy" panose="020B0A00000000000000" charset="-122"/>
+                    <a:sym typeface="Arial"/>
+                  </a:rPr>
+                  <a:t>主要技术路线</a:t>
+                </a:r>
+              </a:p>
+            </p:txBody>
+          </p:sp>
+        </p:grpSp>
+      </p:grpSp>
+      <p:grpSp>
+        <p:nvGrpSpPr>
+          <p:cNvPr id="14" name="组合 内容1">
+            <a:extLst>
+              <a:ext uri="{FF2B5EF4-FFF2-40B4-BE49-F238E27FC236}">
+                <a16:creationId xmlns:a16="http://schemas.microsoft.com/office/drawing/2014/main" id="{C3D11F59-31C3-43A5-B154-413F7501B4DF}"/>
+              </a:ext>
+            </a:extLst>
+          </p:cNvPr>
+          <p:cNvGrpSpPr/>
+          <p:nvPr/>
+        </p:nvGrpSpPr>
+        <p:grpSpPr>
+          <a:xfrm>
+            <a:off x="1697084" y="2006283"/>
+            <a:ext cx="1894205" cy="398780"/>
+            <a:chOff x="5086350" y="1896745"/>
+            <a:chExt cx="1894205" cy="398780"/>
+          </a:xfrm>
+        </p:grpSpPr>
+        <p:sp>
+          <p:nvSpPr>
+            <p:cNvPr id="15" name="矩形 14">
+              <a:extLst>
+                <a:ext uri="{FF2B5EF4-FFF2-40B4-BE49-F238E27FC236}">
+                  <a16:creationId xmlns:a16="http://schemas.microsoft.com/office/drawing/2014/main" id="{079D0348-7079-4A23-8CBF-BE260612CA8B}"/>
+                </a:ext>
+              </a:extLst>
+            </p:cNvPr>
+            <p:cNvSpPr/>
+            <p:nvPr/>
+          </p:nvSpPr>
+          <p:spPr>
+            <a:xfrm>
+              <a:off x="5277453" y="2190115"/>
+              <a:ext cx="1512000" cy="72000"/>
+            </a:xfrm>
+            <a:prstGeom prst="rect">
+              <a:avLst/>
+            </a:prstGeom>
+            <a:solidFill>
+              <a:schemeClr val="accent4">
+                <a:lumMod val="75000"/>
+              </a:schemeClr>
+            </a:solidFill>
+            <a:ln>
+              <a:noFill/>
+            </a:ln>
+          </p:spPr>
+          <p:style>
+            <a:lnRef idx="2">
+              <a:schemeClr val="accent1">
+                <a:shade val="50000"/>
+              </a:schemeClr>
+            </a:lnRef>
+            <a:fillRef idx="1">
+              <a:schemeClr val="accent1"/>
+            </a:fillRef>
+            <a:effectRef idx="0">
+              <a:schemeClr val="accent1"/>
+            </a:effectRef>
+            <a:fontRef idx="minor">
+              <a:schemeClr val="lt1"/>
+            </a:fontRef>
+          </p:style>
+          <p:txBody>
+            <a:bodyPr rtlCol="0" anchor="ctr"/>
+            <a:lstStyle/>
+            <a:p>
+              <a:pPr algn="ctr"/>
+              <a:endParaRPr lang="zh-CN" altLang="en-US">
+                <a:latin typeface="Arial"/>
+                <a:ea typeface="微软雅黑"/>
+                <a:sym typeface="Arial"/>
+              </a:endParaRPr>
+            </a:p>
+          </p:txBody>
+        </p:sp>
+        <p:sp>
+          <p:nvSpPr>
+            <p:cNvPr id="16" name="矩形 15">
+              <a:extLst>
+                <a:ext uri="{FF2B5EF4-FFF2-40B4-BE49-F238E27FC236}">
+                  <a16:creationId xmlns:a16="http://schemas.microsoft.com/office/drawing/2014/main" id="{803B5E0B-6B7B-457D-BF74-57F259BFAC5C}"/>
+                </a:ext>
+              </a:extLst>
+            </p:cNvPr>
+            <p:cNvSpPr/>
+            <p:nvPr/>
+          </p:nvSpPr>
+          <p:spPr>
+            <a:xfrm>
+              <a:off x="5086350" y="1896745"/>
+              <a:ext cx="1894205" cy="398780"/>
+            </a:xfrm>
+            <a:prstGeom prst="rect">
+              <a:avLst/>
+            </a:prstGeom>
+          </p:spPr>
+          <p:txBody>
+            <a:bodyPr wrap="square">
+              <a:spAutoFit/>
+            </a:bodyPr>
+            <a:lstStyle/>
+            <a:p>
+              <a:pPr marL="0" marR="0" lvl="0" indent="0" algn="ctr" defTabSz="914400" rtl="0" eaLnBrk="1" fontAlgn="auto" latinLnBrk="0" hangingPunct="1">
+                <a:lnSpc>
+                  <a:spcPct val="100000"/>
+                </a:lnSpc>
+                <a:spcBef>
+                  <a:spcPts val="0"/>
+                </a:spcBef>
+                <a:spcAft>
+                  <a:spcPts val="0"/>
+                </a:spcAft>
+                <a:buClrTx/>
+                <a:buSzTx/>
+                <a:buFontTx/>
+                <a:buNone/>
+                <a:defRPr/>
+              </a:pPr>
+              <a:r>
+                <a:rPr lang="zh-CN" altLang="en-US" sz="2000" kern="0" dirty="0">
+                  <a:ln w="0">
+                    <a:noFill/>
+                  </a:ln>
+                  <a:latin typeface="Arial"/>
+                  <a:ea typeface="微软雅黑"/>
+                  <a:cs typeface="思源黑体 CN Bold" panose="020B0800000000000000" charset="-122"/>
+                  <a:sym typeface="Arial"/>
+                </a:rPr>
+                <a:t>展示层</a:t>
+              </a:r>
+              <a:endParaRPr kumimoji="0" lang="zh-CN" altLang="en-US" sz="2000" i="0" u="none" strike="noStrike" kern="0" cap="none" spc="0" normalizeH="0" baseline="0" noProof="0" dirty="0">
+                <a:ln w="0">
+                  <a:noFill/>
+                </a:ln>
+                <a:solidFill>
+                  <a:schemeClr val="tx1"/>
+                </a:solidFill>
+                <a:effectLst/>
+                <a:uLnTx/>
+                <a:uFillTx/>
+                <a:latin typeface="Arial"/>
+                <a:ea typeface="微软雅黑"/>
+                <a:cs typeface="思源黑体 CN Bold" panose="020B0800000000000000" charset="-122"/>
+                <a:sym typeface="Arial"/>
+              </a:endParaRPr>
+            </a:p>
+          </p:txBody>
+        </p:sp>
+      </p:grpSp>
+      <p:pic>
+        <p:nvPicPr>
+          <p:cNvPr id="22" name="图片 21">
+            <a:extLst>
+              <a:ext uri="{FF2B5EF4-FFF2-40B4-BE49-F238E27FC236}">
+                <a16:creationId xmlns:a16="http://schemas.microsoft.com/office/drawing/2014/main" id="{91BB15B1-ADA2-454D-9F72-60704A3C0624}"/>
+              </a:ext>
+            </a:extLst>
+          </p:cNvPr>
+          <p:cNvPicPr/>
+          <p:nvPr/>
+        </p:nvPicPr>
+        <p:blipFill>
+          <a:blip r:embed="rId4">
+            <a:extLst>
+              <a:ext uri="{28A0092B-C50C-407E-A947-70E740481C1C}">
+                <a14:useLocalDpi xmlns:a14="http://schemas.microsoft.com/office/drawing/2010/main" val="0"/>
+              </a:ext>
+            </a:extLst>
+          </a:blip>
+          <a:srcRect/>
+          <a:stretch>
+            <a:fillRect/>
+          </a:stretch>
+        </p:blipFill>
+        <p:spPr bwMode="auto">
+          <a:xfrm>
+            <a:off x="5033315" y="459105"/>
+            <a:ext cx="6149035" cy="6129860"/>
+          </a:xfrm>
+          <a:prstGeom prst="rect">
+            <a:avLst/>
+          </a:prstGeom>
+          <a:noFill/>
+          <a:ln>
+            <a:noFill/>
+          </a:ln>
+        </p:spPr>
+      </p:pic>
+    </p:spTree>
+    <p:extLst>
+      <p:ext uri="{BB962C8B-B14F-4D97-AF65-F5344CB8AC3E}">
+        <p14:creationId xmlns:p14="http://schemas.microsoft.com/office/powerpoint/2010/main" val="1279427096"/>
+      </p:ext>
+    </p:extLst>
+  </p:cSld>
+  <p:clrMapOvr>
+    <a:masterClrMapping/>
+  </p:clrMapOvr>
+</p:sld>
+</file>
+
+<file path=ppt/slides/slide11.xml><?xml version="1.0" encoding="utf-8"?>
+<p:sld xmlns:a="http://schemas.openxmlformats.org/drawingml/2006/main" xmlns:r="http://schemas.openxmlformats.org/officeDocument/2006/relationships" xmlns:p="http://schemas.openxmlformats.org/presentationml/2006/main">
+  <p:cSld>
+    <p:spTree>
+      <p:nvGrpSpPr>
+        <p:cNvPr id="1" name=""/>
+        <p:cNvGrpSpPr/>
+        <p:nvPr/>
+      </p:nvGrpSpPr>
+      <p:grpSpPr>
+        <a:xfrm>
+          <a:off x="0" y="0"/>
+          <a:ext cx="0" cy="0"/>
+          <a:chOff x="0" y="0"/>
+          <a:chExt cx="0" cy="0"/>
+        </a:xfrm>
+      </p:grpSpPr>
+      <p:sp>
+        <p:nvSpPr>
+          <p:cNvPr id="4" name="矩形 背景"/>
+          <p:cNvSpPr/>
+          <p:nvPr/>
+        </p:nvSpPr>
+        <p:spPr>
+          <a:xfrm>
+            <a:off x="635" y="-25400"/>
+            <a:ext cx="12197080" cy="6899910"/>
+          </a:xfrm>
+          <a:prstGeom prst="rect">
+            <a:avLst/>
+          </a:prstGeom>
+          <a:solidFill>
+            <a:srgbClr val="DBE1EA"/>
+          </a:solidFill>
+          <a:ln>
+            <a:noFill/>
+          </a:ln>
+        </p:spPr>
+        <p:style>
+          <a:lnRef idx="2">
+            <a:schemeClr val="accent1">
+              <a:shade val="50000"/>
+            </a:schemeClr>
+          </a:lnRef>
+          <a:fillRef idx="1">
+            <a:schemeClr val="accent1"/>
+          </a:fillRef>
+          <a:effectRef idx="0">
+            <a:schemeClr val="accent1"/>
+          </a:effectRef>
+          <a:fontRef idx="minor">
+            <a:schemeClr val="lt1"/>
+          </a:fontRef>
+        </p:style>
+        <p:txBody>
+          <a:bodyPr rtlCol="0" anchor="ctr"/>
+          <a:lstStyle/>
+          <a:p>
+            <a:pPr algn="ctr"/>
+            <a:endParaRPr lang="zh-CN" altLang="en-US">
+              <a:latin typeface="Arial"/>
+              <a:ea typeface="微软雅黑"/>
+              <a:sym typeface="Arial"/>
+            </a:endParaRPr>
+          </a:p>
+        </p:txBody>
+      </p:sp>
+      <p:grpSp>
+        <p:nvGrpSpPr>
+          <p:cNvPr id="26" name="组合 25">
+            <a:extLst>
+              <a:ext uri="{FF2B5EF4-FFF2-40B4-BE49-F238E27FC236}">
+                <a16:creationId xmlns:a16="http://schemas.microsoft.com/office/drawing/2014/main" id="{2660A8FA-5FA4-44D1-9ED8-D12F32F4C44B}"/>
+              </a:ext>
+            </a:extLst>
+          </p:cNvPr>
+          <p:cNvGrpSpPr/>
+          <p:nvPr/>
+        </p:nvGrpSpPr>
+        <p:grpSpPr>
+          <a:xfrm>
+            <a:off x="1607185" y="-382905"/>
+            <a:ext cx="9240520" cy="7011035"/>
+            <a:chOff x="1607185" y="-382905"/>
+            <a:chExt cx="9240520" cy="7011035"/>
+          </a:xfrm>
+        </p:grpSpPr>
+        <p:grpSp>
+          <p:nvGrpSpPr>
+            <p:cNvPr id="8" name="组合 7"/>
+            <p:cNvGrpSpPr/>
+            <p:nvPr/>
+          </p:nvGrpSpPr>
+          <p:grpSpPr>
+            <a:xfrm>
+              <a:off x="1607185" y="1978025"/>
+              <a:ext cx="8983980" cy="3355975"/>
+              <a:chOff x="3183" y="2744"/>
+              <a:chExt cx="12101" cy="6024"/>
+            </a:xfrm>
+          </p:grpSpPr>
+          <p:sp>
+            <p:nvSpPr>
+              <p:cNvPr id="6" name="圆角矩形 5"/>
+              <p:cNvSpPr/>
+              <p:nvPr/>
+            </p:nvSpPr>
+            <p:spPr>
+              <a:xfrm>
+                <a:off x="3183" y="2744"/>
+                <a:ext cx="12100" cy="6023"/>
+              </a:xfrm>
+              <a:prstGeom prst="roundRect">
+                <a:avLst>
+                  <a:gd name="adj" fmla="val 5488"/>
+                </a:avLst>
+              </a:prstGeom>
+              <a:gradFill>
+                <a:gsLst>
+                  <a:gs pos="25000">
+                    <a:schemeClr val="bg1">
+                      <a:alpha val="100000"/>
+                    </a:schemeClr>
+                  </a:gs>
+                  <a:gs pos="99000">
+                    <a:srgbClr val="EEF4FF"/>
+                  </a:gs>
+                </a:gsLst>
+                <a:lin ang="1560000" scaled="0"/>
+              </a:gradFill>
+              <a:ln>
+                <a:noFill/>
+              </a:ln>
+              <a:effectLst>
+                <a:outerShdw blurRad="571500" dist="266700" dir="3180000" algn="tl" rotWithShape="0">
+                  <a:schemeClr val="tx2">
+                    <a:lumMod val="75000"/>
+                    <a:lumOff val="25000"/>
+                    <a:alpha val="13000"/>
+                  </a:schemeClr>
+                </a:outerShdw>
+              </a:effectLst>
+            </p:spPr>
+            <p:style>
+              <a:lnRef idx="2">
+                <a:schemeClr val="accent1">
+                  <a:shade val="50000"/>
+                </a:schemeClr>
+              </a:lnRef>
+              <a:fillRef idx="1">
+                <a:schemeClr val="accent1"/>
+              </a:fillRef>
+              <a:effectRef idx="0">
+                <a:schemeClr val="accent1"/>
+              </a:effectRef>
+              <a:fontRef idx="minor">
+                <a:schemeClr val="lt1"/>
+              </a:fontRef>
+            </p:style>
+            <p:txBody>
+              <a:bodyPr rtlCol="0" anchor="ctr"/>
+              <a:lstStyle/>
+              <a:p>
+                <a:pPr algn="ctr"/>
+                <a:endParaRPr lang="zh-CN" altLang="en-US">
+                  <a:latin typeface="Arial"/>
+                  <a:ea typeface="微软雅黑"/>
+                  <a:sym typeface="Arial"/>
+                </a:endParaRPr>
+              </a:p>
+            </p:txBody>
+          </p:sp>
+          <p:sp>
+            <p:nvSpPr>
+              <p:cNvPr id="10" name="圆角矩形 9"/>
+              <p:cNvSpPr/>
+              <p:nvPr/>
+            </p:nvSpPr>
+            <p:spPr>
+              <a:xfrm>
+                <a:off x="3214" y="2776"/>
+                <a:ext cx="12070" cy="5993"/>
+              </a:xfrm>
+              <a:prstGeom prst="roundRect">
+                <a:avLst>
+                  <a:gd name="adj" fmla="val 5063"/>
+                </a:avLst>
+              </a:prstGeom>
+              <a:gradFill>
+                <a:gsLst>
+                  <a:gs pos="25000">
+                    <a:srgbClr val="F0F4FD"/>
+                  </a:gs>
+                  <a:gs pos="99000">
+                    <a:srgbClr val="CFD8E9">
+                      <a:alpha val="78000"/>
+                    </a:srgbClr>
+                  </a:gs>
+                </a:gsLst>
+                <a:lin ang="1560000" scaled="0"/>
+              </a:gradFill>
+              <a:ln>
+                <a:noFill/>
+              </a:ln>
+            </p:spPr>
+            <p:style>
+              <a:lnRef idx="2">
+                <a:schemeClr val="accent1">
+                  <a:shade val="50000"/>
+                </a:schemeClr>
+              </a:lnRef>
+              <a:fillRef idx="1">
+                <a:schemeClr val="accent1"/>
+              </a:fillRef>
+              <a:effectRef idx="0">
+                <a:schemeClr val="accent1"/>
+              </a:effectRef>
+              <a:fontRef idx="minor">
+                <a:schemeClr val="lt1"/>
+              </a:fontRef>
+            </p:style>
+            <p:txBody>
+              <a:bodyPr rtlCol="0" anchor="ctr"/>
+              <a:lstStyle/>
+              <a:p>
+                <a:pPr algn="ctr"/>
+                <a:endParaRPr lang="zh-CN" altLang="en-US">
+                  <a:latin typeface="Arial"/>
+                  <a:ea typeface="微软雅黑"/>
+                  <a:sym typeface="Arial"/>
+                </a:endParaRPr>
+              </a:p>
+            </p:txBody>
+          </p:sp>
+        </p:grpSp>
+        <p:grpSp>
+          <p:nvGrpSpPr>
+            <p:cNvPr id="13" name="组合 书"/>
+            <p:cNvGrpSpPr/>
+            <p:nvPr/>
+          </p:nvGrpSpPr>
+          <p:grpSpPr>
+            <a:xfrm>
+              <a:off x="9439275" y="4166870"/>
+              <a:ext cx="1408430" cy="1612900"/>
+              <a:chOff x="14862" y="3442"/>
+              <a:chExt cx="2709" cy="3102"/>
+            </a:xfrm>
+          </p:grpSpPr>
+          <p:sp>
+            <p:nvSpPr>
+              <p:cNvPr id="2" name="圆角矩形 1"/>
+              <p:cNvSpPr/>
+              <p:nvPr/>
+            </p:nvSpPr>
+            <p:spPr>
+              <a:xfrm rot="19860000">
+                <a:off x="14921" y="3442"/>
+                <a:ext cx="2650" cy="3062"/>
+              </a:xfrm>
+              <a:prstGeom prst="roundRect">
+                <a:avLst>
+                  <a:gd name="adj" fmla="val 7181"/>
+                </a:avLst>
+              </a:prstGeom>
+              <a:solidFill>
+                <a:srgbClr val="385AE6"/>
+              </a:solidFill>
+              <a:ln>
+                <a:noFill/>
+              </a:ln>
+              <a:effectLst/>
+            </p:spPr>
+            <p:style>
+              <a:lnRef idx="2">
+                <a:schemeClr val="accent1">
+                  <a:shade val="50000"/>
+                </a:schemeClr>
+              </a:lnRef>
+              <a:fillRef idx="1">
+                <a:schemeClr val="accent1"/>
+              </a:fillRef>
+              <a:effectRef idx="0">
+                <a:schemeClr val="accent1"/>
+              </a:effectRef>
+              <a:fontRef idx="minor">
+                <a:schemeClr val="lt1"/>
+              </a:fontRef>
+            </p:style>
+            <p:txBody>
+              <a:bodyPr rtlCol="0" anchor="ctr"/>
+              <a:lstStyle/>
+              <a:p>
+                <a:pPr algn="ctr"/>
+                <a:endParaRPr lang="zh-CN" altLang="en-US">
+                  <a:latin typeface="Arial"/>
+                  <a:ea typeface="微软雅黑"/>
+                  <a:sym typeface="Arial"/>
+                </a:endParaRPr>
+              </a:p>
+            </p:txBody>
+          </p:sp>
+          <p:sp>
+            <p:nvSpPr>
+              <p:cNvPr id="3" name="圆角矩形 2"/>
+              <p:cNvSpPr/>
+              <p:nvPr/>
+            </p:nvSpPr>
+            <p:spPr>
+              <a:xfrm rot="19860000">
+                <a:off x="14862" y="3482"/>
+                <a:ext cx="2650" cy="3062"/>
+              </a:xfrm>
+              <a:prstGeom prst="roundRect">
+                <a:avLst>
+                  <a:gd name="adj" fmla="val 7181"/>
+                </a:avLst>
+              </a:prstGeom>
+              <a:gradFill>
+                <a:gsLst>
+                  <a:gs pos="25000">
+                    <a:srgbClr val="F0F4FD"/>
+                  </a:gs>
+                  <a:gs pos="99000">
+                    <a:schemeClr val="bg1"/>
+                  </a:gs>
+                </a:gsLst>
+                <a:lin ang="1560000" scaled="0"/>
+              </a:gradFill>
+              <a:ln>
+                <a:solidFill>
+                  <a:schemeClr val="bg1"/>
+                </a:solidFill>
+              </a:ln>
+              <a:effectLst>
+                <a:outerShdw blurRad="393700" dist="38100" dir="2700000" algn="tl" rotWithShape="0">
+                  <a:srgbClr val="385AE6">
+                    <a:alpha val="18000"/>
+                  </a:srgbClr>
+                </a:outerShdw>
+              </a:effectLst>
+            </p:spPr>
+            <p:style>
+              <a:lnRef idx="2">
+                <a:schemeClr val="accent1">
+                  <a:shade val="50000"/>
+                </a:schemeClr>
+              </a:lnRef>
+              <a:fillRef idx="1">
+                <a:schemeClr val="accent1"/>
+              </a:fillRef>
+              <a:effectRef idx="0">
+                <a:schemeClr val="accent1"/>
+              </a:effectRef>
+              <a:fontRef idx="minor">
+                <a:schemeClr val="lt1"/>
+              </a:fontRef>
+            </p:style>
+            <p:txBody>
+              <a:bodyPr rtlCol="0" anchor="ctr"/>
+              <a:lstStyle/>
+              <a:p>
+                <a:pPr algn="ctr"/>
+                <a:endParaRPr lang="zh-CN" altLang="en-US">
+                  <a:latin typeface="Arial"/>
+                  <a:ea typeface="微软雅黑"/>
+                  <a:sym typeface="Arial"/>
+                </a:endParaRPr>
+              </a:p>
+            </p:txBody>
+          </p:sp>
+          <p:grpSp>
+            <p:nvGrpSpPr>
+              <p:cNvPr id="11" name="组合 10"/>
+              <p:cNvGrpSpPr/>
+              <p:nvPr/>
+            </p:nvGrpSpPr>
+            <p:grpSpPr>
+              <a:xfrm>
+                <a:off x="14873" y="4187"/>
+                <a:ext cx="2263" cy="1688"/>
+                <a:chOff x="14813" y="4037"/>
+                <a:chExt cx="2263" cy="1688"/>
+              </a:xfrm>
+            </p:grpSpPr>
+            <p:sp>
+              <p:nvSpPr>
+                <p:cNvPr id="9" name="圆角矩形 8"/>
+                <p:cNvSpPr/>
+                <p:nvPr/>
+              </p:nvSpPr>
+              <p:spPr>
+                <a:xfrm rot="19860000">
+                  <a:off x="14813" y="4037"/>
+                  <a:ext cx="1781" cy="211"/>
+                </a:xfrm>
+                <a:prstGeom prst="roundRect">
+                  <a:avLst>
+                    <a:gd name="adj" fmla="val 50000"/>
+                  </a:avLst>
+                </a:prstGeom>
+                <a:solidFill>
+                  <a:srgbClr val="DAE2F2"/>
+                </a:solidFill>
+                <a:ln>
+                  <a:noFill/>
+                </a:ln>
+              </p:spPr>
+              <p:style>
+                <a:lnRef idx="2">
+                  <a:schemeClr val="accent1">
+                    <a:shade val="50000"/>
+                  </a:schemeClr>
+                </a:lnRef>
+                <a:fillRef idx="1">
+                  <a:schemeClr val="accent1"/>
+                </a:fillRef>
+                <a:effectRef idx="0">
+                  <a:schemeClr val="accent1"/>
+                </a:effectRef>
+                <a:fontRef idx="minor">
+                  <a:schemeClr val="lt1"/>
+                </a:fontRef>
+              </p:style>
+              <p:txBody>
+                <a:bodyPr rtlCol="0" anchor="ctr"/>
+                <a:lstStyle/>
+                <a:p>
+                  <a:pPr algn="ctr"/>
+                  <a:endParaRPr lang="zh-CN" altLang="en-US">
+                    <a:latin typeface="Arial"/>
+                    <a:ea typeface="微软雅黑"/>
+                    <a:sym typeface="Arial"/>
+                  </a:endParaRPr>
+                </a:p>
+              </p:txBody>
+            </p:sp>
+            <p:sp>
+              <p:nvSpPr>
+                <p:cNvPr id="16" name="圆角矩形 15"/>
+                <p:cNvSpPr/>
+                <p:nvPr/>
+              </p:nvSpPr>
+              <p:spPr>
+                <a:xfrm rot="19860000">
+                  <a:off x="15055" y="4473"/>
+                  <a:ext cx="1781" cy="211"/>
+                </a:xfrm>
+                <a:prstGeom prst="roundRect">
+                  <a:avLst>
+                    <a:gd name="adj" fmla="val 50000"/>
+                  </a:avLst>
+                </a:prstGeom>
+                <a:solidFill>
+                  <a:srgbClr val="DAE2F2"/>
+                </a:solidFill>
+                <a:ln>
+                  <a:noFill/>
+                </a:ln>
+              </p:spPr>
+              <p:style>
+                <a:lnRef idx="2">
+                  <a:schemeClr val="accent1">
+                    <a:shade val="50000"/>
+                  </a:schemeClr>
+                </a:lnRef>
+                <a:fillRef idx="1">
+                  <a:schemeClr val="accent1"/>
+                </a:fillRef>
+                <a:effectRef idx="0">
+                  <a:schemeClr val="accent1"/>
+                </a:effectRef>
+                <a:fontRef idx="minor">
+                  <a:schemeClr val="lt1"/>
+                </a:fontRef>
+              </p:style>
+              <p:txBody>
+                <a:bodyPr rtlCol="0" anchor="ctr"/>
+                <a:lstStyle/>
+                <a:p>
+                  <a:pPr algn="ctr"/>
+                  <a:endParaRPr lang="zh-CN" altLang="en-US">
+                    <a:latin typeface="Arial"/>
+                    <a:ea typeface="微软雅黑"/>
+                    <a:sym typeface="Arial"/>
+                  </a:endParaRPr>
+                </a:p>
+              </p:txBody>
+            </p:sp>
+            <p:sp>
+              <p:nvSpPr>
+                <p:cNvPr id="17" name="圆角矩形 16"/>
+                <p:cNvSpPr/>
+                <p:nvPr/>
+              </p:nvSpPr>
+              <p:spPr>
+                <a:xfrm rot="19860000">
+                  <a:off x="15296" y="4908"/>
+                  <a:ext cx="1781" cy="211"/>
+                </a:xfrm>
+                <a:prstGeom prst="roundRect">
+                  <a:avLst>
+                    <a:gd name="adj" fmla="val 50000"/>
+                  </a:avLst>
+                </a:prstGeom>
+                <a:solidFill>
+                  <a:srgbClr val="DAE2F2"/>
+                </a:solidFill>
+                <a:ln>
+                  <a:noFill/>
+                </a:ln>
+              </p:spPr>
+              <p:style>
+                <a:lnRef idx="2">
+                  <a:schemeClr val="accent1">
+                    <a:shade val="50000"/>
+                  </a:schemeClr>
+                </a:lnRef>
+                <a:fillRef idx="1">
+                  <a:schemeClr val="accent1"/>
+                </a:fillRef>
+                <a:effectRef idx="0">
+                  <a:schemeClr val="accent1"/>
+                </a:effectRef>
+                <a:fontRef idx="minor">
+                  <a:schemeClr val="lt1"/>
+                </a:fontRef>
+              </p:style>
+              <p:txBody>
+                <a:bodyPr rtlCol="0" anchor="ctr"/>
+                <a:lstStyle/>
+                <a:p>
+                  <a:pPr algn="ctr"/>
+                  <a:endParaRPr lang="zh-CN" altLang="en-US">
+                    <a:latin typeface="Arial"/>
+                    <a:ea typeface="微软雅黑"/>
+                    <a:sym typeface="Arial"/>
+                  </a:endParaRPr>
+                </a:p>
+              </p:txBody>
+            </p:sp>
+            <p:sp>
+              <p:nvSpPr>
+                <p:cNvPr id="18" name="圆角矩形 17"/>
+                <p:cNvSpPr/>
+                <p:nvPr/>
+              </p:nvSpPr>
+              <p:spPr>
+                <a:xfrm rot="19860000">
+                  <a:off x="15582" y="5515"/>
+                  <a:ext cx="1074" cy="211"/>
+                </a:xfrm>
+                <a:prstGeom prst="roundRect">
+                  <a:avLst>
+                    <a:gd name="adj" fmla="val 50000"/>
+                  </a:avLst>
+                </a:prstGeom>
+                <a:solidFill>
+                  <a:srgbClr val="DAE2F2"/>
+                </a:solidFill>
+                <a:ln>
+                  <a:noFill/>
+                </a:ln>
+              </p:spPr>
+              <p:style>
+                <a:lnRef idx="2">
+                  <a:schemeClr val="accent1">
+                    <a:shade val="50000"/>
+                  </a:schemeClr>
+                </a:lnRef>
+                <a:fillRef idx="1">
+                  <a:schemeClr val="accent1"/>
+                </a:fillRef>
+                <a:effectRef idx="0">
+                  <a:schemeClr val="accent1"/>
+                </a:effectRef>
+                <a:fontRef idx="minor">
+                  <a:schemeClr val="lt1"/>
+                </a:fontRef>
+              </p:style>
+              <p:txBody>
+                <a:bodyPr rtlCol="0" anchor="ctr"/>
+                <a:lstStyle/>
+                <a:p>
+                  <a:pPr algn="ctr"/>
+                  <a:endParaRPr lang="zh-CN" altLang="en-US">
+                    <a:latin typeface="Arial"/>
+                    <a:ea typeface="微软雅黑"/>
+                    <a:sym typeface="Arial"/>
+                  </a:endParaRPr>
+                </a:p>
+              </p:txBody>
+            </p:sp>
+          </p:grpSp>
+        </p:grpSp>
+        <p:pic>
+          <p:nvPicPr>
+            <p:cNvPr id="15" name="图片 14" descr="椭圆 1 拷贝"/>
+            <p:cNvPicPr>
+              <a:picLocks noChangeAspect="1"/>
+            </p:cNvPicPr>
+            <p:nvPr/>
+          </p:nvPicPr>
+          <p:blipFill>
+            <a:blip r:embed="rId3"/>
+            <a:srcRect l="13057" t="37477" r="70461" b="42655"/>
+            <a:stretch>
+              <a:fillRect/>
+            </a:stretch>
+          </p:blipFill>
+          <p:spPr>
+            <a:xfrm>
+              <a:off x="2383155" y="1943100"/>
+              <a:ext cx="7869555" cy="4685030"/>
+            </a:xfrm>
+            <a:prstGeom prst="rect">
+              <a:avLst/>
+            </a:prstGeom>
+          </p:spPr>
+        </p:pic>
+        <p:pic>
+          <p:nvPicPr>
+            <p:cNvPr id="14" name="图片 13" descr="椭圆 1"/>
+            <p:cNvPicPr>
+              <a:picLocks noChangeAspect="1"/>
+            </p:cNvPicPr>
+            <p:nvPr/>
+          </p:nvPicPr>
+          <p:blipFill>
+            <a:blip r:embed="rId4"/>
+            <a:srcRect l="13828" t="28344" r="73984" b="58494"/>
+            <a:stretch>
+              <a:fillRect/>
+            </a:stretch>
+          </p:blipFill>
+          <p:spPr>
+            <a:xfrm>
+              <a:off x="2981960" y="-382905"/>
+              <a:ext cx="5380355" cy="3422015"/>
+            </a:xfrm>
+            <a:prstGeom prst="rect">
+              <a:avLst/>
+            </a:prstGeom>
+          </p:spPr>
+        </p:pic>
+      </p:grpSp>
+      <p:grpSp>
+        <p:nvGrpSpPr>
+          <p:cNvPr id="23" name="组合 22">
+            <a:extLst>
+              <a:ext uri="{FF2B5EF4-FFF2-40B4-BE49-F238E27FC236}">
+                <a16:creationId xmlns:a16="http://schemas.microsoft.com/office/drawing/2014/main" id="{45782416-ACE8-44FC-909B-48A2854B9AB6}"/>
+              </a:ext>
+            </a:extLst>
+          </p:cNvPr>
+          <p:cNvGrpSpPr/>
+          <p:nvPr/>
+        </p:nvGrpSpPr>
+        <p:grpSpPr>
+          <a:xfrm>
+            <a:off x="4715510" y="5108225"/>
+            <a:ext cx="2730500" cy="649863"/>
+            <a:chOff x="4761865" y="5107305"/>
+            <a:chExt cx="2730500" cy="649863"/>
+          </a:xfrm>
+        </p:grpSpPr>
+        <p:sp>
+          <p:nvSpPr>
+            <p:cNvPr id="20" name="圆角矩形 18">
+              <a:extLst>
+                <a:ext uri="{FF2B5EF4-FFF2-40B4-BE49-F238E27FC236}">
+                  <a16:creationId xmlns:a16="http://schemas.microsoft.com/office/drawing/2014/main" id="{590ADB0E-0398-43C5-9594-D3BF5BF2E37F}"/>
+                </a:ext>
+              </a:extLst>
+            </p:cNvPr>
+            <p:cNvSpPr/>
+            <p:nvPr/>
+          </p:nvSpPr>
+          <p:spPr>
+            <a:xfrm>
+              <a:off x="4932680" y="5107305"/>
+              <a:ext cx="2388870" cy="467360"/>
+            </a:xfrm>
+            <a:prstGeom prst="roundRect">
+              <a:avLst>
+                <a:gd name="adj" fmla="val 50000"/>
+              </a:avLst>
+            </a:prstGeom>
+            <a:solidFill>
+              <a:srgbClr val="0CCDBD"/>
+            </a:solidFill>
+            <a:ln>
+              <a:noFill/>
+            </a:ln>
+          </p:spPr>
+          <p:style>
+            <a:lnRef idx="2">
+              <a:schemeClr val="accent1">
+                <a:shade val="50000"/>
+              </a:schemeClr>
+            </a:lnRef>
+            <a:fillRef idx="1">
+              <a:schemeClr val="accent1"/>
+            </a:fillRef>
+            <a:effectRef idx="0">
+              <a:schemeClr val="accent1"/>
+            </a:effectRef>
+            <a:fontRef idx="minor">
+              <a:schemeClr val="lt1"/>
+            </a:fontRef>
+          </p:style>
+          <p:txBody>
+            <a:bodyPr rtlCol="0" anchor="ctr"/>
+            <a:lstStyle/>
+            <a:p>
+              <a:pPr algn="ctr"/>
+              <a:endParaRPr lang="zh-CN" altLang="en-US">
+                <a:latin typeface="Arial"/>
+                <a:ea typeface="微软雅黑"/>
+                <a:sym typeface="Arial"/>
+              </a:endParaRPr>
+            </a:p>
+          </p:txBody>
+        </p:sp>
+        <p:sp>
+          <p:nvSpPr>
+            <p:cNvPr id="21" name="文本框 20">
+              <a:extLst>
+                <a:ext uri="{FF2B5EF4-FFF2-40B4-BE49-F238E27FC236}">
+                  <a16:creationId xmlns:a16="http://schemas.microsoft.com/office/drawing/2014/main" id="{3003B357-2F05-46EF-830D-F4F3BE4EF425}"/>
+                </a:ext>
+              </a:extLst>
+            </p:cNvPr>
+            <p:cNvSpPr txBox="1"/>
+            <p:nvPr/>
+          </p:nvSpPr>
+          <p:spPr>
+            <a:xfrm>
+              <a:off x="4761865" y="5172393"/>
+              <a:ext cx="2730500" cy="584775"/>
+            </a:xfrm>
+            <a:prstGeom prst="rect">
+              <a:avLst/>
+            </a:prstGeom>
+            <a:noFill/>
+          </p:spPr>
+          <p:txBody>
+            <a:bodyPr wrap="square" rtlCol="0">
+              <a:spAutoFit/>
+            </a:bodyPr>
+            <a:lstStyle/>
+            <a:p>
+              <a:pPr algn="ctr"/>
+              <a:r>
+                <a:rPr lang="zh-CN" altLang="en-US" sz="1600" dirty="0">
+                  <a:solidFill>
+                    <a:schemeClr val="bg1"/>
+                  </a:solidFill>
+                  <a:latin typeface="Arial"/>
+                  <a:ea typeface="微软雅黑"/>
+                  <a:cs typeface="思源黑体 CN Normal" panose="020B0400000000000000" charset="-122"/>
+                  <a:sym typeface="Arial"/>
+                </a:rPr>
+                <a:t>智慧菜谱</a:t>
+              </a:r>
+              <a:r>
+                <a:rPr lang="en-US" altLang="zh-CN" sz="1600" dirty="0">
+                  <a:solidFill>
+                    <a:schemeClr val="bg1"/>
+                  </a:solidFill>
+                  <a:latin typeface="Arial"/>
+                  <a:ea typeface="微软雅黑"/>
+                  <a:cs typeface="思源黑体 CN Normal" panose="020B0400000000000000" charset="-122"/>
+                  <a:sym typeface="Arial"/>
+                </a:rPr>
+                <a:t>APP</a:t>
+              </a:r>
+              <a:endParaRPr lang="zh-CN" altLang="en-US" sz="1600" dirty="0">
+                <a:solidFill>
+                  <a:schemeClr val="bg1"/>
+                </a:solidFill>
+                <a:latin typeface="Arial"/>
+                <a:ea typeface="微软雅黑"/>
+                <a:cs typeface="思源黑体 CN Normal" panose="020B0400000000000000" charset="-122"/>
+                <a:sym typeface="Arial"/>
+              </a:endParaRPr>
+            </a:p>
+            <a:p>
+              <a:pPr algn="ctr"/>
+              <a:endParaRPr lang="zh-CN" altLang="en-US" sz="1600" dirty="0">
+                <a:solidFill>
+                  <a:schemeClr val="bg1"/>
+                </a:solidFill>
+                <a:latin typeface="Arial"/>
+                <a:ea typeface="微软雅黑"/>
+                <a:cs typeface="思源黑体 CN Normal" panose="020B0400000000000000" charset="-122"/>
+                <a:sym typeface="Arial"/>
+              </a:endParaRPr>
+            </a:p>
+          </p:txBody>
+        </p:sp>
+      </p:grpSp>
+      <p:sp>
+        <p:nvSpPr>
+          <p:cNvPr id="50" name="文本框 描述"/>
+          <p:cNvSpPr txBox="1"/>
+          <p:nvPr/>
+        </p:nvSpPr>
+        <p:spPr>
+          <a:xfrm>
+            <a:off x="3646564" y="4683336"/>
+            <a:ext cx="4928235" cy="377026"/>
+          </a:xfrm>
+          <a:prstGeom prst="rect">
+            <a:avLst/>
+          </a:prstGeom>
+          <a:noFill/>
+        </p:spPr>
+        <p:txBody>
+          <a:bodyPr wrap="square" rtlCol="0">
+            <a:spAutoFit/>
+          </a:bodyPr>
+          <a:lstStyle/>
+          <a:p>
+            <a:pPr algn="ctr">
+              <a:lnSpc>
+                <a:spcPct val="150000"/>
+              </a:lnSpc>
+            </a:pPr>
+            <a:r>
+              <a:rPr lang="en-US" altLang="zh-CN" sz="1400" spc="160" dirty="0" err="1">
+                <a:solidFill>
+                  <a:schemeClr val="tx1">
+                    <a:alpha val="53000"/>
+                  </a:schemeClr>
+                </a:solidFill>
+                <a:uFillTx/>
+                <a:latin typeface="Arial"/>
+                <a:ea typeface="微软雅黑"/>
+                <a:cs typeface="思源黑体 CN Normal" panose="020B0400000000000000" charset="-122"/>
+                <a:sym typeface="Arial"/>
+              </a:rPr>
+              <a:t>HarmonyOS</a:t>
+            </a:r>
+            <a:r>
+              <a:rPr lang="en-US" altLang="zh-CN" sz="1400" spc="160" dirty="0">
+                <a:solidFill>
+                  <a:schemeClr val="tx1">
+                    <a:alpha val="53000"/>
+                  </a:schemeClr>
+                </a:solidFill>
+                <a:uFillTx/>
+                <a:latin typeface="Arial"/>
+                <a:ea typeface="微软雅黑"/>
+                <a:cs typeface="思源黑体 CN Normal" panose="020B0400000000000000" charset="-122"/>
+                <a:sym typeface="Arial"/>
+              </a:rPr>
+              <a:t> Next</a:t>
+            </a:r>
+            <a:r>
+              <a:rPr lang="zh-CN" altLang="en-US" sz="1400" spc="160" dirty="0">
+                <a:solidFill>
+                  <a:schemeClr val="tx1">
+                    <a:alpha val="53000"/>
+                  </a:schemeClr>
+                </a:solidFill>
+                <a:uFillTx/>
+                <a:latin typeface="Arial"/>
+                <a:ea typeface="微软雅黑"/>
+                <a:cs typeface="思源黑体 CN Normal" panose="020B0400000000000000" charset="-122"/>
+                <a:sym typeface="Arial"/>
+              </a:rPr>
+              <a:t>原生应用开发</a:t>
+            </a:r>
+          </a:p>
+        </p:txBody>
+      </p:sp>
+      <p:sp>
+        <p:nvSpPr>
+          <p:cNvPr id="5" name="文本框 标题"/>
+          <p:cNvSpPr txBox="1"/>
+          <p:nvPr/>
+        </p:nvSpPr>
+        <p:spPr>
+          <a:xfrm>
+            <a:off x="3378835" y="3252470"/>
+            <a:ext cx="5403850" cy="337185"/>
+          </a:xfrm>
+          <a:prstGeom prst="rect">
+            <a:avLst/>
+          </a:prstGeom>
+          <a:noFill/>
+        </p:spPr>
+        <p:txBody>
+          <a:bodyPr wrap="square" rtlCol="0">
+            <a:spAutoFit/>
+          </a:bodyPr>
+          <a:lstStyle/>
+          <a:p>
+            <a:pPr algn="ctr"/>
+            <a:r>
+              <a:rPr lang="en-US" altLang="zh-CN" sz="1600" kern="0" dirty="0">
+                <a:ln>
+                  <a:noFill/>
+                </a:ln>
+                <a:solidFill>
+                  <a:schemeClr val="bg1"/>
+                </a:solidFill>
+                <a:effectLst/>
+                <a:uLnTx/>
+                <a:uFillTx/>
+                <a:latin typeface="Arial"/>
+                <a:ea typeface="微软雅黑"/>
+                <a:cs typeface="思源黑体 CN Bold" panose="020B0800000000000000" charset="-122"/>
+                <a:sym typeface="Arial"/>
+              </a:rPr>
+              <a:t>Review of the content of the work</a:t>
+            </a:r>
+          </a:p>
+        </p:txBody>
+      </p:sp>
+      <p:sp>
+        <p:nvSpPr>
+          <p:cNvPr id="7" name="矩形 标题"/>
+          <p:cNvSpPr/>
+          <p:nvPr/>
+        </p:nvSpPr>
+        <p:spPr>
+          <a:xfrm>
+            <a:off x="3979829" y="2536557"/>
+            <a:ext cx="4261706" cy="707886"/>
+          </a:xfrm>
+          <a:prstGeom prst="rect">
+            <a:avLst/>
+          </a:prstGeom>
+          <a:effectLst>
+            <a:outerShdw dist="38100" dir="2700000" algn="tl" rotWithShape="0">
+              <a:srgbClr val="1653F0">
+                <a:alpha val="100000"/>
+              </a:srgbClr>
+            </a:outerShdw>
+          </a:effectLst>
+        </p:spPr>
+        <p:txBody>
+          <a:bodyPr wrap="square">
+            <a:spAutoFit/>
+          </a:bodyPr>
+          <a:lstStyle/>
+          <a:p>
+            <a:pPr algn="ctr"/>
+            <a:r>
+              <a:rPr lang="zh-CN" altLang="en-US" sz="4000" b="1" kern="0" dirty="0">
+                <a:ln w="0">
+                  <a:noFill/>
+                </a:ln>
+                <a:solidFill>
+                  <a:schemeClr val="bg1"/>
+                </a:solidFill>
+                <a:latin typeface="Arial"/>
+                <a:ea typeface="微软雅黑"/>
+                <a:cs typeface="思源黑体 CN Heavy" panose="020B0A00000000000000" charset="-122"/>
+                <a:sym typeface="Arial"/>
+              </a:rPr>
+              <a:t>未来工作计划</a:t>
+            </a:r>
+          </a:p>
+        </p:txBody>
+      </p:sp>
+      <p:sp>
+        <p:nvSpPr>
+          <p:cNvPr id="12" name="矩形 序号"/>
+          <p:cNvSpPr/>
+          <p:nvPr/>
+        </p:nvSpPr>
+        <p:spPr>
+          <a:xfrm>
+            <a:off x="5093970" y="1106805"/>
+            <a:ext cx="1973580" cy="706755"/>
+          </a:xfrm>
+          <a:prstGeom prst="rect">
+            <a:avLst/>
+          </a:prstGeom>
+        </p:spPr>
+        <p:txBody>
+          <a:bodyPr wrap="square">
+            <a:spAutoFit/>
+          </a:bodyPr>
+          <a:lstStyle/>
+          <a:p>
+            <a:pPr marL="0" marR="0" lvl="0" indent="0" algn="ctr" defTabSz="914400" rtl="0" eaLnBrk="1" fontAlgn="auto" latinLnBrk="0" hangingPunct="1">
+              <a:lnSpc>
+                <a:spcPct val="100000"/>
+              </a:lnSpc>
+              <a:spcBef>
+                <a:spcPts val="0"/>
+              </a:spcBef>
+              <a:spcAft>
+                <a:spcPts val="0"/>
+              </a:spcAft>
+              <a:buClrTx/>
+              <a:buSzTx/>
+              <a:buFontTx/>
+              <a:buNone/>
+              <a:defRPr/>
+            </a:pPr>
+            <a:r>
+              <a:rPr kumimoji="0" lang="en-US" altLang="zh-CN" sz="4000" b="1" i="0" u="none" strike="noStrike" kern="0" cap="none" spc="0" normalizeH="0" baseline="0" noProof="0" dirty="0">
+                <a:ln w="0">
+                  <a:solidFill>
+                    <a:schemeClr val="bg1"/>
+                  </a:solidFill>
+                </a:ln>
+                <a:noFill/>
+                <a:effectLst/>
+                <a:uLnTx/>
+                <a:uFillTx/>
+                <a:latin typeface="Arial"/>
+                <a:ea typeface="微软雅黑"/>
+                <a:cs typeface="思源黑体 CN Heavy" panose="020B0A00000000000000" charset="-122"/>
+                <a:sym typeface="Arial"/>
+              </a:rPr>
+              <a:t>04</a:t>
+            </a:r>
+          </a:p>
+        </p:txBody>
+      </p:sp>
+    </p:spTree>
+    <p:custDataLst>
+      <p:tags r:id="rId1"/>
+    </p:custDataLst>
+    <p:extLst>
+      <p:ext uri="{BB962C8B-B14F-4D97-AF65-F5344CB8AC3E}">
+        <p14:creationId xmlns:p14="http://schemas.microsoft.com/office/powerpoint/2010/main" val="3185456925"/>
+      </p:ext>
+    </p:extLst>
   </p:cSld>
   <p:clrMapOvr>
     <a:masterClrMapping/>
@@ -23324,7 +25151,7 @@
                   <a:cs typeface="思源黑体 CN Bold" panose="020B0800000000000000" charset="-122"/>
                   <a:sym typeface="Arial"/>
                 </a:rPr>
-                <a:t>社会背景</a:t>
+                <a:t>背景分析</a:t>
               </a:r>
             </a:p>
           </p:txBody>
@@ -25113,10 +26940,10 @@
       </p:grpSpPr>
       <p:grpSp>
         <p:nvGrpSpPr>
-          <p:cNvPr id="34" name="组合 33">
+          <p:cNvPr id="27" name="组合 26">
             <a:extLst>
               <a:ext uri="{FF2B5EF4-FFF2-40B4-BE49-F238E27FC236}">
-                <a16:creationId xmlns:a16="http://schemas.microsoft.com/office/drawing/2014/main" id="{CD821C01-FDB6-474D-95FF-B62EAAB70E5A}"/>
+                <a16:creationId xmlns:a16="http://schemas.microsoft.com/office/drawing/2014/main" id="{95858EF2-4115-4F05-BCD5-85C27A767A56}"/>
               </a:ext>
             </a:extLst>
           </p:cNvPr>
@@ -25133,10 +26960,10 @@
         </p:grpSpPr>
         <p:sp>
           <p:nvSpPr>
-            <p:cNvPr id="35" name="矩形 背景">
+            <p:cNvPr id="28" name="矩形 背景">
               <a:extLst>
                 <a:ext uri="{FF2B5EF4-FFF2-40B4-BE49-F238E27FC236}">
-                  <a16:creationId xmlns:a16="http://schemas.microsoft.com/office/drawing/2014/main" id="{A244120E-AB9B-46ED-949A-E9BBE9D78037}"/>
+                  <a16:creationId xmlns:a16="http://schemas.microsoft.com/office/drawing/2014/main" id="{C9C98D41-3F18-4D63-B22B-608CF87A9AAD}"/>
                 </a:ext>
               </a:extLst>
             </p:cNvPr>
@@ -25189,10 +27016,10 @@
         </p:sp>
         <p:grpSp>
           <p:nvGrpSpPr>
-            <p:cNvPr id="36" name="组合 35">
+            <p:cNvPr id="29" name="组合 28">
               <a:extLst>
                 <a:ext uri="{FF2B5EF4-FFF2-40B4-BE49-F238E27FC236}">
-                  <a16:creationId xmlns:a16="http://schemas.microsoft.com/office/drawing/2014/main" id="{863A510A-EF77-43B4-99BD-FDA01D5E8DE3}"/>
+                  <a16:creationId xmlns:a16="http://schemas.microsoft.com/office/drawing/2014/main" id="{58444907-0FCE-4FEF-B4FE-7D5F5609E904}"/>
                 </a:ext>
               </a:extLst>
             </p:cNvPr>
@@ -25209,10 +27036,10 @@
           </p:grpSpPr>
           <p:sp>
             <p:nvSpPr>
-              <p:cNvPr id="40" name="圆角矩形 5">
+              <p:cNvPr id="33" name="圆角矩形 5">
                 <a:extLst>
                   <a:ext uri="{FF2B5EF4-FFF2-40B4-BE49-F238E27FC236}">
-                    <a16:creationId xmlns:a16="http://schemas.microsoft.com/office/drawing/2014/main" id="{6D7CC2E7-24A9-4AAB-B803-C54DF9258E83}"/>
+                    <a16:creationId xmlns:a16="http://schemas.microsoft.com/office/drawing/2014/main" id="{87FAD53E-E775-4470-9BFD-0BAAA1F8E4D2}"/>
                   </a:ext>
                 </a:extLst>
               </p:cNvPr>
@@ -25288,10 +27115,10 @@
           </p:sp>
           <p:sp>
             <p:nvSpPr>
-              <p:cNvPr id="41" name="圆角矩形 9">
+              <p:cNvPr id="34" name="圆角矩形 9">
                 <a:extLst>
                   <a:ext uri="{FF2B5EF4-FFF2-40B4-BE49-F238E27FC236}">
-                    <a16:creationId xmlns:a16="http://schemas.microsoft.com/office/drawing/2014/main" id="{00C4D8D8-BF53-4FB8-81E9-840561A0BAEA}"/>
+                    <a16:creationId xmlns:a16="http://schemas.microsoft.com/office/drawing/2014/main" id="{54B9067D-C6B7-4D81-A49A-CD689B567B14}"/>
                   </a:ext>
                 </a:extLst>
               </p:cNvPr>
@@ -25356,10 +27183,10 @@
           </p:sp>
           <p:pic>
             <p:nvPicPr>
-              <p:cNvPr id="42" name="图片 41" descr="椭圆 1">
+              <p:cNvPr id="35" name="图片 34" descr="椭圆 1">
                 <a:extLst>
                   <a:ext uri="{FF2B5EF4-FFF2-40B4-BE49-F238E27FC236}">
-                    <a16:creationId xmlns:a16="http://schemas.microsoft.com/office/drawing/2014/main" id="{AB79378A-97B7-45FD-97A0-B7059EF72D75}"/>
+                    <a16:creationId xmlns:a16="http://schemas.microsoft.com/office/drawing/2014/main" id="{32FD3EF8-F8A2-42D1-ABBB-BC356769982D}"/>
                   </a:ext>
                 </a:extLst>
               </p:cNvPr>
@@ -25387,10 +27214,10 @@
           </p:pic>
           <p:pic>
             <p:nvPicPr>
-              <p:cNvPr id="43" name="图片 42" descr="椭圆 1 拷贝">
+              <p:cNvPr id="36" name="图片 35" descr="椭圆 1 拷贝">
                 <a:extLst>
                   <a:ext uri="{FF2B5EF4-FFF2-40B4-BE49-F238E27FC236}">
-                    <a16:creationId xmlns:a16="http://schemas.microsoft.com/office/drawing/2014/main" id="{BD268CBA-21AF-49FF-9C94-E313C5167AE9}"/>
+                    <a16:creationId xmlns:a16="http://schemas.microsoft.com/office/drawing/2014/main" id="{F5C2AB41-69DF-4B9F-BF39-A5FF4D19E406}"/>
                   </a:ext>
                 </a:extLst>
               </p:cNvPr>
@@ -25419,10 +27246,10 @@
         </p:grpSp>
         <p:grpSp>
           <p:nvGrpSpPr>
-            <p:cNvPr id="37" name="组合 标题">
+            <p:cNvPr id="30" name="组合 标题">
               <a:extLst>
                 <a:ext uri="{FF2B5EF4-FFF2-40B4-BE49-F238E27FC236}">
-                  <a16:creationId xmlns:a16="http://schemas.microsoft.com/office/drawing/2014/main" id="{FCAF9E14-D8E2-4C22-ACEF-058FDC1EF138}"/>
+                  <a16:creationId xmlns:a16="http://schemas.microsoft.com/office/drawing/2014/main" id="{0191C569-A6AD-4B60-909B-427A5560CF6D}"/>
                 </a:ext>
               </a:extLst>
             </p:cNvPr>
@@ -25439,10 +27266,10 @@
           </p:grpSpPr>
           <p:sp>
             <p:nvSpPr>
-              <p:cNvPr id="38" name="文本框 37">
+              <p:cNvPr id="31" name="文本框 30">
                 <a:extLst>
                   <a:ext uri="{FF2B5EF4-FFF2-40B4-BE49-F238E27FC236}">
-                    <a16:creationId xmlns:a16="http://schemas.microsoft.com/office/drawing/2014/main" id="{F0A96253-5B9B-4AF0-BDB4-988A6CCF1E37}"/>
+                    <a16:creationId xmlns:a16="http://schemas.microsoft.com/office/drawing/2014/main" id="{C2272EB0-8A65-4033-8D1F-33255A010101}"/>
                   </a:ext>
                 </a:extLst>
               </p:cNvPr>
@@ -25452,7 +27279,7 @@
             <p:spPr>
               <a:xfrm>
                 <a:off x="1260475" y="1414145"/>
-                <a:ext cx="954107" cy="230832"/>
+                <a:ext cx="1697901" cy="230832"/>
               </a:xfrm>
               <a:prstGeom prst="rect">
                 <a:avLst/>
@@ -25465,37 +27292,29 @@
               </a:bodyPr>
               <a:lstStyle/>
               <a:p>
-                <a:pPr algn="l"/>
                 <a:r>
                   <a:rPr lang="en-US" altLang="zh-CN" sz="900" kern="0" dirty="0">
-                    <a:ln>
-                      <a:noFill/>
-                    </a:ln>
                     <a:solidFill>
                       <a:schemeClr val="tx1">
                         <a:lumMod val="50000"/>
                         <a:lumOff val="50000"/>
                       </a:schemeClr>
                     </a:solidFill>
-                    <a:effectLst/>
-                    <a:uLnTx/>
-                    <a:uFillTx/>
-                    <a:latin typeface="Arial"/>
                     <a:ea typeface="微软雅黑"/>
                     <a:cs typeface="思源黑体 CN Bold" panose="020B0800000000000000" charset="-122"/>
                     <a:sym typeface="Arial"/>
                   </a:rPr>
-                  <a:t>Topic selection</a:t>
+                  <a:t>Significance of topic selection</a:t>
                 </a:r>
               </a:p>
             </p:txBody>
           </p:sp>
           <p:sp>
             <p:nvSpPr>
-              <p:cNvPr id="39" name="矩形 38">
+              <p:cNvPr id="32" name="矩形 31">
                 <a:extLst>
                   <a:ext uri="{FF2B5EF4-FFF2-40B4-BE49-F238E27FC236}">
-                    <a16:creationId xmlns:a16="http://schemas.microsoft.com/office/drawing/2014/main" id="{642B96ED-D7DC-494D-8D75-01E6197C8EFF}"/>
+                    <a16:creationId xmlns:a16="http://schemas.microsoft.com/office/drawing/2014/main" id="{4EFAE7A5-3E11-4A58-855B-FB7B8FC09C45}"/>
                   </a:ext>
                 </a:extLst>
               </p:cNvPr>
@@ -25517,39 +27336,22 @@
               </a:bodyPr>
               <a:lstStyle/>
               <a:p>
-                <a:pPr marL="0" marR="0" lvl="0" indent="0" algn="l" defTabSz="914400" rtl="0" eaLnBrk="1" fontAlgn="auto" latinLnBrk="0" hangingPunct="1">
-                  <a:lnSpc>
-                    <a:spcPct val="100000"/>
-                  </a:lnSpc>
-                  <a:spcBef>
-                    <a:spcPts val="0"/>
-                  </a:spcBef>
-                  <a:spcAft>
-                    <a:spcPts val="0"/>
-                  </a:spcAft>
-                  <a:buClrTx/>
-                  <a:buSzTx/>
-                  <a:buFontTx/>
-                  <a:buNone/>
+                <a:pPr lvl="0">
                   <a:defRPr/>
                 </a:pPr>
                 <a:r>
-                  <a:rPr kumimoji="0" lang="zh-CN" altLang="en-US" sz="2400" i="0" u="none" strike="noStrike" kern="0" cap="none" spc="0" normalizeH="0" baseline="0" noProof="0" dirty="0">
+                  <a:rPr lang="zh-CN" altLang="en-US" sz="2400" kern="0" dirty="0">
                     <a:ln w="0">
                       <a:noFill/>
                     </a:ln>
                     <a:solidFill>
                       <a:srgbClr val="1857F6"/>
                     </a:solidFill>
-                    <a:effectLst/>
-                    <a:uLnTx/>
-                    <a:uFillTx/>
-                    <a:latin typeface="Arial"/>
                     <a:ea typeface="微软雅黑"/>
                     <a:cs typeface="思源黑体 CN Heavy" panose="020B0A00000000000000" charset="-122"/>
                     <a:sym typeface="Arial"/>
                   </a:rPr>
-                  <a:t>选题目的</a:t>
+                  <a:t>选题意义</a:t>
                 </a:r>
               </a:p>
             </p:txBody>
@@ -25558,10 +27360,10 @@
       </p:grpSp>
       <p:grpSp>
         <p:nvGrpSpPr>
-          <p:cNvPr id="2" name="组合 4">
+          <p:cNvPr id="20" name="组合 19">
             <a:extLst>
               <a:ext uri="{FF2B5EF4-FFF2-40B4-BE49-F238E27FC236}">
-                <a16:creationId xmlns:a16="http://schemas.microsoft.com/office/drawing/2014/main" id="{24BD2FD4-F142-4830-97E3-547BA53CC9CC}"/>
+                <a16:creationId xmlns:a16="http://schemas.microsoft.com/office/drawing/2014/main" id="{9A8BE138-A05F-4061-89D7-61A7C4AF426A}"/>
               </a:ext>
             </a:extLst>
           </p:cNvPr>
@@ -25570,18 +27372,257 @@
         </p:nvGrpSpPr>
         <p:grpSpPr>
           <a:xfrm>
-            <a:off x="7657465" y="4248150"/>
-            <a:ext cx="2369820" cy="1488440"/>
-            <a:chOff x="12947" y="4132"/>
-            <a:chExt cx="3732" cy="2344"/>
+            <a:off x="1480185" y="1821903"/>
+            <a:ext cx="6507665" cy="1722219"/>
+            <a:chOff x="1480185" y="2200275"/>
+            <a:chExt cx="6507665" cy="1722219"/>
           </a:xfrm>
         </p:grpSpPr>
         <p:sp>
           <p:nvSpPr>
-            <p:cNvPr id="3" name="圆角矩形 44">
+            <p:cNvPr id="18" name="文本框 17">
               <a:extLst>
                 <a:ext uri="{FF2B5EF4-FFF2-40B4-BE49-F238E27FC236}">
-                  <a16:creationId xmlns:a16="http://schemas.microsoft.com/office/drawing/2014/main" id="{339280BA-6DB6-4D0A-9BB1-7FA4E170CD5C}"/>
+                  <a16:creationId xmlns:a16="http://schemas.microsoft.com/office/drawing/2014/main" id="{C7AB46CE-B535-43DE-A5FA-B9035AC4CA9C}"/>
+                </a:ext>
+              </a:extLst>
+            </p:cNvPr>
+            <p:cNvSpPr txBox="1"/>
+            <p:nvPr/>
+          </p:nvSpPr>
+          <p:spPr>
+            <a:xfrm>
+              <a:off x="2581275" y="2599055"/>
+              <a:ext cx="5406575" cy="1323439"/>
+            </a:xfrm>
+            <a:prstGeom prst="rect">
+              <a:avLst/>
+            </a:prstGeom>
+            <a:noFill/>
+          </p:spPr>
+          <p:txBody>
+            <a:bodyPr wrap="square" rtlCol="0">
+              <a:spAutoFit/>
+            </a:bodyPr>
+            <a:lstStyle/>
+            <a:p>
+              <a:pPr marL="342900" lvl="0" indent="-342900">
+                <a:buAutoNum type="arabicPeriod"/>
+                <a:defRPr/>
+              </a:pPr>
+              <a:r>
+                <a:rPr lang="zh-CN" altLang="en-US" sz="1600" kern="0" dirty="0">
+                  <a:ln w="0">
+                    <a:noFill/>
+                  </a:ln>
+                  <a:solidFill>
+                    <a:schemeClr val="tx1">
+                      <a:lumMod val="65000"/>
+                      <a:lumOff val="35000"/>
+                    </a:schemeClr>
+                  </a:solidFill>
+                  <a:latin typeface="微软雅黑" panose="020B0503020204020204" pitchFamily="34" charset="-122"/>
+                  <a:ea typeface="微软雅黑" panose="020B0503020204020204" pitchFamily="34" charset="-122"/>
+                  <a:cs typeface="思源黑体 CN Bold" panose="020B0800000000000000" charset="-122"/>
+                  <a:sym typeface="Arial"/>
+                </a:rPr>
+                <a:t>融合多项前沿技术，提升菜谱类</a:t>
+              </a:r>
+              <a:r>
+                <a:rPr lang="en-US" altLang="zh-CN" sz="1600" kern="0" dirty="0">
+                  <a:ln w="0">
+                    <a:noFill/>
+                  </a:ln>
+                  <a:solidFill>
+                    <a:schemeClr val="tx1">
+                      <a:lumMod val="65000"/>
+                      <a:lumOff val="35000"/>
+                    </a:schemeClr>
+                  </a:solidFill>
+                  <a:latin typeface="微软雅黑" panose="020B0503020204020204" pitchFamily="34" charset="-122"/>
+                  <a:ea typeface="微软雅黑" panose="020B0503020204020204" pitchFamily="34" charset="-122"/>
+                  <a:cs typeface="思源黑体 CN Bold" panose="020B0800000000000000" charset="-122"/>
+                  <a:sym typeface="Arial"/>
+                </a:rPr>
+                <a:t>APP</a:t>
+              </a:r>
+              <a:r>
+                <a:rPr lang="zh-CN" altLang="en-US" sz="1600" kern="0" dirty="0">
+                  <a:ln w="0">
+                    <a:noFill/>
+                  </a:ln>
+                  <a:solidFill>
+                    <a:schemeClr val="tx1">
+                      <a:lumMod val="65000"/>
+                      <a:lumOff val="35000"/>
+                    </a:schemeClr>
+                  </a:solidFill>
+                  <a:latin typeface="微软雅黑" panose="020B0503020204020204" pitchFamily="34" charset="-122"/>
+                  <a:ea typeface="微软雅黑" panose="020B0503020204020204" pitchFamily="34" charset="-122"/>
+                  <a:cs typeface="思源黑体 CN Bold" panose="020B0800000000000000" charset="-122"/>
+                  <a:sym typeface="Arial"/>
+                </a:rPr>
+                <a:t>的智能性和趣味性</a:t>
+              </a:r>
+              <a:endParaRPr lang="en-US" altLang="zh-CN" sz="1600" kern="0" dirty="0">
+                <a:ln w="0">
+                  <a:noFill/>
+                </a:ln>
+                <a:solidFill>
+                  <a:schemeClr val="tx1">
+                    <a:lumMod val="65000"/>
+                    <a:lumOff val="35000"/>
+                  </a:schemeClr>
+                </a:solidFill>
+                <a:latin typeface="微软雅黑" panose="020B0503020204020204" pitchFamily="34" charset="-122"/>
+                <a:ea typeface="微软雅黑" panose="020B0503020204020204" pitchFamily="34" charset="-122"/>
+                <a:cs typeface="思源黑体 CN Bold" panose="020B0800000000000000" charset="-122"/>
+                <a:sym typeface="Arial"/>
+              </a:endParaRPr>
+            </a:p>
+            <a:p>
+              <a:pPr marL="342900" lvl="0" indent="-342900">
+                <a:buAutoNum type="arabicPeriod"/>
+                <a:defRPr/>
+              </a:pPr>
+              <a:endParaRPr lang="en-US" altLang="zh-CN" sz="1600" kern="0" dirty="0">
+                <a:ln w="0">
+                  <a:noFill/>
+                </a:ln>
+                <a:solidFill>
+                  <a:schemeClr val="tx1">
+                    <a:lumMod val="65000"/>
+                    <a:lumOff val="35000"/>
+                  </a:schemeClr>
+                </a:solidFill>
+                <a:latin typeface="微软雅黑" panose="020B0503020204020204" pitchFamily="34" charset="-122"/>
+                <a:ea typeface="微软雅黑" panose="020B0503020204020204" pitchFamily="34" charset="-122"/>
+                <a:cs typeface="思源黑体 CN Bold" panose="020B0800000000000000" charset="-122"/>
+                <a:sym typeface="Arial"/>
+              </a:endParaRPr>
+            </a:p>
+            <a:p>
+              <a:pPr marL="342900" lvl="0" indent="-342900">
+                <a:buAutoNum type="arabicPeriod"/>
+                <a:defRPr/>
+              </a:pPr>
+              <a:r>
+                <a:rPr lang="zh-CN" altLang="en-US" sz="1600" kern="0" dirty="0">
+                  <a:ln w="0">
+                    <a:noFill/>
+                  </a:ln>
+                  <a:solidFill>
+                    <a:schemeClr val="tx1">
+                      <a:lumMod val="65000"/>
+                      <a:lumOff val="35000"/>
+                    </a:schemeClr>
+                  </a:solidFill>
+                  <a:latin typeface="微软雅黑" panose="020B0503020204020204" pitchFamily="34" charset="-122"/>
+                  <a:ea typeface="微软雅黑" panose="020B0503020204020204" pitchFamily="34" charset="-122"/>
+                  <a:cs typeface="思源黑体 CN Bold" panose="020B0800000000000000" charset="-122"/>
+                  <a:sym typeface="Arial"/>
+                </a:rPr>
+                <a:t>记录与分析开发流程，探索微服务架构与鸿蒙原生开发的高分布式支持之间的结合运用，形成最佳实践，推动鸿蒙原生应用的开发与推广</a:t>
+              </a:r>
+            </a:p>
+          </p:txBody>
+        </p:sp>
+        <p:sp>
+          <p:nvSpPr>
+            <p:cNvPr id="8" name="文本框 7">
+              <a:extLst>
+                <a:ext uri="{FF2B5EF4-FFF2-40B4-BE49-F238E27FC236}">
+                  <a16:creationId xmlns:a16="http://schemas.microsoft.com/office/drawing/2014/main" id="{870B04C9-803D-4DA1-80F0-9AD933658E14}"/>
+                </a:ext>
+              </a:extLst>
+            </p:cNvPr>
+            <p:cNvSpPr txBox="1"/>
+            <p:nvPr/>
+          </p:nvSpPr>
+          <p:spPr>
+            <a:xfrm>
+              <a:off x="2581275" y="2200275"/>
+              <a:ext cx="3362325" cy="398780"/>
+            </a:xfrm>
+            <a:prstGeom prst="rect">
+              <a:avLst/>
+            </a:prstGeom>
+            <a:noFill/>
+            <a:ln>
+              <a:noFill/>
+            </a:ln>
+          </p:spPr>
+          <p:txBody>
+            <a:bodyPr wrap="square" rtlCol="0">
+              <a:spAutoFit/>
+            </a:bodyPr>
+            <a:lstStyle/>
+            <a:p>
+              <a:r>
+                <a:rPr lang="zh-CN" altLang="en-US" sz="2000" b="1" dirty="0">
+                  <a:ea typeface="微软雅黑"/>
+                  <a:sym typeface="Arial"/>
+                </a:rPr>
+                <a:t>理论意义</a:t>
+              </a:r>
+              <a:endParaRPr lang="zh-CN" altLang="en-US" sz="2000" b="1" dirty="0">
+                <a:solidFill>
+                  <a:schemeClr val="tx1"/>
+                </a:solidFill>
+                <a:latin typeface="Arial"/>
+                <a:ea typeface="微软雅黑"/>
+                <a:sym typeface="Arial"/>
+              </a:endParaRPr>
+            </a:p>
+          </p:txBody>
+        </p:sp>
+        <p:cxnSp>
+          <p:nvCxnSpPr>
+            <p:cNvPr id="9" name="直接连接符 8">
+              <a:extLst>
+                <a:ext uri="{FF2B5EF4-FFF2-40B4-BE49-F238E27FC236}">
+                  <a16:creationId xmlns:a16="http://schemas.microsoft.com/office/drawing/2014/main" id="{7146DB5E-D943-4A9F-84EF-BBE477865F07}"/>
+                </a:ext>
+              </a:extLst>
+            </p:cNvPr>
+            <p:cNvCxnSpPr/>
+            <p:nvPr/>
+          </p:nvCxnSpPr>
+          <p:spPr>
+            <a:xfrm flipH="1">
+              <a:off x="1716405" y="2423160"/>
+              <a:ext cx="697865" cy="1905"/>
+            </a:xfrm>
+            <a:prstGeom prst="line">
+              <a:avLst/>
+            </a:prstGeom>
+            <a:ln w="19050">
+              <a:solidFill>
+                <a:srgbClr val="5986F7"/>
+              </a:solidFill>
+            </a:ln>
+          </p:spPr>
+          <p:style>
+            <a:lnRef idx="1">
+              <a:schemeClr val="accent1"/>
+            </a:lnRef>
+            <a:fillRef idx="0">
+              <a:schemeClr val="accent1"/>
+            </a:fillRef>
+            <a:effectRef idx="0">
+              <a:schemeClr val="accent1"/>
+            </a:effectRef>
+            <a:fontRef idx="minor">
+              <a:schemeClr val="tx1"/>
+            </a:fontRef>
+          </p:style>
+        </p:cxnSp>
+        <p:sp>
+          <p:nvSpPr>
+            <p:cNvPr id="10" name="椭圆 9">
+              <a:extLst>
+                <a:ext uri="{FF2B5EF4-FFF2-40B4-BE49-F238E27FC236}">
+                  <a16:creationId xmlns:a16="http://schemas.microsoft.com/office/drawing/2014/main" id="{FB5CE6B3-C9A1-482F-8BB6-0C6A160B79C9}"/>
                 </a:ext>
               </a:extLst>
             </p:cNvPr>
@@ -25589,28 +27630,21 @@
             <p:nvPr/>
           </p:nvSpPr>
           <p:spPr>
-            <a:xfrm>
-              <a:off x="12947" y="4132"/>
-              <a:ext cx="3732" cy="2344"/>
+            <a:xfrm flipV="1">
+              <a:off x="1480185" y="2336165"/>
+              <a:ext cx="187960" cy="198120"/>
             </a:xfrm>
-            <a:prstGeom prst="roundRect">
-              <a:avLst>
-                <a:gd name="adj" fmla="val 10061"/>
-              </a:avLst>
+            <a:prstGeom prst="ellipse">
+              <a:avLst/>
             </a:prstGeom>
             <a:solidFill>
-              <a:schemeClr val="bg1"/>
+              <a:srgbClr val="ADC5FB"/>
             </a:solidFill>
-            <a:ln>
-              <a:noFill/>
+            <a:ln w="41275">
+              <a:solidFill>
+                <a:srgbClr val="385AE6"/>
+              </a:solidFill>
             </a:ln>
-            <a:effectLst>
-              <a:outerShdw blurRad="254000" dist="38100" dir="2700000" algn="tl" rotWithShape="0">
-                <a:srgbClr val="1D32CC">
-                  <a:alpha val="15000"/>
-                </a:srgbClr>
-              </a:outerShdw>
-            </a:effectLst>
           </p:spPr>
           <p:style>
             <a:lnRef idx="2">
@@ -25641,12 +27675,76 @@
             </a:p>
           </p:txBody>
         </p:sp>
+      </p:grpSp>
+      <p:cxnSp>
+        <p:nvCxnSpPr>
+          <p:cNvPr id="11" name="直接连接符 10">
+            <a:extLst>
+              <a:ext uri="{FF2B5EF4-FFF2-40B4-BE49-F238E27FC236}">
+                <a16:creationId xmlns:a16="http://schemas.microsoft.com/office/drawing/2014/main" id="{5907FC40-055C-4E6B-B57B-4397A48539BA}"/>
+              </a:ext>
+            </a:extLst>
+          </p:cNvPr>
+          <p:cNvCxnSpPr>
+            <a:cxnSpLocks/>
+          </p:cNvCxnSpPr>
+          <p:nvPr/>
+        </p:nvCxnSpPr>
+        <p:spPr>
+          <a:xfrm>
+            <a:off x="1568427" y="2155913"/>
+            <a:ext cx="0" cy="4284257"/>
+          </a:xfrm>
+          <a:prstGeom prst="line">
+            <a:avLst/>
+          </a:prstGeom>
+          <a:ln w="19050">
+            <a:solidFill>
+              <a:srgbClr val="5986F7"/>
+            </a:solidFill>
+          </a:ln>
+        </p:spPr>
+        <p:style>
+          <a:lnRef idx="1">
+            <a:schemeClr val="accent1"/>
+          </a:lnRef>
+          <a:fillRef idx="0">
+            <a:schemeClr val="accent1"/>
+          </a:fillRef>
+          <a:effectRef idx="0">
+            <a:schemeClr val="accent1"/>
+          </a:effectRef>
+          <a:fontRef idx="minor">
+            <a:schemeClr val="tx1"/>
+          </a:fontRef>
+        </p:style>
+      </p:cxnSp>
+      <p:grpSp>
+        <p:nvGrpSpPr>
+          <p:cNvPr id="44" name="组合 43">
+            <a:extLst>
+              <a:ext uri="{FF2B5EF4-FFF2-40B4-BE49-F238E27FC236}">
+                <a16:creationId xmlns:a16="http://schemas.microsoft.com/office/drawing/2014/main" id="{91DEFB8A-C6CC-4D3F-B74B-72988C364AEF}"/>
+              </a:ext>
+            </a:extLst>
+          </p:cNvPr>
+          <p:cNvGrpSpPr/>
+          <p:nvPr/>
+        </p:nvGrpSpPr>
+        <p:grpSpPr>
+          <a:xfrm>
+            <a:off x="8622756" y="2021293"/>
+            <a:ext cx="1975937" cy="1975937"/>
+            <a:chOff x="6800193" y="4061548"/>
+            <a:chExt cx="1975937" cy="1975937"/>
+          </a:xfrm>
+        </p:grpSpPr>
         <p:grpSp>
           <p:nvGrpSpPr>
-            <p:cNvPr id="4" name="组合 3">
+            <p:cNvPr id="43" name="组合 42">
               <a:extLst>
                 <a:ext uri="{FF2B5EF4-FFF2-40B4-BE49-F238E27FC236}">
-                  <a16:creationId xmlns:a16="http://schemas.microsoft.com/office/drawing/2014/main" id="{10855F0D-73A6-4CF4-9571-EC14321DC530}"/>
+                  <a16:creationId xmlns:a16="http://schemas.microsoft.com/office/drawing/2014/main" id="{08922548-34A9-4065-AE99-72186042EF0E}"/>
                 </a:ext>
               </a:extLst>
             </p:cNvPr>
@@ -25655,18 +27753,18 @@
           </p:nvGrpSpPr>
           <p:grpSpPr>
             <a:xfrm>
-              <a:off x="13226" y="4499"/>
-              <a:ext cx="3174" cy="1611"/>
-              <a:chOff x="2790" y="5574"/>
-              <a:chExt cx="3174" cy="1611"/>
+              <a:off x="6800193" y="4061548"/>
+              <a:ext cx="1975937" cy="1975937"/>
+              <a:chOff x="6800193" y="4061548"/>
+              <a:chExt cx="1975937" cy="1975937"/>
             </a:xfrm>
           </p:grpSpPr>
           <p:sp>
             <p:nvSpPr>
-              <p:cNvPr id="5" name="矩形 4">
+              <p:cNvPr id="25" name="椭圆 24">
                 <a:extLst>
                   <a:ext uri="{FF2B5EF4-FFF2-40B4-BE49-F238E27FC236}">
-                    <a16:creationId xmlns:a16="http://schemas.microsoft.com/office/drawing/2014/main" id="{9F314AE1-9906-409B-A437-A88232ACC176}"/>
+                    <a16:creationId xmlns:a16="http://schemas.microsoft.com/office/drawing/2014/main" id="{72E60624-33F2-4A44-960F-5BD68FECAD2B}"/>
                   </a:ext>
                 </a:extLst>
               </p:cNvPr>
@@ -25675,128 +27773,299 @@
             </p:nvSpPr>
             <p:spPr>
               <a:xfrm>
-                <a:off x="2790" y="5911"/>
-                <a:ext cx="3174" cy="1274"/>
+                <a:off x="6800193" y="4061548"/>
+                <a:ext cx="1975937" cy="1975937"/>
               </a:xfrm>
-              <a:prstGeom prst="rect">
+              <a:prstGeom prst="ellipse">
                 <a:avLst/>
               </a:prstGeom>
+              <a:solidFill>
+                <a:schemeClr val="accent1">
+                  <a:lumMod val="20000"/>
+                  <a:lumOff val="80000"/>
+                </a:schemeClr>
+              </a:solidFill>
+              <a:ln>
+                <a:solidFill>
+                  <a:schemeClr val="accent1">
+                    <a:lumMod val="75000"/>
+                  </a:schemeClr>
+                </a:solidFill>
+              </a:ln>
             </p:spPr>
+            <p:style>
+              <a:lnRef idx="2">
+                <a:schemeClr val="accent1">
+                  <a:shade val="50000"/>
+                </a:schemeClr>
+              </a:lnRef>
+              <a:fillRef idx="1">
+                <a:schemeClr val="accent1"/>
+              </a:fillRef>
+              <a:effectRef idx="0">
+                <a:schemeClr val="accent1"/>
+              </a:effectRef>
+              <a:fontRef idx="minor">
+                <a:schemeClr val="lt1"/>
+              </a:fontRef>
+            </p:style>
             <p:txBody>
-              <a:bodyPr wrap="square">
-                <a:spAutoFit/>
-              </a:bodyPr>
+              <a:bodyPr rtlCol="0" anchor="ctr"/>
               <a:lstStyle/>
               <a:p>
-                <a:pPr marL="0" marR="0" lvl="0" indent="0" algn="l" defTabSz="914400" rtl="0" fontAlgn="auto">
-                  <a:lnSpc>
-                    <a:spcPts val="1400"/>
-                  </a:lnSpc>
-                  <a:spcBef>
-                    <a:spcPts val="0"/>
-                  </a:spcBef>
-                  <a:spcAft>
-                    <a:spcPts val="0"/>
-                  </a:spcAft>
-                  <a:buClrTx/>
-                  <a:buSzTx/>
-                  <a:buFontTx/>
-                  <a:buNone/>
-                  <a:defRPr/>
-                </a:pPr>
-                <a:r>
-                  <a:rPr kumimoji="0" lang="zh-CN" altLang="en-US" sz="900" b="1" i="0" u="none" strike="noStrike" kern="0" cap="none" spc="0" normalizeH="0" baseline="0" noProof="0" dirty="0">
-                    <a:ln w="0">
-                      <a:noFill/>
-                    </a:ln>
-                    <a:solidFill>
-                      <a:schemeClr val="tx1"/>
-                    </a:solidFill>
-                    <a:effectLst/>
-                    <a:uLnTx/>
-                    <a:uFillTx/>
-                    <a:latin typeface="Arial"/>
-                    <a:ea typeface="微软雅黑"/>
-                    <a:cs typeface="思源黑体 CN Bold" panose="020B0800000000000000" charset="-122"/>
-                    <a:sym typeface="Arial"/>
-                  </a:rPr>
-                  <a:t>单击此处添加文本，本模块所有图形线条及相应素材均可自由编辑，建议您在展示时选择微软雅黑等系统自带字体</a:t>
-                </a:r>
+                <a:pPr algn="ctr"/>
+                <a:endParaRPr lang="zh-CN" altLang="en-US"/>
               </a:p>
             </p:txBody>
           </p:sp>
-          <p:sp>
-            <p:nvSpPr>
-              <p:cNvPr id="6" name="矩形 5">
+          <p:cxnSp>
+            <p:nvCxnSpPr>
+              <p:cNvPr id="37" name="直接连接符 36">
                 <a:extLst>
                   <a:ext uri="{FF2B5EF4-FFF2-40B4-BE49-F238E27FC236}">
-                    <a16:creationId xmlns:a16="http://schemas.microsoft.com/office/drawing/2014/main" id="{A6D760CD-A588-4D73-A173-75B58D25B4FE}"/>
+                    <a16:creationId xmlns:a16="http://schemas.microsoft.com/office/drawing/2014/main" id="{3F0E1071-EFD7-4107-8581-B3B54ED2B934}"/>
                   </a:ext>
                 </a:extLst>
               </p:cNvPr>
-              <p:cNvSpPr/>
+              <p:cNvCxnSpPr>
+                <a:cxnSpLocks/>
+                <a:stCxn id="25" idx="2"/>
+                <a:endCxn id="25" idx="6"/>
+              </p:cNvCxnSpPr>
               <p:nvPr/>
-            </p:nvSpPr>
+            </p:nvCxnSpPr>
             <p:spPr>
               <a:xfrm>
-                <a:off x="2790" y="5574"/>
-                <a:ext cx="2230" cy="434"/>
+                <a:off x="6800193" y="5049517"/>
+                <a:ext cx="1975937" cy="0"/>
               </a:xfrm>
-              <a:prstGeom prst="rect">
+              <a:prstGeom prst="line">
                 <a:avLst/>
               </a:prstGeom>
+              <a:ln>
+                <a:solidFill>
+                  <a:schemeClr val="accent1">
+                    <a:lumMod val="75000"/>
+                  </a:schemeClr>
+                </a:solidFill>
+              </a:ln>
             </p:spPr>
-            <p:txBody>
-              <a:bodyPr wrap="square">
-                <a:spAutoFit/>
-              </a:bodyPr>
-              <a:lstStyle/>
-              <a:p>
-                <a:pPr marL="0" marR="0" lvl="0" indent="0" algn="l" defTabSz="914400" rtl="0" eaLnBrk="1" fontAlgn="auto" latinLnBrk="0" hangingPunct="1">
-                  <a:lnSpc>
-                    <a:spcPct val="100000"/>
-                  </a:lnSpc>
-                  <a:spcBef>
-                    <a:spcPts val="0"/>
-                  </a:spcBef>
-                  <a:spcAft>
-                    <a:spcPts val="0"/>
-                  </a:spcAft>
-                  <a:buClrTx/>
-                  <a:buSzTx/>
-                  <a:buFontTx/>
-                  <a:buNone/>
-                  <a:defRPr/>
-                </a:pPr>
-                <a:r>
-                  <a:rPr kumimoji="0" lang="zh-CN" altLang="en-US" sz="1200" i="0" u="none" strike="noStrike" kern="0" cap="none" spc="0" normalizeH="0" baseline="0" noProof="0" dirty="0">
-                    <a:ln w="0">
-                      <a:noFill/>
-                    </a:ln>
-                    <a:solidFill>
-                      <a:srgbClr val="385AE6"/>
-                    </a:solidFill>
-                    <a:effectLst/>
-                    <a:uLnTx/>
-                    <a:uFillTx/>
-                    <a:latin typeface="Arial"/>
-                    <a:ea typeface="微软雅黑"/>
-                    <a:cs typeface="思源黑体 CN Bold" panose="020B0800000000000000" charset="-122"/>
-                    <a:sym typeface="Arial"/>
-                  </a:rPr>
-                  <a:t>请输入关键字</a:t>
-                </a:r>
-              </a:p>
-            </p:txBody>
-          </p:sp>
+            <p:style>
+              <a:lnRef idx="2">
+                <a:schemeClr val="accent1"/>
+              </a:lnRef>
+              <a:fillRef idx="0">
+                <a:schemeClr val="accent1"/>
+              </a:fillRef>
+              <a:effectRef idx="1">
+                <a:schemeClr val="accent1"/>
+              </a:effectRef>
+              <a:fontRef idx="minor">
+                <a:schemeClr val="tx1"/>
+              </a:fontRef>
+            </p:style>
+          </p:cxnSp>
+          <p:cxnSp>
+            <p:nvCxnSpPr>
+              <p:cNvPr id="39" name="直接连接符 38">
+                <a:extLst>
+                  <a:ext uri="{FF2B5EF4-FFF2-40B4-BE49-F238E27FC236}">
+                    <a16:creationId xmlns:a16="http://schemas.microsoft.com/office/drawing/2014/main" id="{5559FD48-AFF8-4B4A-A82B-72184BC32D61}"/>
+                  </a:ext>
+                </a:extLst>
+              </p:cNvPr>
+              <p:cNvCxnSpPr>
+                <a:cxnSpLocks/>
+                <a:stCxn id="25" idx="4"/>
+              </p:cNvCxnSpPr>
+              <p:nvPr/>
+            </p:nvCxnSpPr>
+            <p:spPr>
+              <a:xfrm flipV="1">
+                <a:off x="7788162" y="5048247"/>
+                <a:ext cx="0" cy="989238"/>
+              </a:xfrm>
+              <a:prstGeom prst="line">
+                <a:avLst/>
+              </a:prstGeom>
+              <a:ln>
+                <a:solidFill>
+                  <a:schemeClr val="accent1">
+                    <a:lumMod val="75000"/>
+                  </a:schemeClr>
+                </a:solidFill>
+              </a:ln>
+            </p:spPr>
+            <p:style>
+              <a:lnRef idx="2">
+                <a:schemeClr val="accent1"/>
+              </a:lnRef>
+              <a:fillRef idx="0">
+                <a:schemeClr val="accent1"/>
+              </a:fillRef>
+              <a:effectRef idx="1">
+                <a:schemeClr val="accent1"/>
+              </a:effectRef>
+              <a:fontRef idx="minor">
+                <a:schemeClr val="tx1"/>
+              </a:fontRef>
+            </p:style>
+          </p:cxnSp>
         </p:grpSp>
+        <p:sp>
+          <p:nvSpPr>
+            <p:cNvPr id="24" name="矩形 23">
+              <a:extLst>
+                <a:ext uri="{FF2B5EF4-FFF2-40B4-BE49-F238E27FC236}">
+                  <a16:creationId xmlns:a16="http://schemas.microsoft.com/office/drawing/2014/main" id="{9C0DF954-020F-4515-96FE-1A4E4D0E83B3}"/>
+                </a:ext>
+              </a:extLst>
+            </p:cNvPr>
+            <p:cNvSpPr/>
+            <p:nvPr/>
+          </p:nvSpPr>
+          <p:spPr>
+            <a:xfrm>
+              <a:off x="7788161" y="5240514"/>
+              <a:ext cx="877163" cy="369332"/>
+            </a:xfrm>
+            <a:prstGeom prst="rect">
+              <a:avLst/>
+            </a:prstGeom>
+          </p:spPr>
+          <p:txBody>
+            <a:bodyPr wrap="none">
+              <a:spAutoFit/>
+            </a:bodyPr>
+            <a:lstStyle/>
+            <a:p>
+              <a:r>
+                <a:rPr lang="zh-CN" altLang="en-US" kern="0" dirty="0">
+                  <a:ln w="0">
+                    <a:noFill/>
+                  </a:ln>
+                  <a:solidFill>
+                    <a:schemeClr val="tx1">
+                      <a:lumMod val="65000"/>
+                      <a:lumOff val="35000"/>
+                    </a:schemeClr>
+                  </a:solidFill>
+                  <a:latin typeface="微软雅黑" panose="020B0503020204020204" pitchFamily="34" charset="-122"/>
+                  <a:ea typeface="微软雅黑" panose="020B0503020204020204" pitchFamily="34" charset="-122"/>
+                  <a:cs typeface="思源黑体 CN Bold" panose="020B0800000000000000" charset="-122"/>
+                  <a:sym typeface="Arial"/>
+                </a:rPr>
+                <a:t>微服务</a:t>
+              </a:r>
+              <a:endParaRPr lang="zh-CN" altLang="en-US" dirty="0"/>
+            </a:p>
+          </p:txBody>
+        </p:sp>
+        <p:sp>
+          <p:nvSpPr>
+            <p:cNvPr id="23" name="矩形 22">
+              <a:extLst>
+                <a:ext uri="{FF2B5EF4-FFF2-40B4-BE49-F238E27FC236}">
+                  <a16:creationId xmlns:a16="http://schemas.microsoft.com/office/drawing/2014/main" id="{83770413-EE50-46CE-8117-4E65819B8C68}"/>
+                </a:ext>
+              </a:extLst>
+            </p:cNvPr>
+            <p:cNvSpPr/>
+            <p:nvPr/>
+          </p:nvSpPr>
+          <p:spPr>
+            <a:xfrm>
+              <a:off x="7166207" y="5239806"/>
+              <a:ext cx="413896" cy="369332"/>
+            </a:xfrm>
+            <a:prstGeom prst="rect">
+              <a:avLst/>
+            </a:prstGeom>
+          </p:spPr>
+          <p:txBody>
+            <a:bodyPr wrap="none">
+              <a:spAutoFit/>
+            </a:bodyPr>
+            <a:lstStyle/>
+            <a:p>
+              <a:r>
+                <a:rPr lang="en-US" altLang="zh-CN" kern="0" dirty="0">
+                  <a:ln w="0">
+                    <a:noFill/>
+                  </a:ln>
+                  <a:solidFill>
+                    <a:schemeClr val="tx1">
+                      <a:lumMod val="65000"/>
+                      <a:lumOff val="35000"/>
+                    </a:schemeClr>
+                  </a:solidFill>
+                  <a:latin typeface="微软雅黑" panose="020B0503020204020204" pitchFamily="34" charset="-122"/>
+                  <a:ea typeface="微软雅黑" panose="020B0503020204020204" pitchFamily="34" charset="-122"/>
+                  <a:cs typeface="思源黑体 CN Bold" panose="020B0800000000000000" charset="-122"/>
+                  <a:sym typeface="Arial"/>
+                </a:rPr>
+                <a:t>AI</a:t>
+              </a:r>
+              <a:endParaRPr lang="zh-CN" altLang="en-US" dirty="0"/>
+            </a:p>
+          </p:txBody>
+        </p:sp>
+        <p:sp>
+          <p:nvSpPr>
+            <p:cNvPr id="22" name="矩形 21">
+              <a:extLst>
+                <a:ext uri="{FF2B5EF4-FFF2-40B4-BE49-F238E27FC236}">
+                  <a16:creationId xmlns:a16="http://schemas.microsoft.com/office/drawing/2014/main" id="{EB8A7662-1928-4167-9390-92A1A7720F9F}"/>
+                </a:ext>
+              </a:extLst>
+            </p:cNvPr>
+            <p:cNvSpPr/>
+            <p:nvPr/>
+          </p:nvSpPr>
+          <p:spPr>
+            <a:xfrm>
+              <a:off x="7003331" y="4490763"/>
+              <a:ext cx="1569660" cy="369332"/>
+            </a:xfrm>
+            <a:prstGeom prst="rect">
+              <a:avLst/>
+            </a:prstGeom>
+          </p:spPr>
+          <p:txBody>
+            <a:bodyPr wrap="none">
+              <a:spAutoFit/>
+            </a:bodyPr>
+            <a:lstStyle/>
+            <a:p>
+              <a:r>
+                <a:rPr lang="zh-CN" altLang="en-US" kern="0" dirty="0">
+                  <a:ln w="0">
+                    <a:noFill/>
+                  </a:ln>
+                  <a:solidFill>
+                    <a:schemeClr val="tx1">
+                      <a:lumMod val="65000"/>
+                      <a:lumOff val="35000"/>
+                    </a:schemeClr>
+                  </a:solidFill>
+                  <a:latin typeface="微软雅黑" panose="020B0503020204020204" pitchFamily="34" charset="-122"/>
+                  <a:ea typeface="微软雅黑" panose="020B0503020204020204" pitchFamily="34" charset="-122"/>
+                  <a:cs typeface="思源黑体 CN Bold" panose="020B0800000000000000" charset="-122"/>
+                  <a:sym typeface="Arial"/>
+                </a:rPr>
+                <a:t>鸿蒙原生应用</a:t>
+              </a:r>
+              <a:endParaRPr lang="zh-CN" altLang="en-US" dirty="0"/>
+            </a:p>
+          </p:txBody>
+        </p:sp>
       </p:grpSp>
       <p:grpSp>
         <p:nvGrpSpPr>
-          <p:cNvPr id="7" name="组合 3">
+          <p:cNvPr id="46" name="组合 45">
             <a:extLst>
               <a:ext uri="{FF2B5EF4-FFF2-40B4-BE49-F238E27FC236}">
-                <a16:creationId xmlns:a16="http://schemas.microsoft.com/office/drawing/2014/main" id="{F02973E5-6B9D-4A71-9C99-42DAB8759093}"/>
+                <a16:creationId xmlns:a16="http://schemas.microsoft.com/office/drawing/2014/main" id="{55338819-EB40-4D7D-ACE6-6AE8002437F4}"/>
               </a:ext>
             </a:extLst>
           </p:cNvPr>
@@ -25805,18 +28074,108 @@
         </p:nvGrpSpPr>
         <p:grpSpPr>
           <a:xfrm>
-            <a:off x="5133340" y="4248150"/>
-            <a:ext cx="2369820" cy="1488440"/>
-            <a:chOff x="12947" y="4132"/>
-            <a:chExt cx="3732" cy="2344"/>
+            <a:off x="1480185" y="3776433"/>
+            <a:ext cx="9219336" cy="2042072"/>
+            <a:chOff x="1480185" y="3776433"/>
+            <a:chExt cx="9219336" cy="2042072"/>
           </a:xfrm>
         </p:grpSpPr>
         <p:sp>
           <p:nvSpPr>
-            <p:cNvPr id="8" name="圆角矩形 49">
+            <p:cNvPr id="15" name="文本框 14">
               <a:extLst>
                 <a:ext uri="{FF2B5EF4-FFF2-40B4-BE49-F238E27FC236}">
-                  <a16:creationId xmlns:a16="http://schemas.microsoft.com/office/drawing/2014/main" id="{8A465BC8-1CB7-4227-83ED-69802DA2A83E}"/>
+                  <a16:creationId xmlns:a16="http://schemas.microsoft.com/office/drawing/2014/main" id="{7A83D286-E69A-4B46-840C-5C15BEEF4848}"/>
+                </a:ext>
+              </a:extLst>
+            </p:cNvPr>
+            <p:cNvSpPr txBox="1"/>
+            <p:nvPr/>
+          </p:nvSpPr>
+          <p:spPr>
+            <a:xfrm>
+              <a:off x="2581275" y="3776433"/>
+              <a:ext cx="3362325" cy="398780"/>
+            </a:xfrm>
+            <a:prstGeom prst="rect">
+              <a:avLst/>
+            </a:prstGeom>
+            <a:noFill/>
+            <a:ln>
+              <a:noFill/>
+            </a:ln>
+          </p:spPr>
+          <p:txBody>
+            <a:bodyPr wrap="square" rtlCol="0">
+              <a:spAutoFit/>
+            </a:bodyPr>
+            <a:lstStyle/>
+            <a:p>
+              <a:r>
+                <a:rPr lang="zh-CN" altLang="en-US" sz="2000" b="1" dirty="0">
+                  <a:ea typeface="微软雅黑"/>
+                  <a:sym typeface="Arial"/>
+                </a:rPr>
+                <a:t>实践意义</a:t>
+              </a:r>
+              <a:endParaRPr lang="zh-CN" altLang="en-US" sz="2000" b="1" dirty="0">
+                <a:solidFill>
+                  <a:schemeClr val="tx1"/>
+                </a:solidFill>
+                <a:latin typeface="Arial"/>
+                <a:ea typeface="微软雅黑"/>
+                <a:sym typeface="Arial"/>
+              </a:endParaRPr>
+            </a:p>
+          </p:txBody>
+        </p:sp>
+        <p:cxnSp>
+          <p:nvCxnSpPr>
+            <p:cNvPr id="5" name="直接连接符 4">
+              <a:extLst>
+                <a:ext uri="{FF2B5EF4-FFF2-40B4-BE49-F238E27FC236}">
+                  <a16:creationId xmlns:a16="http://schemas.microsoft.com/office/drawing/2014/main" id="{3817DFCB-1013-47D5-BCF2-95EF515827C7}"/>
+                </a:ext>
+              </a:extLst>
+            </p:cNvPr>
+            <p:cNvCxnSpPr/>
+            <p:nvPr/>
+          </p:nvCxnSpPr>
+          <p:spPr>
+            <a:xfrm flipH="1">
+              <a:off x="1716405" y="4078693"/>
+              <a:ext cx="697865" cy="1905"/>
+            </a:xfrm>
+            <a:prstGeom prst="line">
+              <a:avLst/>
+            </a:prstGeom>
+            <a:ln w="19050">
+              <a:solidFill>
+                <a:srgbClr val="5986F7"/>
+              </a:solidFill>
+            </a:ln>
+          </p:spPr>
+          <p:style>
+            <a:lnRef idx="1">
+              <a:schemeClr val="accent1"/>
+            </a:lnRef>
+            <a:fillRef idx="0">
+              <a:schemeClr val="accent1"/>
+            </a:fillRef>
+            <a:effectRef idx="0">
+              <a:schemeClr val="accent1"/>
+            </a:effectRef>
+            <a:fontRef idx="minor">
+              <a:schemeClr val="tx1"/>
+            </a:fontRef>
+          </p:style>
+        </p:cxnSp>
+        <p:sp>
+          <p:nvSpPr>
+            <p:cNvPr id="6" name="椭圆 5">
+              <a:extLst>
+                <a:ext uri="{FF2B5EF4-FFF2-40B4-BE49-F238E27FC236}">
+                  <a16:creationId xmlns:a16="http://schemas.microsoft.com/office/drawing/2014/main" id="{FE0DA554-4157-4C4F-9419-C8E4D1976EB6}"/>
                 </a:ext>
               </a:extLst>
             </p:cNvPr>
@@ -25824,28 +28183,21 @@
             <p:nvPr/>
           </p:nvSpPr>
           <p:spPr>
-            <a:xfrm>
-              <a:off x="12947" y="4132"/>
-              <a:ext cx="3732" cy="2344"/>
+            <a:xfrm flipV="1">
+              <a:off x="1480185" y="3962488"/>
+              <a:ext cx="187960" cy="198120"/>
             </a:xfrm>
-            <a:prstGeom prst="roundRect">
-              <a:avLst>
-                <a:gd name="adj" fmla="val 10061"/>
-              </a:avLst>
+            <a:prstGeom prst="ellipse">
+              <a:avLst/>
             </a:prstGeom>
             <a:solidFill>
-              <a:schemeClr val="bg1"/>
+              <a:srgbClr val="ADC5FB"/>
             </a:solidFill>
-            <a:ln>
-              <a:noFill/>
+            <a:ln w="41275">
+              <a:solidFill>
+                <a:srgbClr val="385AE6"/>
+              </a:solidFill>
             </a:ln>
-            <a:effectLst>
-              <a:outerShdw blurRad="254000" dist="38100" dir="2700000" algn="tl" rotWithShape="0">
-                <a:srgbClr val="1D32CC">
-                  <a:alpha val="15000"/>
-                </a:srgbClr>
-              </a:outerShdw>
-            </a:effectLst>
           </p:spPr>
           <p:style>
             <a:lnRef idx="2">
@@ -25876,1142 +28228,124 @@
             </a:p>
           </p:txBody>
         </p:sp>
-        <p:grpSp>
-          <p:nvGrpSpPr>
-            <p:cNvPr id="9" name="组合 8">
+        <p:sp>
+          <p:nvSpPr>
+            <p:cNvPr id="45" name="文本框 44">
               <a:extLst>
                 <a:ext uri="{FF2B5EF4-FFF2-40B4-BE49-F238E27FC236}">
-                  <a16:creationId xmlns:a16="http://schemas.microsoft.com/office/drawing/2014/main" id="{EDE0DC46-E7DB-4DFF-88EC-E55E46E3D136}"/>
+                  <a16:creationId xmlns:a16="http://schemas.microsoft.com/office/drawing/2014/main" id="{2A493B2D-FBE4-47C3-8631-96C427B103F2}"/>
                 </a:ext>
               </a:extLst>
             </p:cNvPr>
-            <p:cNvGrpSpPr/>
-            <p:nvPr/>
-          </p:nvGrpSpPr>
-          <p:grpSpPr>
-            <a:xfrm>
-              <a:off x="13226" y="4499"/>
-              <a:ext cx="3174" cy="1611"/>
-              <a:chOff x="2790" y="5574"/>
-              <a:chExt cx="3174" cy="1611"/>
-            </a:xfrm>
-          </p:grpSpPr>
-          <p:sp>
-            <p:nvSpPr>
-              <p:cNvPr id="10" name="矩形 9">
-                <a:extLst>
-                  <a:ext uri="{FF2B5EF4-FFF2-40B4-BE49-F238E27FC236}">
-                    <a16:creationId xmlns:a16="http://schemas.microsoft.com/office/drawing/2014/main" id="{DB7376CC-CCF5-4988-9F47-17773E32B2A2}"/>
-                  </a:ext>
-                </a:extLst>
-              </p:cNvPr>
-              <p:cNvSpPr/>
-              <p:nvPr/>
-            </p:nvSpPr>
-            <p:spPr>
-              <a:xfrm>
-                <a:off x="2790" y="5911"/>
-                <a:ext cx="3174" cy="1274"/>
-              </a:xfrm>
-              <a:prstGeom prst="rect">
-                <a:avLst/>
-              </a:prstGeom>
-            </p:spPr>
-            <p:txBody>
-              <a:bodyPr wrap="square">
-                <a:spAutoFit/>
-              </a:bodyPr>
-              <a:lstStyle/>
-              <a:p>
-                <a:pPr marL="0" marR="0" lvl="0" indent="0" algn="l" defTabSz="914400" rtl="0" fontAlgn="auto">
-                  <a:lnSpc>
-                    <a:spcPts val="1400"/>
-                  </a:lnSpc>
-                  <a:spcBef>
-                    <a:spcPts val="0"/>
-                  </a:spcBef>
-                  <a:spcAft>
-                    <a:spcPts val="0"/>
-                  </a:spcAft>
-                  <a:buClrTx/>
-                  <a:buSzTx/>
-                  <a:buFontTx/>
-                  <a:buNone/>
-                  <a:defRPr/>
-                </a:pPr>
-                <a:r>
-                  <a:rPr kumimoji="0" lang="zh-CN" altLang="en-US" sz="900" b="1" i="0" u="none" strike="noStrike" kern="0" cap="none" spc="0" normalizeH="0" baseline="0" noProof="0" dirty="0">
-                    <a:ln w="0">
-                      <a:noFill/>
-                    </a:ln>
-                    <a:solidFill>
-                      <a:schemeClr val="tx1"/>
-                    </a:solidFill>
-                    <a:effectLst/>
-                    <a:uLnTx/>
-                    <a:uFillTx/>
-                    <a:latin typeface="Arial"/>
-                    <a:ea typeface="微软雅黑"/>
-                    <a:cs typeface="思源黑体 CN Bold" panose="020B0800000000000000" charset="-122"/>
-                    <a:sym typeface="Arial"/>
-                  </a:rPr>
-                  <a:t>单击此处添加文本，本模块所有图形线条及相应素材均可自由编辑，建议您在展示时选择微软雅黑等系统自带字体</a:t>
-                </a:r>
-              </a:p>
-            </p:txBody>
-          </p:sp>
-          <p:sp>
-            <p:nvSpPr>
-              <p:cNvPr id="11" name="矩形 10">
-                <a:extLst>
-                  <a:ext uri="{FF2B5EF4-FFF2-40B4-BE49-F238E27FC236}">
-                    <a16:creationId xmlns:a16="http://schemas.microsoft.com/office/drawing/2014/main" id="{CA1582B8-CF7D-4A29-ADCC-F9D27E26B987}"/>
-                  </a:ext>
-                </a:extLst>
-              </p:cNvPr>
-              <p:cNvSpPr/>
-              <p:nvPr/>
-            </p:nvSpPr>
-            <p:spPr>
-              <a:xfrm>
-                <a:off x="2790" y="5574"/>
-                <a:ext cx="2230" cy="434"/>
-              </a:xfrm>
-              <a:prstGeom prst="rect">
-                <a:avLst/>
-              </a:prstGeom>
-            </p:spPr>
-            <p:txBody>
-              <a:bodyPr wrap="square">
-                <a:spAutoFit/>
-              </a:bodyPr>
-              <a:lstStyle/>
-              <a:p>
-                <a:pPr marL="0" marR="0" lvl="0" indent="0" algn="l" defTabSz="914400" rtl="0" eaLnBrk="1" fontAlgn="auto" latinLnBrk="0" hangingPunct="1">
-                  <a:lnSpc>
-                    <a:spcPct val="100000"/>
-                  </a:lnSpc>
-                  <a:spcBef>
-                    <a:spcPts val="0"/>
-                  </a:spcBef>
-                  <a:spcAft>
-                    <a:spcPts val="0"/>
-                  </a:spcAft>
-                  <a:buClrTx/>
-                  <a:buSzTx/>
-                  <a:buFontTx/>
-                  <a:buNone/>
-                  <a:defRPr/>
-                </a:pPr>
-                <a:r>
-                  <a:rPr kumimoji="0" lang="zh-CN" altLang="en-US" sz="1200" i="0" u="none" strike="noStrike" kern="0" cap="none" spc="0" normalizeH="0" baseline="0" noProof="0" dirty="0">
-                    <a:ln w="0">
-                      <a:noFill/>
-                    </a:ln>
-                    <a:solidFill>
-                      <a:srgbClr val="385AE6"/>
-                    </a:solidFill>
-                    <a:effectLst/>
-                    <a:uLnTx/>
-                    <a:uFillTx/>
-                    <a:latin typeface="Arial"/>
-                    <a:ea typeface="微软雅黑"/>
-                    <a:cs typeface="思源黑体 CN Bold" panose="020B0800000000000000" charset="-122"/>
-                    <a:sym typeface="Arial"/>
-                  </a:rPr>
-                  <a:t>请输入关键字</a:t>
-                </a:r>
-              </a:p>
-            </p:txBody>
-          </p:sp>
-        </p:grpSp>
-      </p:grpSp>
-      <p:grpSp>
-        <p:nvGrpSpPr>
-          <p:cNvPr id="12" name="组合 2">
-            <a:extLst>
-              <a:ext uri="{FF2B5EF4-FFF2-40B4-BE49-F238E27FC236}">
-                <a16:creationId xmlns:a16="http://schemas.microsoft.com/office/drawing/2014/main" id="{CE9366C7-ADF9-43E4-9E74-4F252D2AAD71}"/>
-              </a:ext>
-            </a:extLst>
-          </p:cNvPr>
-          <p:cNvGrpSpPr/>
-          <p:nvPr/>
-        </p:nvGrpSpPr>
-        <p:grpSpPr>
-          <a:xfrm>
-            <a:off x="7657465" y="2575560"/>
-            <a:ext cx="2369820" cy="1488440"/>
-            <a:chOff x="12947" y="4132"/>
-            <a:chExt cx="3732" cy="2344"/>
-          </a:xfrm>
-        </p:grpSpPr>
-        <p:sp>
-          <p:nvSpPr>
-            <p:cNvPr id="13" name="圆角矩形 3">
-              <a:extLst>
-                <a:ext uri="{FF2B5EF4-FFF2-40B4-BE49-F238E27FC236}">
-                  <a16:creationId xmlns:a16="http://schemas.microsoft.com/office/drawing/2014/main" id="{2EA5D8E9-3BF3-4ED5-9259-AE70C29A2B52}"/>
-                </a:ext>
-              </a:extLst>
-            </p:cNvPr>
-            <p:cNvSpPr/>
+            <p:cNvSpPr txBox="1"/>
             <p:nvPr/>
           </p:nvSpPr>
           <p:spPr>
             <a:xfrm>
-              <a:off x="12947" y="4132"/>
-              <a:ext cx="3732" cy="2344"/>
+              <a:off x="2581274" y="4495066"/>
+              <a:ext cx="8118247" cy="1323439"/>
             </a:xfrm>
-            <a:prstGeom prst="roundRect">
-              <a:avLst>
-                <a:gd name="adj" fmla="val 10061"/>
-              </a:avLst>
+            <a:prstGeom prst="rect">
+              <a:avLst/>
             </a:prstGeom>
-            <a:solidFill>
-              <a:schemeClr val="bg1"/>
-            </a:solidFill>
-            <a:ln>
-              <a:noFill/>
-            </a:ln>
-            <a:effectLst>
-              <a:outerShdw blurRad="254000" dist="38100" dir="2700000" algn="tl" rotWithShape="0">
-                <a:srgbClr val="1D32CC">
-                  <a:alpha val="15000"/>
-                </a:srgbClr>
-              </a:outerShdw>
-            </a:effectLst>
+            <a:noFill/>
           </p:spPr>
-          <p:style>
-            <a:lnRef idx="2">
-              <a:schemeClr val="accent1">
-                <a:shade val="50000"/>
-              </a:schemeClr>
-            </a:lnRef>
-            <a:fillRef idx="1">
-              <a:schemeClr val="accent1"/>
-            </a:fillRef>
-            <a:effectRef idx="0">
-              <a:schemeClr val="accent1"/>
-            </a:effectRef>
-            <a:fontRef idx="minor">
-              <a:schemeClr val="lt1"/>
-            </a:fontRef>
-          </p:style>
           <p:txBody>
-            <a:bodyPr rtlCol="0" anchor="ctr"/>
+            <a:bodyPr wrap="square" rtlCol="0">
+              <a:spAutoFit/>
+            </a:bodyPr>
             <a:lstStyle/>
             <a:p>
-              <a:pPr algn="ctr"/>
-              <a:endParaRPr lang="zh-CN" altLang="en-US">
-                <a:latin typeface="Arial"/>
-                <a:ea typeface="微软雅黑"/>
+              <a:pPr marL="342900" lvl="0" indent="-342900">
+                <a:buAutoNum type="arabicPeriod"/>
+                <a:defRPr/>
+              </a:pPr>
+              <a:r>
+                <a:rPr lang="zh-CN" altLang="en-US" sz="1600" kern="0" dirty="0">
+                  <a:ln w="0">
+                    <a:noFill/>
+                  </a:ln>
+                  <a:solidFill>
+                    <a:schemeClr val="tx1">
+                      <a:lumMod val="65000"/>
+                      <a:lumOff val="35000"/>
+                    </a:schemeClr>
+                  </a:solidFill>
+                  <a:latin typeface="微软雅黑" panose="020B0503020204020204" pitchFamily="34" charset="-122"/>
+                  <a:ea typeface="微软雅黑" panose="020B0503020204020204" pitchFamily="34" charset="-122"/>
+                  <a:cs typeface="思源黑体 CN Bold" panose="020B0800000000000000" charset="-122"/>
+                  <a:sym typeface="Arial"/>
+                </a:rPr>
+                <a:t>从用户角度出发：解决各类用户在烹饪方面的一系列痛点，使用户能够节省时间精力，提升厨艺水平，享受烹饪乐趣，助力家庭饮食多样化与品质化</a:t>
+              </a:r>
+              <a:endParaRPr lang="en-US" altLang="zh-CN" sz="1600" kern="0" dirty="0">
+                <a:ln w="0">
+                  <a:noFill/>
+                </a:ln>
+                <a:solidFill>
+                  <a:schemeClr val="tx1">
+                    <a:lumMod val="65000"/>
+                    <a:lumOff val="35000"/>
+                  </a:schemeClr>
+                </a:solidFill>
+                <a:latin typeface="微软雅黑" panose="020B0503020204020204" pitchFamily="34" charset="-122"/>
+                <a:ea typeface="微软雅黑" panose="020B0503020204020204" pitchFamily="34" charset="-122"/>
+                <a:cs typeface="思源黑体 CN Bold" panose="020B0800000000000000" charset="-122"/>
                 <a:sym typeface="Arial"/>
               </a:endParaRPr>
             </a:p>
-          </p:txBody>
-        </p:sp>
-        <p:grpSp>
-          <p:nvGrpSpPr>
-            <p:cNvPr id="14" name="组合 13">
-              <a:extLst>
-                <a:ext uri="{FF2B5EF4-FFF2-40B4-BE49-F238E27FC236}">
-                  <a16:creationId xmlns:a16="http://schemas.microsoft.com/office/drawing/2014/main" id="{23833162-A082-42F7-8303-A2FE165A0C82}"/>
-                </a:ext>
-              </a:extLst>
-            </p:cNvPr>
-            <p:cNvGrpSpPr/>
-            <p:nvPr/>
-          </p:nvGrpSpPr>
-          <p:grpSpPr>
-            <a:xfrm>
-              <a:off x="13226" y="4499"/>
-              <a:ext cx="3174" cy="1611"/>
-              <a:chOff x="2790" y="5574"/>
-              <a:chExt cx="3174" cy="1611"/>
-            </a:xfrm>
-          </p:grpSpPr>
-          <p:sp>
-            <p:nvSpPr>
-              <p:cNvPr id="15" name="矩形 14">
-                <a:extLst>
-                  <a:ext uri="{FF2B5EF4-FFF2-40B4-BE49-F238E27FC236}">
-                    <a16:creationId xmlns:a16="http://schemas.microsoft.com/office/drawing/2014/main" id="{7AEA3556-0752-40F4-9D85-8CAA7E195500}"/>
-                  </a:ext>
-                </a:extLst>
-              </p:cNvPr>
-              <p:cNvSpPr/>
-              <p:nvPr/>
-            </p:nvSpPr>
-            <p:spPr>
-              <a:xfrm>
-                <a:off x="2790" y="5911"/>
-                <a:ext cx="3174" cy="1274"/>
-              </a:xfrm>
-              <a:prstGeom prst="rect">
-                <a:avLst/>
-              </a:prstGeom>
-            </p:spPr>
-            <p:txBody>
-              <a:bodyPr wrap="square">
-                <a:spAutoFit/>
-              </a:bodyPr>
-              <a:lstStyle/>
-              <a:p>
-                <a:pPr marL="0" marR="0" lvl="0" indent="0" algn="l" defTabSz="914400" rtl="0" fontAlgn="auto">
-                  <a:lnSpc>
-                    <a:spcPts val="1400"/>
-                  </a:lnSpc>
-                  <a:spcBef>
-                    <a:spcPts val="0"/>
-                  </a:spcBef>
-                  <a:spcAft>
-                    <a:spcPts val="0"/>
-                  </a:spcAft>
-                  <a:buClrTx/>
-                  <a:buSzTx/>
-                  <a:buFontTx/>
-                  <a:buNone/>
-                  <a:defRPr/>
-                </a:pPr>
-                <a:r>
-                  <a:rPr kumimoji="0" lang="zh-CN" altLang="en-US" sz="900" b="1" i="0" u="none" strike="noStrike" kern="0" cap="none" spc="0" normalizeH="0" baseline="0" noProof="0" dirty="0">
-                    <a:ln w="0">
-                      <a:noFill/>
-                    </a:ln>
-                    <a:solidFill>
-                      <a:schemeClr val="tx1"/>
-                    </a:solidFill>
-                    <a:effectLst/>
-                    <a:uLnTx/>
-                    <a:uFillTx/>
-                    <a:latin typeface="Arial"/>
-                    <a:ea typeface="微软雅黑"/>
-                    <a:cs typeface="思源黑体 CN Bold" panose="020B0800000000000000" charset="-122"/>
-                    <a:sym typeface="Arial"/>
-                  </a:rPr>
-                  <a:t>单击此处添加文本，本模块所有图形线条及相应素材均可自由编辑，建议您在展示时选择微软雅黑等系统自带字体</a:t>
-                </a:r>
-              </a:p>
-            </p:txBody>
-          </p:sp>
-          <p:sp>
-            <p:nvSpPr>
-              <p:cNvPr id="16" name="矩形 15">
-                <a:extLst>
-                  <a:ext uri="{FF2B5EF4-FFF2-40B4-BE49-F238E27FC236}">
-                    <a16:creationId xmlns:a16="http://schemas.microsoft.com/office/drawing/2014/main" id="{5C85D8CE-FBBD-45DE-A847-4D63A1315711}"/>
-                  </a:ext>
-                </a:extLst>
-              </p:cNvPr>
-              <p:cNvSpPr/>
-              <p:nvPr/>
-            </p:nvSpPr>
-            <p:spPr>
-              <a:xfrm>
-                <a:off x="2790" y="5574"/>
-                <a:ext cx="2230" cy="434"/>
-              </a:xfrm>
-              <a:prstGeom prst="rect">
-                <a:avLst/>
-              </a:prstGeom>
-            </p:spPr>
-            <p:txBody>
-              <a:bodyPr wrap="square">
-                <a:spAutoFit/>
-              </a:bodyPr>
-              <a:lstStyle/>
-              <a:p>
-                <a:pPr marL="0" marR="0" lvl="0" indent="0" algn="l" defTabSz="914400" rtl="0" eaLnBrk="1" fontAlgn="auto" latinLnBrk="0" hangingPunct="1">
-                  <a:lnSpc>
-                    <a:spcPct val="100000"/>
-                  </a:lnSpc>
-                  <a:spcBef>
-                    <a:spcPts val="0"/>
-                  </a:spcBef>
-                  <a:spcAft>
-                    <a:spcPts val="0"/>
-                  </a:spcAft>
-                  <a:buClrTx/>
-                  <a:buSzTx/>
-                  <a:buFontTx/>
-                  <a:buNone/>
-                  <a:defRPr/>
-                </a:pPr>
-                <a:r>
-                  <a:rPr kumimoji="0" lang="zh-CN" altLang="en-US" sz="1200" i="0" u="none" strike="noStrike" kern="0" cap="none" spc="0" normalizeH="0" baseline="0" noProof="0" dirty="0">
-                    <a:ln w="0">
-                      <a:noFill/>
-                    </a:ln>
-                    <a:solidFill>
-                      <a:srgbClr val="385AE6"/>
-                    </a:solidFill>
-                    <a:effectLst/>
-                    <a:uLnTx/>
-                    <a:uFillTx/>
-                    <a:latin typeface="Arial"/>
-                    <a:ea typeface="微软雅黑"/>
-                    <a:cs typeface="思源黑体 CN Bold" panose="020B0800000000000000" charset="-122"/>
-                    <a:sym typeface="Arial"/>
-                  </a:rPr>
-                  <a:t>请输入关键字</a:t>
-                </a:r>
-              </a:p>
-            </p:txBody>
-          </p:sp>
-        </p:grpSp>
-      </p:grpSp>
-      <p:grpSp>
-        <p:nvGrpSpPr>
-          <p:cNvPr id="17" name="组合 1">
-            <a:extLst>
-              <a:ext uri="{FF2B5EF4-FFF2-40B4-BE49-F238E27FC236}">
-                <a16:creationId xmlns:a16="http://schemas.microsoft.com/office/drawing/2014/main" id="{52900D33-073C-49C4-8A9B-1D4247443D90}"/>
-              </a:ext>
-            </a:extLst>
-          </p:cNvPr>
-          <p:cNvGrpSpPr/>
-          <p:nvPr/>
-        </p:nvGrpSpPr>
-        <p:grpSpPr>
-          <a:xfrm>
-            <a:off x="5133340" y="2575560"/>
-            <a:ext cx="2369820" cy="1488440"/>
-            <a:chOff x="8820" y="4133"/>
-            <a:chExt cx="3732" cy="2344"/>
-          </a:xfrm>
-        </p:grpSpPr>
-        <p:sp>
-          <p:nvSpPr>
-            <p:cNvPr id="18" name="圆角矩形 73">
-              <a:extLst>
-                <a:ext uri="{FF2B5EF4-FFF2-40B4-BE49-F238E27FC236}">
-                  <a16:creationId xmlns:a16="http://schemas.microsoft.com/office/drawing/2014/main" id="{9618CA7A-A881-4F45-BD43-ECB0FAF8D8AF}"/>
-                </a:ext>
-              </a:extLst>
-            </p:cNvPr>
-            <p:cNvSpPr/>
-            <p:nvPr/>
-          </p:nvSpPr>
-          <p:spPr>
-            <a:xfrm>
-              <a:off x="8820" y="4133"/>
-              <a:ext cx="3732" cy="2344"/>
-            </a:xfrm>
-            <a:prstGeom prst="roundRect">
-              <a:avLst>
-                <a:gd name="adj" fmla="val 10061"/>
-              </a:avLst>
-            </a:prstGeom>
-            <a:solidFill>
-              <a:schemeClr val="bg1"/>
-            </a:solidFill>
-            <a:ln>
-              <a:noFill/>
-            </a:ln>
-            <a:effectLst>
-              <a:outerShdw blurRad="254000" dist="38100" dir="2700000" algn="tl" rotWithShape="0">
-                <a:srgbClr val="1D32CC">
-                  <a:alpha val="15000"/>
-                </a:srgbClr>
-              </a:outerShdw>
-            </a:effectLst>
-          </p:spPr>
-          <p:style>
-            <a:lnRef idx="2">
-              <a:schemeClr val="accent1">
-                <a:shade val="50000"/>
-              </a:schemeClr>
-            </a:lnRef>
-            <a:fillRef idx="1">
-              <a:schemeClr val="accent1"/>
-            </a:fillRef>
-            <a:effectRef idx="0">
-              <a:schemeClr val="accent1"/>
-            </a:effectRef>
-            <a:fontRef idx="minor">
-              <a:schemeClr val="lt1"/>
-            </a:fontRef>
-          </p:style>
-          <p:txBody>
-            <a:bodyPr rtlCol="0" anchor="ctr"/>
-            <a:lstStyle/>
             <a:p>
-              <a:pPr algn="ctr"/>
-              <a:endParaRPr lang="zh-CN" altLang="en-US">
-                <a:latin typeface="Arial"/>
-                <a:ea typeface="微软雅黑"/>
+              <a:pPr marL="342900" lvl="0" indent="-342900">
+                <a:buAutoNum type="arabicPeriod"/>
+                <a:defRPr/>
+              </a:pPr>
+              <a:endParaRPr lang="en-US" altLang="zh-CN" sz="1600" kern="0" dirty="0">
+                <a:ln w="0">
+                  <a:noFill/>
+                </a:ln>
+                <a:solidFill>
+                  <a:schemeClr val="tx1">
+                    <a:lumMod val="65000"/>
+                    <a:lumOff val="35000"/>
+                  </a:schemeClr>
+                </a:solidFill>
+                <a:latin typeface="微软雅黑" panose="020B0503020204020204" pitchFamily="34" charset="-122"/>
+                <a:ea typeface="微软雅黑" panose="020B0503020204020204" pitchFamily="34" charset="-122"/>
+                <a:cs typeface="思源黑体 CN Bold" panose="020B0800000000000000" charset="-122"/>
                 <a:sym typeface="Arial"/>
               </a:endParaRPr>
             </a:p>
+            <a:p>
+              <a:pPr marL="342900" lvl="0" indent="-342900">
+                <a:buAutoNum type="arabicPeriod"/>
+                <a:defRPr/>
+              </a:pPr>
+              <a:r>
+                <a:rPr lang="zh-CN" altLang="en-US" sz="1600" kern="0" dirty="0">
+                  <a:ln w="0">
+                    <a:noFill/>
+                  </a:ln>
+                  <a:solidFill>
+                    <a:schemeClr val="tx1">
+                      <a:lumMod val="65000"/>
+                      <a:lumOff val="35000"/>
+                    </a:schemeClr>
+                  </a:solidFill>
+                  <a:latin typeface="微软雅黑" panose="020B0503020204020204" pitchFamily="34" charset="-122"/>
+                  <a:ea typeface="微软雅黑" panose="020B0503020204020204" pitchFamily="34" charset="-122"/>
+                  <a:cs typeface="思源黑体 CN Bold" panose="020B0800000000000000" charset="-122"/>
+                  <a:sym typeface="Arial"/>
+                </a:rPr>
+                <a:t>从餐饮行业角度出发：能够快速捕捉流行菜品趋势，繁荣美食创作生态，实现流量引流，带动相关产业消费升级，形成互利共赢的商业闭环，推动美食产业数字化进程</a:t>
+              </a:r>
+            </a:p>
           </p:txBody>
         </p:sp>
-        <p:grpSp>
-          <p:nvGrpSpPr>
-            <p:cNvPr id="19" name="组合 18">
-              <a:extLst>
-                <a:ext uri="{FF2B5EF4-FFF2-40B4-BE49-F238E27FC236}">
-                  <a16:creationId xmlns:a16="http://schemas.microsoft.com/office/drawing/2014/main" id="{6C0F89B2-A2AE-4DD2-B6DB-71C9924E1836}"/>
-                </a:ext>
-              </a:extLst>
-            </p:cNvPr>
-            <p:cNvGrpSpPr/>
-            <p:nvPr/>
-          </p:nvGrpSpPr>
-          <p:grpSpPr>
-            <a:xfrm>
-              <a:off x="9099" y="4500"/>
-              <a:ext cx="3174" cy="1611"/>
-              <a:chOff x="2790" y="5574"/>
-              <a:chExt cx="3174" cy="1611"/>
-            </a:xfrm>
-          </p:grpSpPr>
-          <p:sp>
-            <p:nvSpPr>
-              <p:cNvPr id="20" name="矩形 19">
-                <a:extLst>
-                  <a:ext uri="{FF2B5EF4-FFF2-40B4-BE49-F238E27FC236}">
-                    <a16:creationId xmlns:a16="http://schemas.microsoft.com/office/drawing/2014/main" id="{FE32EB00-2E48-463C-8EE5-0AB5778255B0}"/>
-                  </a:ext>
-                </a:extLst>
-              </p:cNvPr>
-              <p:cNvSpPr/>
-              <p:nvPr/>
-            </p:nvSpPr>
-            <p:spPr>
-              <a:xfrm>
-                <a:off x="2790" y="5911"/>
-                <a:ext cx="3174" cy="1274"/>
-              </a:xfrm>
-              <a:prstGeom prst="rect">
-                <a:avLst/>
-              </a:prstGeom>
-            </p:spPr>
-            <p:txBody>
-              <a:bodyPr wrap="square">
-                <a:spAutoFit/>
-              </a:bodyPr>
-              <a:lstStyle/>
-              <a:p>
-                <a:pPr marL="0" marR="0" lvl="0" indent="0" algn="l" defTabSz="914400" rtl="0" fontAlgn="auto">
-                  <a:lnSpc>
-                    <a:spcPts val="1400"/>
-                  </a:lnSpc>
-                  <a:spcBef>
-                    <a:spcPts val="0"/>
-                  </a:spcBef>
-                  <a:spcAft>
-                    <a:spcPts val="0"/>
-                  </a:spcAft>
-                  <a:buClrTx/>
-                  <a:buSzTx/>
-                  <a:buFontTx/>
-                  <a:buNone/>
-                  <a:defRPr/>
-                </a:pPr>
-                <a:r>
-                  <a:rPr kumimoji="0" lang="zh-CN" altLang="en-US" sz="900" b="1" i="0" u="none" strike="noStrike" kern="0" cap="none" spc="0" normalizeH="0" baseline="0" noProof="0" dirty="0">
-                    <a:ln w="0">
-                      <a:noFill/>
-                    </a:ln>
-                    <a:solidFill>
-                      <a:schemeClr val="tx1"/>
-                    </a:solidFill>
-                    <a:effectLst/>
-                    <a:uLnTx/>
-                    <a:uFillTx/>
-                    <a:latin typeface="Arial"/>
-                    <a:ea typeface="微软雅黑"/>
-                    <a:cs typeface="思源黑体 CN Bold" panose="020B0800000000000000" charset="-122"/>
-                    <a:sym typeface="Arial"/>
-                  </a:rPr>
-                  <a:t>单击此处添加文本，本模块所有图形线条及相应素材均可自由编辑，建议您在展示时选择微软雅黑等系统自带字体</a:t>
-                </a:r>
-              </a:p>
-            </p:txBody>
-          </p:sp>
-          <p:sp>
-            <p:nvSpPr>
-              <p:cNvPr id="21" name="矩形 20">
-                <a:extLst>
-                  <a:ext uri="{FF2B5EF4-FFF2-40B4-BE49-F238E27FC236}">
-                    <a16:creationId xmlns:a16="http://schemas.microsoft.com/office/drawing/2014/main" id="{DEB1AEFD-6D6C-4010-8124-033DDCD9CAA6}"/>
-                  </a:ext>
-                </a:extLst>
-              </p:cNvPr>
-              <p:cNvSpPr/>
-              <p:nvPr/>
-            </p:nvSpPr>
-            <p:spPr>
-              <a:xfrm>
-                <a:off x="2790" y="5574"/>
-                <a:ext cx="2230" cy="434"/>
-              </a:xfrm>
-              <a:prstGeom prst="rect">
-                <a:avLst/>
-              </a:prstGeom>
-            </p:spPr>
-            <p:txBody>
-              <a:bodyPr wrap="square">
-                <a:spAutoFit/>
-              </a:bodyPr>
-              <a:lstStyle/>
-              <a:p>
-                <a:pPr marL="0" marR="0" lvl="0" indent="0" algn="l" defTabSz="914400" rtl="0" eaLnBrk="1" fontAlgn="auto" latinLnBrk="0" hangingPunct="1">
-                  <a:lnSpc>
-                    <a:spcPct val="100000"/>
-                  </a:lnSpc>
-                  <a:spcBef>
-                    <a:spcPts val="0"/>
-                  </a:spcBef>
-                  <a:spcAft>
-                    <a:spcPts val="0"/>
-                  </a:spcAft>
-                  <a:buClrTx/>
-                  <a:buSzTx/>
-                  <a:buFontTx/>
-                  <a:buNone/>
-                  <a:defRPr/>
-                </a:pPr>
-                <a:r>
-                  <a:rPr kumimoji="0" lang="zh-CN" altLang="en-US" sz="1200" i="0" u="none" strike="noStrike" kern="0" cap="none" spc="0" normalizeH="0" baseline="0" noProof="0" dirty="0">
-                    <a:ln w="0">
-                      <a:noFill/>
-                    </a:ln>
-                    <a:solidFill>
-                      <a:srgbClr val="385AE6"/>
-                    </a:solidFill>
-                    <a:effectLst/>
-                    <a:uLnTx/>
-                    <a:uFillTx/>
-                    <a:latin typeface="Arial"/>
-                    <a:ea typeface="微软雅黑"/>
-                    <a:cs typeface="思源黑体 CN Bold" panose="020B0800000000000000" charset="-122"/>
-                    <a:sym typeface="Arial"/>
-                  </a:rPr>
-                  <a:t>请输入关键字</a:t>
-                </a:r>
-              </a:p>
-            </p:txBody>
-          </p:sp>
-        </p:grpSp>
-      </p:grpSp>
-      <p:grpSp>
-        <p:nvGrpSpPr>
-          <p:cNvPr id="22" name="组合 21">
-            <a:extLst>
-              <a:ext uri="{FF2B5EF4-FFF2-40B4-BE49-F238E27FC236}">
-                <a16:creationId xmlns:a16="http://schemas.microsoft.com/office/drawing/2014/main" id="{F8839CFF-6EDE-4541-B8BF-C8EDCF201E5B}"/>
-              </a:ext>
-            </a:extLst>
-          </p:cNvPr>
-          <p:cNvGrpSpPr/>
-          <p:nvPr/>
-        </p:nvGrpSpPr>
-        <p:grpSpPr>
-          <a:xfrm>
-            <a:off x="1804035" y="2575560"/>
-            <a:ext cx="2940050" cy="3161665"/>
-            <a:chOff x="1804035" y="2575560"/>
-            <a:chExt cx="2940050" cy="3161665"/>
-          </a:xfrm>
-        </p:grpSpPr>
-        <p:grpSp>
-          <p:nvGrpSpPr>
-            <p:cNvPr id="23" name="组合 22">
-              <a:extLst>
-                <a:ext uri="{FF2B5EF4-FFF2-40B4-BE49-F238E27FC236}">
-                  <a16:creationId xmlns:a16="http://schemas.microsoft.com/office/drawing/2014/main" id="{D89DBB64-BBF3-487B-8AD2-DAA946802107}"/>
-                </a:ext>
-              </a:extLst>
-            </p:cNvPr>
-            <p:cNvGrpSpPr/>
-            <p:nvPr/>
-          </p:nvGrpSpPr>
-          <p:grpSpPr>
-            <a:xfrm>
-              <a:off x="1804035" y="2575560"/>
-              <a:ext cx="2938780" cy="3161665"/>
-              <a:chOff x="1804035" y="2575560"/>
-              <a:chExt cx="2938780" cy="3161665"/>
-            </a:xfrm>
-          </p:grpSpPr>
-          <p:sp>
-            <p:nvSpPr>
-              <p:cNvPr id="32" name="圆角矩形 4">
-                <a:extLst>
-                  <a:ext uri="{FF2B5EF4-FFF2-40B4-BE49-F238E27FC236}">
-                    <a16:creationId xmlns:a16="http://schemas.microsoft.com/office/drawing/2014/main" id="{816E7083-4BC6-44D4-A948-42565F44882B}"/>
-                  </a:ext>
-                </a:extLst>
-              </p:cNvPr>
-              <p:cNvSpPr/>
-              <p:nvPr/>
-            </p:nvSpPr>
-            <p:spPr>
-              <a:xfrm>
-                <a:off x="1804035" y="2575560"/>
-                <a:ext cx="2938780" cy="3161665"/>
-              </a:xfrm>
-              <a:prstGeom prst="roundRect">
-                <a:avLst>
-                  <a:gd name="adj" fmla="val 7389"/>
-                </a:avLst>
-              </a:prstGeom>
-              <a:blipFill rotWithShape="1">
-                <a:blip r:embed="rId4"/>
-                <a:stretch>
-                  <a:fillRect/>
-                </a:stretch>
-              </a:blipFill>
-              <a:ln w="22225">
-                <a:solidFill>
-                  <a:schemeClr val="bg1"/>
-                </a:solidFill>
-              </a:ln>
-            </p:spPr>
-            <p:style>
-              <a:lnRef idx="2">
-                <a:schemeClr val="accent1">
-                  <a:shade val="50000"/>
-                </a:schemeClr>
-              </a:lnRef>
-              <a:fillRef idx="1">
-                <a:schemeClr val="accent1"/>
-              </a:fillRef>
-              <a:effectRef idx="0">
-                <a:schemeClr val="accent1"/>
-              </a:effectRef>
-              <a:fontRef idx="minor">
-                <a:schemeClr val="lt1"/>
-              </a:fontRef>
-            </p:style>
-            <p:txBody>
-              <a:bodyPr rtlCol="0" anchor="ctr"/>
-              <a:lstStyle/>
-              <a:p>
-                <a:pPr algn="ctr"/>
-                <a:endParaRPr lang="zh-CN" altLang="en-US">
-                  <a:latin typeface="Arial"/>
-                  <a:ea typeface="微软雅黑"/>
-                  <a:sym typeface="Arial"/>
-                </a:endParaRPr>
-              </a:p>
-            </p:txBody>
-          </p:sp>
-          <p:sp>
-            <p:nvSpPr>
-              <p:cNvPr id="33" name="圆角矩形 54">
-                <a:extLst>
-                  <a:ext uri="{FF2B5EF4-FFF2-40B4-BE49-F238E27FC236}">
-                    <a16:creationId xmlns:a16="http://schemas.microsoft.com/office/drawing/2014/main" id="{16B50B0B-51E9-419A-A462-48D8AB684E91}"/>
-                  </a:ext>
-                </a:extLst>
-              </p:cNvPr>
-              <p:cNvSpPr/>
-              <p:nvPr/>
-            </p:nvSpPr>
-            <p:spPr>
-              <a:xfrm>
-                <a:off x="1804035" y="2575560"/>
-                <a:ext cx="2938780" cy="3161665"/>
-              </a:xfrm>
-              <a:prstGeom prst="roundRect">
-                <a:avLst>
-                  <a:gd name="adj" fmla="val 7389"/>
-                </a:avLst>
-              </a:prstGeom>
-              <a:solidFill>
-                <a:srgbClr val="1857F6">
-                  <a:alpha val="86000"/>
-                </a:srgbClr>
-              </a:solidFill>
-              <a:ln w="22225">
-                <a:solidFill>
-                  <a:schemeClr val="bg1"/>
-                </a:solidFill>
-              </a:ln>
-            </p:spPr>
-            <p:style>
-              <a:lnRef idx="2">
-                <a:schemeClr val="accent1">
-                  <a:shade val="50000"/>
-                </a:schemeClr>
-              </a:lnRef>
-              <a:fillRef idx="1">
-                <a:schemeClr val="accent1"/>
-              </a:fillRef>
-              <a:effectRef idx="0">
-                <a:schemeClr val="accent1"/>
-              </a:effectRef>
-              <a:fontRef idx="minor">
-                <a:schemeClr val="lt1"/>
-              </a:fontRef>
-            </p:style>
-            <p:txBody>
-              <a:bodyPr rtlCol="0" anchor="ctr"/>
-              <a:lstStyle/>
-              <a:p>
-                <a:pPr algn="ctr"/>
-                <a:endParaRPr lang="zh-CN" altLang="en-US">
-                  <a:latin typeface="Arial"/>
-                  <a:ea typeface="微软雅黑"/>
-                  <a:sym typeface="Arial"/>
-                </a:endParaRPr>
-              </a:p>
-            </p:txBody>
-          </p:sp>
-        </p:grpSp>
-        <p:grpSp>
-          <p:nvGrpSpPr>
-            <p:cNvPr id="24" name="组合 23">
-              <a:extLst>
-                <a:ext uri="{FF2B5EF4-FFF2-40B4-BE49-F238E27FC236}">
-                  <a16:creationId xmlns:a16="http://schemas.microsoft.com/office/drawing/2014/main" id="{9A95B3A1-3F3C-4484-A0F4-194EF4A7E436}"/>
-                </a:ext>
-              </a:extLst>
-            </p:cNvPr>
-            <p:cNvGrpSpPr/>
-            <p:nvPr/>
-          </p:nvGrpSpPr>
-          <p:grpSpPr>
-            <a:xfrm>
-              <a:off x="1805305" y="4581525"/>
-              <a:ext cx="2938780" cy="1134745"/>
-              <a:chOff x="1805305" y="4581525"/>
-              <a:chExt cx="2938780" cy="1134745"/>
-            </a:xfrm>
-          </p:grpSpPr>
-          <p:sp>
-            <p:nvSpPr>
-              <p:cNvPr id="28" name="圆角矩形 55">
-                <a:extLst>
-                  <a:ext uri="{FF2B5EF4-FFF2-40B4-BE49-F238E27FC236}">
-                    <a16:creationId xmlns:a16="http://schemas.microsoft.com/office/drawing/2014/main" id="{4C4CC981-113C-47D1-9985-425A90325C53}"/>
-                  </a:ext>
-                </a:extLst>
-              </p:cNvPr>
-              <p:cNvSpPr/>
-              <p:nvPr/>
-            </p:nvSpPr>
-            <p:spPr>
-              <a:xfrm>
-                <a:off x="1805305" y="4581525"/>
-                <a:ext cx="2938780" cy="1134745"/>
-              </a:xfrm>
-              <a:prstGeom prst="roundRect">
-                <a:avLst>
-                  <a:gd name="adj" fmla="val 12809"/>
-                </a:avLst>
-              </a:prstGeom>
-              <a:solidFill>
-                <a:srgbClr val="ADC5FB">
-                  <a:alpha val="38000"/>
-                </a:srgbClr>
-              </a:solidFill>
-              <a:ln w="22225">
-                <a:noFill/>
-              </a:ln>
-            </p:spPr>
-            <p:style>
-              <a:lnRef idx="2">
-                <a:schemeClr val="accent1">
-                  <a:shade val="50000"/>
-                </a:schemeClr>
-              </a:lnRef>
-              <a:fillRef idx="1">
-                <a:schemeClr val="accent1"/>
-              </a:fillRef>
-              <a:effectRef idx="0">
-                <a:schemeClr val="accent1"/>
-              </a:effectRef>
-              <a:fontRef idx="minor">
-                <a:schemeClr val="lt1"/>
-              </a:fontRef>
-            </p:style>
-            <p:txBody>
-              <a:bodyPr rtlCol="0" anchor="ctr"/>
-              <a:lstStyle/>
-              <a:p>
-                <a:pPr algn="ctr"/>
-                <a:endParaRPr lang="zh-CN" altLang="en-US">
-                  <a:latin typeface="Arial"/>
-                  <a:ea typeface="微软雅黑"/>
-                  <a:sym typeface="Arial"/>
-                </a:endParaRPr>
-              </a:p>
-            </p:txBody>
-          </p:sp>
-          <p:grpSp>
-            <p:nvGrpSpPr>
-              <p:cNvPr id="29" name="组合 28">
-                <a:extLst>
-                  <a:ext uri="{FF2B5EF4-FFF2-40B4-BE49-F238E27FC236}">
-                    <a16:creationId xmlns:a16="http://schemas.microsoft.com/office/drawing/2014/main" id="{FD850C00-BAC7-4A9D-81C8-8A2FFEBA7B64}"/>
-                  </a:ext>
-                </a:extLst>
-              </p:cNvPr>
-              <p:cNvGrpSpPr/>
-              <p:nvPr/>
-            </p:nvGrpSpPr>
-            <p:grpSpPr>
-              <a:xfrm>
-                <a:off x="2156460" y="4667250"/>
-                <a:ext cx="2165985" cy="763211"/>
-                <a:chOff x="2790" y="5574"/>
-                <a:chExt cx="3411" cy="1245"/>
-              </a:xfrm>
-            </p:grpSpPr>
-            <p:sp>
-              <p:nvSpPr>
-                <p:cNvPr id="30" name="矩形 29">
-                  <a:extLst>
-                    <a:ext uri="{FF2B5EF4-FFF2-40B4-BE49-F238E27FC236}">
-                      <a16:creationId xmlns:a16="http://schemas.microsoft.com/office/drawing/2014/main" id="{11D76C96-AE78-4E02-99A2-706CC65D7BC1}"/>
-                    </a:ext>
-                  </a:extLst>
-                </p:cNvPr>
-                <p:cNvSpPr/>
-                <p:nvPr/>
-              </p:nvSpPr>
-              <p:spPr>
-                <a:xfrm>
-                  <a:off x="2790" y="5791"/>
-                  <a:ext cx="3411" cy="1028"/>
-                </a:xfrm>
-                <a:prstGeom prst="rect">
-                  <a:avLst/>
-                </a:prstGeom>
-              </p:spPr>
-              <p:txBody>
-                <a:bodyPr wrap="square">
-                  <a:spAutoFit/>
-                </a:bodyPr>
-                <a:lstStyle/>
-                <a:p>
-                  <a:pPr marL="0" marR="0" lvl="0" indent="0" algn="l" defTabSz="914400" rtl="0" fontAlgn="auto">
-                    <a:lnSpc>
-                      <a:spcPts val="1400"/>
-                    </a:lnSpc>
-                    <a:spcBef>
-                      <a:spcPts val="0"/>
-                    </a:spcBef>
-                    <a:spcAft>
-                      <a:spcPts val="0"/>
-                    </a:spcAft>
-                    <a:buClrTx/>
-                    <a:buSzTx/>
-                    <a:buFontTx/>
-                    <a:buNone/>
-                    <a:defRPr/>
-                  </a:pPr>
-                  <a:r>
-                    <a:rPr kumimoji="0" lang="zh-CN" altLang="en-US" sz="900" b="1" i="0" u="none" strike="noStrike" kern="0" cap="none" spc="0" normalizeH="0" baseline="0" noProof="0" dirty="0">
-                      <a:ln w="0">
-                        <a:noFill/>
-                      </a:ln>
-                      <a:solidFill>
-                        <a:schemeClr val="bg1"/>
-                      </a:solidFill>
-                      <a:effectLst/>
-                      <a:uLnTx/>
-                      <a:uFillTx/>
-                      <a:latin typeface="Arial"/>
-                      <a:ea typeface="微软雅黑"/>
-                      <a:cs typeface="思源黑体 CN Bold" panose="020B0800000000000000" charset="-122"/>
-                      <a:sym typeface="Arial"/>
-                    </a:rPr>
-                    <a:t>单击此处添加文本，本模块所有图形线条及相应素材均可自由编辑，建议您在展示时选择微软雅黑等系统自带字体</a:t>
-                  </a:r>
-                </a:p>
-              </p:txBody>
-            </p:sp>
-            <p:sp>
-              <p:nvSpPr>
-                <p:cNvPr id="31" name="矩形 30">
-                  <a:extLst>
-                    <a:ext uri="{FF2B5EF4-FFF2-40B4-BE49-F238E27FC236}">
-                      <a16:creationId xmlns:a16="http://schemas.microsoft.com/office/drawing/2014/main" id="{29F59BA4-5319-4778-B4E0-2DDE8C8DD699}"/>
-                    </a:ext>
-                  </a:extLst>
-                </p:cNvPr>
-                <p:cNvSpPr/>
-                <p:nvPr/>
-              </p:nvSpPr>
-              <p:spPr>
-                <a:xfrm>
-                  <a:off x="2790" y="5574"/>
-                  <a:ext cx="2230" cy="500"/>
-                </a:xfrm>
-                <a:prstGeom prst="rect">
-                  <a:avLst/>
-                </a:prstGeom>
-              </p:spPr>
-              <p:txBody>
-                <a:bodyPr wrap="square">
-                  <a:spAutoFit/>
-                </a:bodyPr>
-                <a:lstStyle/>
-                <a:p>
-                  <a:pPr marL="0" marR="0" lvl="0" indent="0" algn="l" defTabSz="914400" rtl="0" eaLnBrk="1" fontAlgn="auto" latinLnBrk="0" hangingPunct="1">
-                    <a:lnSpc>
-                      <a:spcPct val="100000"/>
-                    </a:lnSpc>
-                    <a:spcBef>
-                      <a:spcPts val="0"/>
-                    </a:spcBef>
-                    <a:spcAft>
-                      <a:spcPts val="0"/>
-                    </a:spcAft>
-                    <a:buClrTx/>
-                    <a:buSzTx/>
-                    <a:buFontTx/>
-                    <a:buNone/>
-                    <a:defRPr/>
-                  </a:pPr>
-                  <a:endParaRPr kumimoji="0" lang="zh-CN" altLang="en-US" sz="1400" i="0" u="none" strike="noStrike" kern="0" cap="none" spc="0" normalizeH="0" baseline="0" noProof="0" dirty="0">
-                    <a:ln w="0">
-                      <a:noFill/>
-                    </a:ln>
-                    <a:solidFill>
-                      <a:schemeClr val="bg1"/>
-                    </a:solidFill>
-                    <a:effectLst/>
-                    <a:uLnTx/>
-                    <a:uFillTx/>
-                    <a:latin typeface="Arial"/>
-                    <a:ea typeface="微软雅黑"/>
-                    <a:cs typeface="思源黑体 CN Bold" panose="020B0800000000000000" charset="-122"/>
-                    <a:sym typeface="Arial"/>
-                  </a:endParaRPr>
-                </a:p>
-              </p:txBody>
-            </p:sp>
-          </p:grpSp>
-        </p:grpSp>
-        <p:grpSp>
-          <p:nvGrpSpPr>
-            <p:cNvPr id="25" name="组合 24">
-              <a:extLst>
-                <a:ext uri="{FF2B5EF4-FFF2-40B4-BE49-F238E27FC236}">
-                  <a16:creationId xmlns:a16="http://schemas.microsoft.com/office/drawing/2014/main" id="{B5C141EE-A8FE-4687-9D61-CFC95F7F314A}"/>
-                </a:ext>
-              </a:extLst>
-            </p:cNvPr>
-            <p:cNvGrpSpPr/>
-            <p:nvPr/>
-          </p:nvGrpSpPr>
-          <p:grpSpPr>
-            <a:xfrm>
-              <a:off x="2320290" y="3355975"/>
-              <a:ext cx="1735455" cy="1059815"/>
-              <a:chOff x="2320290" y="3355975"/>
-              <a:chExt cx="1735455" cy="1059815"/>
-            </a:xfrm>
-          </p:grpSpPr>
-          <p:sp>
-            <p:nvSpPr>
-              <p:cNvPr id="26" name="文本框 25">
-                <a:extLst>
-                  <a:ext uri="{FF2B5EF4-FFF2-40B4-BE49-F238E27FC236}">
-                    <a16:creationId xmlns:a16="http://schemas.microsoft.com/office/drawing/2014/main" id="{6A55E3F4-7802-481F-9883-91DDF2164359}"/>
-                  </a:ext>
-                </a:extLst>
-              </p:cNvPr>
-              <p:cNvSpPr txBox="1"/>
-              <p:nvPr/>
-            </p:nvSpPr>
-            <p:spPr>
-              <a:xfrm>
-                <a:off x="2320290" y="4078605"/>
-                <a:ext cx="1633220" cy="337185"/>
-              </a:xfrm>
-              <a:prstGeom prst="rect">
-                <a:avLst/>
-              </a:prstGeom>
-              <a:noFill/>
-            </p:spPr>
-            <p:txBody>
-              <a:bodyPr wrap="square" rtlCol="0">
-                <a:spAutoFit/>
-              </a:bodyPr>
-              <a:lstStyle/>
-              <a:p>
-                <a:pPr algn="l"/>
-                <a:r>
-                  <a:rPr lang="zh-CN" altLang="en-US" sz="1600" b="1" dirty="0">
-                    <a:solidFill>
-                      <a:schemeClr val="bg1"/>
-                    </a:solidFill>
-                    <a:latin typeface="Arial"/>
-                    <a:ea typeface="微软雅黑"/>
-                    <a:sym typeface="Arial"/>
-                  </a:rPr>
-                  <a:t>请输入关键字</a:t>
-                </a:r>
-              </a:p>
-            </p:txBody>
-          </p:sp>
-          <p:sp>
-            <p:nvSpPr>
-              <p:cNvPr id="27" name="文本框 26">
-                <a:extLst>
-                  <a:ext uri="{FF2B5EF4-FFF2-40B4-BE49-F238E27FC236}">
-                    <a16:creationId xmlns:a16="http://schemas.microsoft.com/office/drawing/2014/main" id="{80272EAA-0B42-4CE1-B95C-03337E635CCD}"/>
-                  </a:ext>
-                </a:extLst>
-              </p:cNvPr>
-              <p:cNvSpPr txBox="1"/>
-              <p:nvPr/>
-            </p:nvSpPr>
-            <p:spPr>
-              <a:xfrm>
-                <a:off x="2422525" y="3355975"/>
-                <a:ext cx="1633220" cy="768350"/>
-              </a:xfrm>
-              <a:prstGeom prst="rect">
-                <a:avLst/>
-              </a:prstGeom>
-              <a:noFill/>
-            </p:spPr>
-            <p:txBody>
-              <a:bodyPr wrap="square" rtlCol="0">
-                <a:spAutoFit/>
-              </a:bodyPr>
-              <a:lstStyle/>
-              <a:p>
-                <a:pPr algn="l"/>
-                <a:r>
-                  <a:rPr lang="en-US" altLang="zh-CN" sz="4400" b="1" dirty="0">
-                    <a:solidFill>
-                      <a:schemeClr val="bg1"/>
-                    </a:solidFill>
-                    <a:latin typeface="Arial"/>
-                    <a:ea typeface="微软雅黑"/>
-                    <a:sym typeface="Arial"/>
-                  </a:rPr>
-                  <a:t>85</a:t>
-                </a:r>
-                <a:r>
-                  <a:rPr lang="en-US" altLang="zh-CN" sz="2400" b="1" dirty="0">
-                    <a:solidFill>
-                      <a:schemeClr val="bg1"/>
-                    </a:solidFill>
-                    <a:latin typeface="Arial"/>
-                    <a:ea typeface="微软雅黑"/>
-                    <a:sym typeface="Arial"/>
-                  </a:rPr>
-                  <a:t>%</a:t>
-                </a:r>
-              </a:p>
-            </p:txBody>
-          </p:sp>
-        </p:grpSp>
       </p:grpSp>
     </p:spTree>
     <p:extLst>
       <p:ext uri="{BB962C8B-B14F-4D97-AF65-F5344CB8AC3E}">
-        <p14:creationId xmlns:p14="http://schemas.microsoft.com/office/powerpoint/2010/main" val="489674241"/>
+        <p14:creationId xmlns:p14="http://schemas.microsoft.com/office/powerpoint/2010/main" val="1081146926"/>
       </p:ext>
     </p:extLst>
   </p:cSld>
@@ -28080,6 +29414,3525 @@
           <a:chExt cx="0" cy="0"/>
         </a:xfrm>
       </p:grpSpPr>
+      <p:grpSp>
+        <p:nvGrpSpPr>
+          <p:cNvPr id="34" name="组合 33">
+            <a:extLst>
+              <a:ext uri="{FF2B5EF4-FFF2-40B4-BE49-F238E27FC236}">
+                <a16:creationId xmlns:a16="http://schemas.microsoft.com/office/drawing/2014/main" id="{CD821C01-FDB6-474D-95FF-B62EAAB70E5A}"/>
+              </a:ext>
+            </a:extLst>
+          </p:cNvPr>
+          <p:cNvGrpSpPr/>
+          <p:nvPr/>
+        </p:nvGrpSpPr>
+        <p:grpSpPr>
+          <a:xfrm>
+            <a:off x="635" y="-25400"/>
+            <a:ext cx="12197080" cy="6899910"/>
+            <a:chOff x="635" y="-25400"/>
+            <a:chExt cx="12197080" cy="6899910"/>
+          </a:xfrm>
+        </p:grpSpPr>
+        <p:sp>
+          <p:nvSpPr>
+            <p:cNvPr id="35" name="矩形 背景">
+              <a:extLst>
+                <a:ext uri="{FF2B5EF4-FFF2-40B4-BE49-F238E27FC236}">
+                  <a16:creationId xmlns:a16="http://schemas.microsoft.com/office/drawing/2014/main" id="{A244120E-AB9B-46ED-949A-E9BBE9D78037}"/>
+                </a:ext>
+              </a:extLst>
+            </p:cNvPr>
+            <p:cNvSpPr/>
+            <p:nvPr/>
+          </p:nvSpPr>
+          <p:spPr>
+            <a:xfrm>
+              <a:off x="635" y="-25400"/>
+              <a:ext cx="12197080" cy="6899910"/>
+            </a:xfrm>
+            <a:prstGeom prst="rect">
+              <a:avLst/>
+            </a:prstGeom>
+            <a:solidFill>
+              <a:srgbClr val="DBE1EA"/>
+            </a:solidFill>
+            <a:ln>
+              <a:noFill/>
+            </a:ln>
+          </p:spPr>
+          <p:style>
+            <a:lnRef idx="2">
+              <a:schemeClr val="accent1">
+                <a:shade val="50000"/>
+              </a:schemeClr>
+            </a:lnRef>
+            <a:fillRef idx="1">
+              <a:schemeClr val="accent1"/>
+            </a:fillRef>
+            <a:effectRef idx="0">
+              <a:schemeClr val="accent1"/>
+            </a:effectRef>
+            <a:fontRef idx="minor">
+              <a:schemeClr val="lt1"/>
+            </a:fontRef>
+          </p:style>
+          <p:txBody>
+            <a:bodyPr rtlCol="0" anchor="ctr"/>
+            <a:lstStyle/>
+            <a:p>
+              <a:pPr algn="ctr"/>
+              <a:endParaRPr lang="zh-CN" altLang="en-US">
+                <a:latin typeface="Arial"/>
+                <a:ea typeface="微软雅黑"/>
+                <a:sym typeface="Arial"/>
+              </a:endParaRPr>
+            </a:p>
+          </p:txBody>
+        </p:sp>
+        <p:grpSp>
+          <p:nvGrpSpPr>
+            <p:cNvPr id="36" name="组合 35">
+              <a:extLst>
+                <a:ext uri="{FF2B5EF4-FFF2-40B4-BE49-F238E27FC236}">
+                  <a16:creationId xmlns:a16="http://schemas.microsoft.com/office/drawing/2014/main" id="{863A510A-EF77-43B4-99BD-FDA01D5E8DE3}"/>
+                </a:ext>
+              </a:extLst>
+            </p:cNvPr>
+            <p:cNvGrpSpPr/>
+            <p:nvPr/>
+          </p:nvGrpSpPr>
+          <p:grpSpPr>
+            <a:xfrm>
+              <a:off x="242252" y="459105"/>
+              <a:ext cx="11072813" cy="5981700"/>
+              <a:chOff x="242252" y="459105"/>
+              <a:chExt cx="11072813" cy="5981700"/>
+            </a:xfrm>
+          </p:grpSpPr>
+          <p:sp>
+            <p:nvSpPr>
+              <p:cNvPr id="40" name="圆角矩形 5">
+                <a:extLst>
+                  <a:ext uri="{FF2B5EF4-FFF2-40B4-BE49-F238E27FC236}">
+                    <a16:creationId xmlns:a16="http://schemas.microsoft.com/office/drawing/2014/main" id="{6D7CC2E7-24A9-4AAB-B803-C54DF9258E83}"/>
+                  </a:ext>
+                </a:extLst>
+              </p:cNvPr>
+              <p:cNvSpPr/>
+              <p:nvPr/>
+            </p:nvSpPr>
+            <p:spPr>
+              <a:xfrm>
+                <a:off x="732155" y="459105"/>
+                <a:ext cx="10563225" cy="5981700"/>
+              </a:xfrm>
+              <a:prstGeom prst="roundRect">
+                <a:avLst>
+                  <a:gd name="adj" fmla="val 5488"/>
+                </a:avLst>
+              </a:prstGeom>
+              <a:gradFill>
+                <a:gsLst>
+                  <a:gs pos="25000">
+                    <a:schemeClr val="bg1">
+                      <a:alpha val="100000"/>
+                    </a:schemeClr>
+                  </a:gs>
+                  <a:gs pos="99000">
+                    <a:srgbClr val="CFD8E9">
+                      <a:alpha val="68000"/>
+                    </a:srgbClr>
+                  </a:gs>
+                </a:gsLst>
+                <a:lin ang="1560000" scaled="0"/>
+              </a:gradFill>
+              <a:ln>
+                <a:noFill/>
+              </a:ln>
+              <a:effectLst>
+                <a:outerShdw blurRad="571500" dist="266700" dir="3180000" algn="tl" rotWithShape="0">
+                  <a:schemeClr val="tx2">
+                    <a:lumMod val="75000"/>
+                    <a:lumOff val="25000"/>
+                    <a:alpha val="13000"/>
+                  </a:schemeClr>
+                </a:outerShdw>
+              </a:effectLst>
+            </p:spPr>
+            <p:style>
+              <a:lnRef idx="2">
+                <a:schemeClr val="accent1">
+                  <a:shade val="50000"/>
+                </a:schemeClr>
+              </a:lnRef>
+              <a:fillRef idx="1">
+                <a:schemeClr val="accent1"/>
+              </a:fillRef>
+              <a:effectRef idx="0">
+                <a:schemeClr val="accent1"/>
+              </a:effectRef>
+              <a:fontRef idx="minor">
+                <a:schemeClr val="lt1"/>
+              </a:fontRef>
+            </p:style>
+            <p:txBody>
+              <a:bodyPr rtlCol="0" anchor="ctr"/>
+              <a:lstStyle/>
+              <a:p>
+                <a:pPr algn="ctr"/>
+                <a:endParaRPr lang="zh-CN" altLang="en-US">
+                  <a:latin typeface="Arial"/>
+                  <a:ea typeface="微软雅黑"/>
+                  <a:sym typeface="Arial"/>
+                </a:endParaRPr>
+              </a:p>
+            </p:txBody>
+          </p:sp>
+          <p:sp>
+            <p:nvSpPr>
+              <p:cNvPr id="41" name="圆角矩形 9">
+                <a:extLst>
+                  <a:ext uri="{FF2B5EF4-FFF2-40B4-BE49-F238E27FC236}">
+                    <a16:creationId xmlns:a16="http://schemas.microsoft.com/office/drawing/2014/main" id="{00C4D8D8-BF53-4FB8-81E9-840561A0BAEA}"/>
+                  </a:ext>
+                </a:extLst>
+              </p:cNvPr>
+              <p:cNvSpPr/>
+              <p:nvPr/>
+            </p:nvSpPr>
+            <p:spPr>
+              <a:xfrm>
+                <a:off x="751840" y="487045"/>
+                <a:ext cx="10563225" cy="5953125"/>
+              </a:xfrm>
+              <a:prstGeom prst="roundRect">
+                <a:avLst>
+                  <a:gd name="adj" fmla="val 5063"/>
+                </a:avLst>
+              </a:prstGeom>
+              <a:gradFill>
+                <a:gsLst>
+                  <a:gs pos="25000">
+                    <a:srgbClr val="F0F4FD"/>
+                  </a:gs>
+                  <a:gs pos="99000">
+                    <a:srgbClr val="CFD8E9">
+                      <a:alpha val="78000"/>
+                    </a:srgbClr>
+                  </a:gs>
+                </a:gsLst>
+                <a:lin ang="1560000" scaled="0"/>
+              </a:gradFill>
+              <a:ln>
+                <a:noFill/>
+              </a:ln>
+            </p:spPr>
+            <p:style>
+              <a:lnRef idx="2">
+                <a:schemeClr val="accent1">
+                  <a:shade val="50000"/>
+                </a:schemeClr>
+              </a:lnRef>
+              <a:fillRef idx="1">
+                <a:schemeClr val="accent1"/>
+              </a:fillRef>
+              <a:effectRef idx="0">
+                <a:schemeClr val="accent1"/>
+              </a:effectRef>
+              <a:fontRef idx="minor">
+                <a:schemeClr val="lt1"/>
+              </a:fontRef>
+            </p:style>
+            <p:txBody>
+              <a:bodyPr rtlCol="0" anchor="ctr"/>
+              <a:lstStyle/>
+              <a:p>
+                <a:pPr algn="ctr"/>
+                <a:endParaRPr lang="zh-CN" altLang="en-US">
+                  <a:latin typeface="Arial"/>
+                  <a:ea typeface="微软雅黑"/>
+                  <a:sym typeface="Arial"/>
+                </a:endParaRPr>
+              </a:p>
+            </p:txBody>
+          </p:sp>
+          <p:pic>
+            <p:nvPicPr>
+              <p:cNvPr id="42" name="图片 41" descr="椭圆 1">
+                <a:extLst>
+                  <a:ext uri="{FF2B5EF4-FFF2-40B4-BE49-F238E27FC236}">
+                    <a16:creationId xmlns:a16="http://schemas.microsoft.com/office/drawing/2014/main" id="{AB79378A-97B7-45FD-97A0-B7059EF72D75}"/>
+                  </a:ext>
+                </a:extLst>
+              </p:cNvPr>
+              <p:cNvPicPr>
+                <a:picLocks noChangeAspect="1"/>
+              </p:cNvPicPr>
+              <p:nvPr/>
+            </p:nvPicPr>
+            <p:blipFill>
+              <a:blip r:embed="rId3"/>
+              <a:srcRect l="13828" t="28344" r="73984" b="58494"/>
+              <a:stretch>
+                <a:fillRect/>
+              </a:stretch>
+            </p:blipFill>
+            <p:spPr>
+              <a:xfrm rot="16200000">
+                <a:off x="27940" y="1080135"/>
+                <a:ext cx="1140460" cy="711835"/>
+              </a:xfrm>
+              <a:prstGeom prst="rect">
+                <a:avLst/>
+              </a:prstGeom>
+            </p:spPr>
+          </p:pic>
+          <p:pic>
+            <p:nvPicPr>
+              <p:cNvPr id="43" name="图片 42" descr="椭圆 1 拷贝">
+                <a:extLst>
+                  <a:ext uri="{FF2B5EF4-FFF2-40B4-BE49-F238E27FC236}">
+                    <a16:creationId xmlns:a16="http://schemas.microsoft.com/office/drawing/2014/main" id="{BD268CBA-21AF-49FF-9C94-E313C5167AE9}"/>
+                  </a:ext>
+                </a:extLst>
+              </p:cNvPr>
+              <p:cNvPicPr>
+                <a:picLocks noChangeAspect="1"/>
+              </p:cNvPicPr>
+              <p:nvPr/>
+            </p:nvPicPr>
+            <p:blipFill>
+              <a:blip r:embed="rId4"/>
+              <a:srcRect l="13057" t="37477" r="70461" b="42655"/>
+              <a:stretch>
+                <a:fillRect/>
+              </a:stretch>
+            </p:blipFill>
+            <p:spPr>
+              <a:xfrm rot="16200000">
+                <a:off x="495935" y="817245"/>
+                <a:ext cx="1456055" cy="988060"/>
+              </a:xfrm>
+              <a:prstGeom prst="rect">
+                <a:avLst/>
+              </a:prstGeom>
+            </p:spPr>
+          </p:pic>
+        </p:grpSp>
+        <p:grpSp>
+          <p:nvGrpSpPr>
+            <p:cNvPr id="37" name="组合 标题">
+              <a:extLst>
+                <a:ext uri="{FF2B5EF4-FFF2-40B4-BE49-F238E27FC236}">
+                  <a16:creationId xmlns:a16="http://schemas.microsoft.com/office/drawing/2014/main" id="{FCAF9E14-D8E2-4C22-ACEF-058FDC1EF138}"/>
+                </a:ext>
+              </a:extLst>
+            </p:cNvPr>
+            <p:cNvGrpSpPr/>
+            <p:nvPr/>
+          </p:nvGrpSpPr>
+          <p:grpSpPr>
+            <a:xfrm>
+              <a:off x="1260475" y="1039495"/>
+              <a:ext cx="2163445" cy="605482"/>
+              <a:chOff x="1260475" y="1039495"/>
+              <a:chExt cx="2163445" cy="605482"/>
+            </a:xfrm>
+          </p:grpSpPr>
+          <p:sp>
+            <p:nvSpPr>
+              <p:cNvPr id="38" name="文本框 37">
+                <a:extLst>
+                  <a:ext uri="{FF2B5EF4-FFF2-40B4-BE49-F238E27FC236}">
+                    <a16:creationId xmlns:a16="http://schemas.microsoft.com/office/drawing/2014/main" id="{F0A96253-5B9B-4AF0-BDB4-988A6CCF1E37}"/>
+                  </a:ext>
+                </a:extLst>
+              </p:cNvPr>
+              <p:cNvSpPr txBox="1"/>
+              <p:nvPr/>
+            </p:nvSpPr>
+            <p:spPr>
+              <a:xfrm>
+                <a:off x="1260475" y="1414145"/>
+                <a:ext cx="1383712" cy="230832"/>
+              </a:xfrm>
+              <a:prstGeom prst="rect">
+                <a:avLst/>
+              </a:prstGeom>
+              <a:noFill/>
+            </p:spPr>
+            <p:txBody>
+              <a:bodyPr wrap="none" rtlCol="0">
+                <a:spAutoFit/>
+              </a:bodyPr>
+              <a:lstStyle/>
+              <a:p>
+                <a:r>
+                  <a:rPr lang="en-US" altLang="zh-CN" sz="900" kern="0" dirty="0">
+                    <a:solidFill>
+                      <a:schemeClr val="tx1">
+                        <a:lumMod val="50000"/>
+                        <a:lumOff val="50000"/>
+                      </a:schemeClr>
+                    </a:solidFill>
+                    <a:ea typeface="微软雅黑"/>
+                    <a:cs typeface="思源黑体 CN Bold" panose="020B0800000000000000" charset="-122"/>
+                    <a:sym typeface="Arial"/>
+                  </a:rPr>
+                  <a:t>Main research contents</a:t>
+                </a:r>
+              </a:p>
+            </p:txBody>
+          </p:sp>
+          <p:sp>
+            <p:nvSpPr>
+              <p:cNvPr id="39" name="矩形 38">
+                <a:extLst>
+                  <a:ext uri="{FF2B5EF4-FFF2-40B4-BE49-F238E27FC236}">
+                    <a16:creationId xmlns:a16="http://schemas.microsoft.com/office/drawing/2014/main" id="{642B96ED-D7DC-494D-8D75-01E6197C8EFF}"/>
+                  </a:ext>
+                </a:extLst>
+              </p:cNvPr>
+              <p:cNvSpPr/>
+              <p:nvPr/>
+            </p:nvSpPr>
+            <p:spPr>
+              <a:xfrm>
+                <a:off x="1260475" y="1039495"/>
+                <a:ext cx="2163445" cy="461665"/>
+              </a:xfrm>
+              <a:prstGeom prst="rect">
+                <a:avLst/>
+              </a:prstGeom>
+            </p:spPr>
+            <p:txBody>
+              <a:bodyPr wrap="square">
+                <a:spAutoFit/>
+              </a:bodyPr>
+              <a:lstStyle/>
+              <a:p>
+                <a:pPr lvl="0">
+                  <a:defRPr/>
+                </a:pPr>
+                <a:r>
+                  <a:rPr lang="zh-CN" altLang="en-US" sz="2400" kern="0" dirty="0">
+                    <a:ln w="0">
+                      <a:noFill/>
+                    </a:ln>
+                    <a:solidFill>
+                      <a:srgbClr val="1857F6"/>
+                    </a:solidFill>
+                    <a:ea typeface="微软雅黑"/>
+                    <a:cs typeface="思源黑体 CN Heavy" panose="020B0A00000000000000" charset="-122"/>
+                    <a:sym typeface="Arial"/>
+                  </a:rPr>
+                  <a:t>主要研究内容</a:t>
+                </a:r>
+              </a:p>
+            </p:txBody>
+          </p:sp>
+        </p:grpSp>
+      </p:grpSp>
+      <p:grpSp>
+        <p:nvGrpSpPr>
+          <p:cNvPr id="47" name="组合 1">
+            <a:extLst>
+              <a:ext uri="{FF2B5EF4-FFF2-40B4-BE49-F238E27FC236}">
+                <a16:creationId xmlns:a16="http://schemas.microsoft.com/office/drawing/2014/main" id="{B76415B5-26DC-4F28-B64C-1D4F95DA2524}"/>
+              </a:ext>
+            </a:extLst>
+          </p:cNvPr>
+          <p:cNvGrpSpPr/>
+          <p:nvPr/>
+        </p:nvGrpSpPr>
+        <p:grpSpPr>
+          <a:xfrm>
+            <a:off x="968879" y="1875924"/>
+            <a:ext cx="2163446" cy="3130641"/>
+            <a:chOff x="1716405" y="2534919"/>
+            <a:chExt cx="2477135" cy="3130641"/>
+          </a:xfrm>
+        </p:grpSpPr>
+        <p:sp>
+          <p:nvSpPr>
+            <p:cNvPr id="48" name="圆角矩形 73">
+              <a:extLst>
+                <a:ext uri="{FF2B5EF4-FFF2-40B4-BE49-F238E27FC236}">
+                  <a16:creationId xmlns:a16="http://schemas.microsoft.com/office/drawing/2014/main" id="{4C03A1DE-E416-40CB-AD0C-B8F0A3A456F1}"/>
+                </a:ext>
+              </a:extLst>
+            </p:cNvPr>
+            <p:cNvSpPr/>
+            <p:nvPr/>
+          </p:nvSpPr>
+          <p:spPr>
+            <a:xfrm>
+              <a:off x="1716405" y="2534919"/>
+              <a:ext cx="2477135" cy="2942773"/>
+            </a:xfrm>
+            <a:prstGeom prst="roundRect">
+              <a:avLst>
+                <a:gd name="adj" fmla="val 4897"/>
+              </a:avLst>
+            </a:prstGeom>
+            <a:solidFill>
+              <a:schemeClr val="bg1"/>
+            </a:solidFill>
+            <a:ln>
+              <a:noFill/>
+            </a:ln>
+            <a:effectLst>
+              <a:outerShdw blurRad="254000" dist="38100" dir="2700000" algn="tl" rotWithShape="0">
+                <a:srgbClr val="1D32CC">
+                  <a:alpha val="15000"/>
+                </a:srgbClr>
+              </a:outerShdw>
+            </a:effectLst>
+          </p:spPr>
+          <p:style>
+            <a:lnRef idx="2">
+              <a:schemeClr val="accent1">
+                <a:shade val="50000"/>
+              </a:schemeClr>
+            </a:lnRef>
+            <a:fillRef idx="1">
+              <a:schemeClr val="accent1"/>
+            </a:fillRef>
+            <a:effectRef idx="0">
+              <a:schemeClr val="accent1"/>
+            </a:effectRef>
+            <a:fontRef idx="minor">
+              <a:schemeClr val="lt1"/>
+            </a:fontRef>
+          </p:style>
+          <p:txBody>
+            <a:bodyPr rtlCol="0" anchor="ctr"/>
+            <a:lstStyle/>
+            <a:p>
+              <a:pPr algn="ctr"/>
+              <a:endParaRPr lang="zh-CN" altLang="en-US">
+                <a:latin typeface="Arial"/>
+                <a:ea typeface="微软雅黑"/>
+                <a:sym typeface="Arial"/>
+              </a:endParaRPr>
+            </a:p>
+          </p:txBody>
+        </p:sp>
+        <p:grpSp>
+          <p:nvGrpSpPr>
+            <p:cNvPr id="49" name="组合 48">
+              <a:extLst>
+                <a:ext uri="{FF2B5EF4-FFF2-40B4-BE49-F238E27FC236}">
+                  <a16:creationId xmlns:a16="http://schemas.microsoft.com/office/drawing/2014/main" id="{FB90FC95-89E8-482E-9D93-6D4B9C54B429}"/>
+                </a:ext>
+              </a:extLst>
+            </p:cNvPr>
+            <p:cNvGrpSpPr/>
+            <p:nvPr/>
+          </p:nvGrpSpPr>
+          <p:grpSpPr>
+            <a:xfrm>
+              <a:off x="2165207" y="5267415"/>
+              <a:ext cx="1602105" cy="398145"/>
+              <a:chOff x="2165207" y="5267415"/>
+              <a:chExt cx="1602105" cy="398145"/>
+            </a:xfrm>
+          </p:grpSpPr>
+          <p:sp>
+            <p:nvSpPr>
+              <p:cNvPr id="52" name="圆角矩形 16">
+                <a:extLst>
+                  <a:ext uri="{FF2B5EF4-FFF2-40B4-BE49-F238E27FC236}">
+                    <a16:creationId xmlns:a16="http://schemas.microsoft.com/office/drawing/2014/main" id="{B0258A6E-8138-4DC9-93D3-35386FFD35A6}"/>
+                  </a:ext>
+                </a:extLst>
+              </p:cNvPr>
+              <p:cNvSpPr/>
+              <p:nvPr/>
+            </p:nvSpPr>
+            <p:spPr>
+              <a:xfrm>
+                <a:off x="2165207" y="5267415"/>
+                <a:ext cx="1602105" cy="398145"/>
+              </a:xfrm>
+              <a:prstGeom prst="roundRect">
+                <a:avLst>
+                  <a:gd name="adj" fmla="val 50000"/>
+                </a:avLst>
+              </a:prstGeom>
+              <a:solidFill>
+                <a:srgbClr val="5986F7"/>
+              </a:solidFill>
+              <a:ln>
+                <a:noFill/>
+              </a:ln>
+            </p:spPr>
+            <p:style>
+              <a:lnRef idx="2">
+                <a:schemeClr val="accent1">
+                  <a:shade val="50000"/>
+                </a:schemeClr>
+              </a:lnRef>
+              <a:fillRef idx="1">
+                <a:schemeClr val="accent1"/>
+              </a:fillRef>
+              <a:effectRef idx="0">
+                <a:schemeClr val="accent1"/>
+              </a:effectRef>
+              <a:fontRef idx="minor">
+                <a:schemeClr val="lt1"/>
+              </a:fontRef>
+            </p:style>
+            <p:txBody>
+              <a:bodyPr rtlCol="0" anchor="ctr"/>
+              <a:lstStyle/>
+              <a:p>
+                <a:pPr algn="ctr"/>
+                <a:endParaRPr lang="zh-CN" altLang="en-US">
+                  <a:latin typeface="Arial"/>
+                  <a:ea typeface="微软雅黑"/>
+                  <a:sym typeface="Arial"/>
+                </a:endParaRPr>
+              </a:p>
+            </p:txBody>
+          </p:sp>
+          <p:sp>
+            <p:nvSpPr>
+              <p:cNvPr id="53" name="矩形 52">
+                <a:extLst>
+                  <a:ext uri="{FF2B5EF4-FFF2-40B4-BE49-F238E27FC236}">
+                    <a16:creationId xmlns:a16="http://schemas.microsoft.com/office/drawing/2014/main" id="{B268F2E7-4819-4364-9609-B56ED06E82F2}"/>
+                  </a:ext>
+                </a:extLst>
+              </p:cNvPr>
+              <p:cNvSpPr/>
+              <p:nvPr/>
+            </p:nvSpPr>
+            <p:spPr>
+              <a:xfrm>
+                <a:off x="2257916" y="5313135"/>
+                <a:ext cx="1416050" cy="306705"/>
+              </a:xfrm>
+              <a:prstGeom prst="rect">
+                <a:avLst/>
+              </a:prstGeom>
+            </p:spPr>
+            <p:txBody>
+              <a:bodyPr wrap="square">
+                <a:spAutoFit/>
+              </a:bodyPr>
+              <a:lstStyle/>
+              <a:p>
+                <a:pPr lvl="0" algn="ctr">
+                  <a:defRPr/>
+                </a:pPr>
+                <a:r>
+                  <a:rPr lang="zh-CN" altLang="en-US" sz="1400" kern="0" dirty="0">
+                    <a:ln w="0">
+                      <a:noFill/>
+                    </a:ln>
+                    <a:solidFill>
+                      <a:schemeClr val="bg1"/>
+                    </a:solidFill>
+                    <a:ea typeface="微软雅黑"/>
+                    <a:cs typeface="思源黑体 CN Bold" panose="020B0800000000000000" charset="-122"/>
+                    <a:sym typeface="Arial"/>
+                  </a:rPr>
+                  <a:t>下厨房</a:t>
+                </a:r>
+                <a:endParaRPr kumimoji="0" lang="zh-CN" altLang="en-US" sz="1400" i="0" u="none" strike="noStrike" kern="0" cap="none" spc="0" normalizeH="0" baseline="0" noProof="0" dirty="0">
+                  <a:ln w="0">
+                    <a:noFill/>
+                  </a:ln>
+                  <a:solidFill>
+                    <a:schemeClr val="bg1"/>
+                  </a:solidFill>
+                  <a:effectLst/>
+                  <a:uLnTx/>
+                  <a:uFillTx/>
+                  <a:latin typeface="Arial"/>
+                  <a:ea typeface="微软雅黑"/>
+                  <a:cs typeface="思源黑体 CN Bold" panose="020B0800000000000000" charset="-122"/>
+                  <a:sym typeface="Arial"/>
+                </a:endParaRPr>
+              </a:p>
+            </p:txBody>
+          </p:sp>
+        </p:grpSp>
+        <p:sp>
+          <p:nvSpPr>
+            <p:cNvPr id="50" name="矩形 49">
+              <a:extLst>
+                <a:ext uri="{FF2B5EF4-FFF2-40B4-BE49-F238E27FC236}">
+                  <a16:creationId xmlns:a16="http://schemas.microsoft.com/office/drawing/2014/main" id="{22CD3B3F-F886-4880-92B3-FC956680F563}"/>
+                </a:ext>
+              </a:extLst>
+            </p:cNvPr>
+            <p:cNvSpPr/>
+            <p:nvPr/>
+          </p:nvSpPr>
+          <p:spPr>
+            <a:xfrm>
+              <a:off x="1831973" y="4285831"/>
+              <a:ext cx="2245363" cy="830997"/>
+            </a:xfrm>
+            <a:prstGeom prst="rect">
+              <a:avLst/>
+            </a:prstGeom>
+          </p:spPr>
+          <p:txBody>
+            <a:bodyPr wrap="square">
+              <a:spAutoFit/>
+            </a:bodyPr>
+            <a:lstStyle/>
+            <a:p>
+              <a:pPr marL="342900" lvl="0" indent="-342900">
+                <a:buAutoNum type="arabicPeriod"/>
+                <a:defRPr/>
+              </a:pPr>
+              <a:r>
+                <a:rPr lang="zh-CN" altLang="en-US" sz="1600" b="1" kern="0" dirty="0">
+                  <a:ln w="0">
+                    <a:noFill/>
+                  </a:ln>
+                  <a:solidFill>
+                    <a:schemeClr val="tx1">
+                      <a:lumMod val="65000"/>
+                      <a:lumOff val="35000"/>
+                    </a:schemeClr>
+                  </a:solidFill>
+                  <a:latin typeface="微软雅黑" panose="020B0503020204020204" pitchFamily="34" charset="-122"/>
+                  <a:ea typeface="微软雅黑" panose="020B0503020204020204" pitchFamily="34" charset="-122"/>
+                  <a:cs typeface="思源黑体 CN Bold" panose="020B0800000000000000" charset="-122"/>
+                  <a:sym typeface="Arial"/>
+                </a:rPr>
+                <a:t>份量换算</a:t>
+              </a:r>
+              <a:endParaRPr lang="en-US" altLang="zh-CN" sz="1600" b="1" kern="0" dirty="0">
+                <a:ln w="0">
+                  <a:noFill/>
+                </a:ln>
+                <a:solidFill>
+                  <a:schemeClr val="tx1">
+                    <a:lumMod val="65000"/>
+                    <a:lumOff val="35000"/>
+                  </a:schemeClr>
+                </a:solidFill>
+                <a:latin typeface="微软雅黑" panose="020B0503020204020204" pitchFamily="34" charset="-122"/>
+                <a:ea typeface="微软雅黑" panose="020B0503020204020204" pitchFamily="34" charset="-122"/>
+                <a:cs typeface="思源黑体 CN Bold" panose="020B0800000000000000" charset="-122"/>
+                <a:sym typeface="Arial"/>
+              </a:endParaRPr>
+            </a:p>
+            <a:p>
+              <a:pPr marL="342900" lvl="0" indent="-342900">
+                <a:buAutoNum type="arabicPeriod"/>
+                <a:defRPr/>
+              </a:pPr>
+              <a:r>
+                <a:rPr lang="zh-CN" altLang="en-US" sz="1600" b="1" kern="0" dirty="0">
+                  <a:ln w="0">
+                    <a:noFill/>
+                  </a:ln>
+                  <a:solidFill>
+                    <a:schemeClr val="tx1">
+                      <a:lumMod val="65000"/>
+                      <a:lumOff val="35000"/>
+                    </a:schemeClr>
+                  </a:solidFill>
+                  <a:latin typeface="微软雅黑" panose="020B0503020204020204" pitchFamily="34" charset="-122"/>
+                  <a:ea typeface="微软雅黑" panose="020B0503020204020204" pitchFamily="34" charset="-122"/>
+                  <a:cs typeface="思源黑体 CN Bold" panose="020B0800000000000000" charset="-122"/>
+                  <a:sym typeface="Arial"/>
+                </a:rPr>
+                <a:t>推荐食材和厨具</a:t>
+              </a:r>
+              <a:endParaRPr lang="en-US" altLang="zh-CN" sz="1600" b="1" kern="0" dirty="0">
+                <a:ln w="0">
+                  <a:noFill/>
+                </a:ln>
+                <a:solidFill>
+                  <a:schemeClr val="tx1">
+                    <a:lumMod val="65000"/>
+                    <a:lumOff val="35000"/>
+                  </a:schemeClr>
+                </a:solidFill>
+                <a:latin typeface="微软雅黑" panose="020B0503020204020204" pitchFamily="34" charset="-122"/>
+                <a:ea typeface="微软雅黑" panose="020B0503020204020204" pitchFamily="34" charset="-122"/>
+                <a:cs typeface="思源黑体 CN Bold" panose="020B0800000000000000" charset="-122"/>
+                <a:sym typeface="Arial"/>
+              </a:endParaRPr>
+            </a:p>
+            <a:p>
+              <a:pPr marL="342900" lvl="0" indent="-342900">
+                <a:buAutoNum type="arabicPeriod"/>
+                <a:defRPr/>
+              </a:pPr>
+              <a:r>
+                <a:rPr lang="en-US" altLang="zh-CN" sz="1600" b="1" kern="0" dirty="0">
+                  <a:ln w="0">
+                    <a:noFill/>
+                  </a:ln>
+                  <a:solidFill>
+                    <a:schemeClr val="tx1">
+                      <a:lumMod val="65000"/>
+                      <a:lumOff val="35000"/>
+                    </a:schemeClr>
+                  </a:solidFill>
+                  <a:latin typeface="微软雅黑" panose="020B0503020204020204" pitchFamily="34" charset="-122"/>
+                  <a:ea typeface="微软雅黑" panose="020B0503020204020204" pitchFamily="34" charset="-122"/>
+                  <a:cs typeface="思源黑体 CN Bold" panose="020B0800000000000000" charset="-122"/>
+                  <a:sym typeface="Arial"/>
+                </a:rPr>
+                <a:t>"</a:t>
+              </a:r>
+              <a:r>
+                <a:rPr lang="zh-CN" altLang="en-US" sz="1600" b="1" kern="0" dirty="0">
+                  <a:ln w="0">
+                    <a:noFill/>
+                  </a:ln>
+                  <a:solidFill>
+                    <a:schemeClr val="tx1">
+                      <a:lumMod val="65000"/>
+                      <a:lumOff val="35000"/>
+                    </a:schemeClr>
+                  </a:solidFill>
+                  <a:latin typeface="微软雅黑" panose="020B0503020204020204" pitchFamily="34" charset="-122"/>
+                  <a:ea typeface="微软雅黑" panose="020B0503020204020204" pitchFamily="34" charset="-122"/>
+                  <a:cs typeface="思源黑体 CN Bold" panose="020B0800000000000000" charset="-122"/>
+                  <a:sym typeface="Arial"/>
+                </a:rPr>
+                <a:t>菜篮子</a:t>
+              </a:r>
+              <a:r>
+                <a:rPr lang="en-US" altLang="zh-CN" sz="1600" b="1" kern="0" dirty="0">
+                  <a:ln w="0">
+                    <a:noFill/>
+                  </a:ln>
+                  <a:solidFill>
+                    <a:schemeClr val="tx1">
+                      <a:lumMod val="65000"/>
+                      <a:lumOff val="35000"/>
+                    </a:schemeClr>
+                  </a:solidFill>
+                  <a:latin typeface="微软雅黑" panose="020B0503020204020204" pitchFamily="34" charset="-122"/>
+                  <a:ea typeface="微软雅黑" panose="020B0503020204020204" pitchFamily="34" charset="-122"/>
+                  <a:cs typeface="思源黑体 CN Bold" panose="020B0800000000000000" charset="-122"/>
+                  <a:sym typeface="Arial"/>
+                </a:rPr>
+                <a:t>"</a:t>
+              </a:r>
+              <a:r>
+                <a:rPr lang="zh-CN" altLang="en-US" sz="1600" b="1" kern="0" dirty="0">
+                  <a:ln w="0">
+                    <a:noFill/>
+                  </a:ln>
+                  <a:solidFill>
+                    <a:schemeClr val="tx1">
+                      <a:lumMod val="65000"/>
+                      <a:lumOff val="35000"/>
+                    </a:schemeClr>
+                  </a:solidFill>
+                  <a:latin typeface="微软雅黑" panose="020B0503020204020204" pitchFamily="34" charset="-122"/>
+                  <a:ea typeface="微软雅黑" panose="020B0503020204020204" pitchFamily="34" charset="-122"/>
+                  <a:cs typeface="思源黑体 CN Bold" panose="020B0800000000000000" charset="-122"/>
+                  <a:sym typeface="Arial"/>
+                </a:rPr>
+                <a:t>功能</a:t>
+              </a:r>
+              <a:endParaRPr kumimoji="0" lang="zh-CN" altLang="en-US" sz="1600" b="1" i="0" u="none" strike="noStrike" kern="0" cap="none" spc="0" normalizeH="0" baseline="0" noProof="0" dirty="0">
+                <a:ln w="0">
+                  <a:noFill/>
+                </a:ln>
+                <a:solidFill>
+                  <a:schemeClr val="tx1">
+                    <a:lumMod val="65000"/>
+                    <a:lumOff val="35000"/>
+                  </a:schemeClr>
+                </a:solidFill>
+                <a:effectLst/>
+                <a:uLnTx/>
+                <a:uFillTx/>
+                <a:latin typeface="微软雅黑" panose="020B0503020204020204" pitchFamily="34" charset="-122"/>
+                <a:ea typeface="微软雅黑" panose="020B0503020204020204" pitchFamily="34" charset="-122"/>
+                <a:cs typeface="思源黑体 CN Bold" panose="020B0800000000000000" charset="-122"/>
+                <a:sym typeface="Arial"/>
+              </a:endParaRPr>
+            </a:p>
+          </p:txBody>
+        </p:sp>
+      </p:grpSp>
+      <p:pic>
+        <p:nvPicPr>
+          <p:cNvPr id="56" name="图片 55">
+            <a:extLst>
+              <a:ext uri="{FF2B5EF4-FFF2-40B4-BE49-F238E27FC236}">
+                <a16:creationId xmlns:a16="http://schemas.microsoft.com/office/drawing/2014/main" id="{9A791D69-EF58-4398-998A-B0ACB2FC0A98}"/>
+              </a:ext>
+            </a:extLst>
+          </p:cNvPr>
+          <p:cNvPicPr>
+            <a:picLocks noChangeAspect="1"/>
+          </p:cNvPicPr>
+          <p:nvPr/>
+        </p:nvPicPr>
+        <p:blipFill>
+          <a:blip r:embed="rId5"/>
+          <a:stretch>
+            <a:fillRect/>
+          </a:stretch>
+        </p:blipFill>
+        <p:spPr>
+          <a:xfrm>
+            <a:off x="1330159" y="2112904"/>
+            <a:ext cx="1440331" cy="1440331"/>
+          </a:xfrm>
+          <a:prstGeom prst="rect">
+            <a:avLst/>
+          </a:prstGeom>
+        </p:spPr>
+      </p:pic>
+      <p:grpSp>
+        <p:nvGrpSpPr>
+          <p:cNvPr id="69" name="组合 1">
+            <a:extLst>
+              <a:ext uri="{FF2B5EF4-FFF2-40B4-BE49-F238E27FC236}">
+                <a16:creationId xmlns:a16="http://schemas.microsoft.com/office/drawing/2014/main" id="{4A38D0A2-8843-4C63-B108-38B4657115E7}"/>
+              </a:ext>
+            </a:extLst>
+          </p:cNvPr>
+          <p:cNvGrpSpPr/>
+          <p:nvPr/>
+        </p:nvGrpSpPr>
+        <p:grpSpPr>
+          <a:xfrm>
+            <a:off x="3632863" y="1866819"/>
+            <a:ext cx="2163446" cy="3139746"/>
+            <a:chOff x="1716406" y="2534920"/>
+            <a:chExt cx="2477135" cy="3139746"/>
+          </a:xfrm>
+        </p:grpSpPr>
+        <p:sp>
+          <p:nvSpPr>
+            <p:cNvPr id="70" name="圆角矩形 73">
+              <a:extLst>
+                <a:ext uri="{FF2B5EF4-FFF2-40B4-BE49-F238E27FC236}">
+                  <a16:creationId xmlns:a16="http://schemas.microsoft.com/office/drawing/2014/main" id="{4D50F5E4-D5EF-4BB1-9483-7C4F20B829A5}"/>
+                </a:ext>
+              </a:extLst>
+            </p:cNvPr>
+            <p:cNvSpPr/>
+            <p:nvPr/>
+          </p:nvSpPr>
+          <p:spPr>
+            <a:xfrm>
+              <a:off x="1716406" y="2534920"/>
+              <a:ext cx="2477135" cy="2942773"/>
+            </a:xfrm>
+            <a:prstGeom prst="roundRect">
+              <a:avLst>
+                <a:gd name="adj" fmla="val 4897"/>
+              </a:avLst>
+            </a:prstGeom>
+            <a:solidFill>
+              <a:schemeClr val="bg1"/>
+            </a:solidFill>
+            <a:ln>
+              <a:noFill/>
+            </a:ln>
+            <a:effectLst>
+              <a:outerShdw blurRad="254000" dist="38100" dir="2700000" algn="tl" rotWithShape="0">
+                <a:srgbClr val="1D32CC">
+                  <a:alpha val="15000"/>
+                </a:srgbClr>
+              </a:outerShdw>
+            </a:effectLst>
+          </p:spPr>
+          <p:style>
+            <a:lnRef idx="2">
+              <a:schemeClr val="accent1">
+                <a:shade val="50000"/>
+              </a:schemeClr>
+            </a:lnRef>
+            <a:fillRef idx="1">
+              <a:schemeClr val="accent1"/>
+            </a:fillRef>
+            <a:effectRef idx="0">
+              <a:schemeClr val="accent1"/>
+            </a:effectRef>
+            <a:fontRef idx="minor">
+              <a:schemeClr val="lt1"/>
+            </a:fontRef>
+          </p:style>
+          <p:txBody>
+            <a:bodyPr rtlCol="0" anchor="ctr"/>
+            <a:lstStyle/>
+            <a:p>
+              <a:pPr algn="ctr"/>
+              <a:endParaRPr lang="zh-CN" altLang="en-US">
+                <a:latin typeface="Arial"/>
+                <a:ea typeface="微软雅黑"/>
+                <a:sym typeface="Arial"/>
+              </a:endParaRPr>
+            </a:p>
+          </p:txBody>
+        </p:sp>
+        <p:grpSp>
+          <p:nvGrpSpPr>
+            <p:cNvPr id="71" name="组合 70">
+              <a:extLst>
+                <a:ext uri="{FF2B5EF4-FFF2-40B4-BE49-F238E27FC236}">
+                  <a16:creationId xmlns:a16="http://schemas.microsoft.com/office/drawing/2014/main" id="{E288B03C-9FDD-41A9-8A9B-088276F7F60E}"/>
+                </a:ext>
+              </a:extLst>
+            </p:cNvPr>
+            <p:cNvGrpSpPr/>
+            <p:nvPr/>
+          </p:nvGrpSpPr>
+          <p:grpSpPr>
+            <a:xfrm>
+              <a:off x="2157165" y="5276521"/>
+              <a:ext cx="1602105" cy="398145"/>
+              <a:chOff x="2157165" y="5276521"/>
+              <a:chExt cx="1602105" cy="398145"/>
+            </a:xfrm>
+          </p:grpSpPr>
+          <p:sp>
+            <p:nvSpPr>
+              <p:cNvPr id="73" name="圆角矩形 16">
+                <a:extLst>
+                  <a:ext uri="{FF2B5EF4-FFF2-40B4-BE49-F238E27FC236}">
+                    <a16:creationId xmlns:a16="http://schemas.microsoft.com/office/drawing/2014/main" id="{6C3DE04C-75FF-4BFA-B0F1-68ABD03EE298}"/>
+                  </a:ext>
+                </a:extLst>
+              </p:cNvPr>
+              <p:cNvSpPr/>
+              <p:nvPr/>
+            </p:nvSpPr>
+            <p:spPr>
+              <a:xfrm>
+                <a:off x="2157165" y="5276521"/>
+                <a:ext cx="1602105" cy="398145"/>
+              </a:xfrm>
+              <a:prstGeom prst="roundRect">
+                <a:avLst>
+                  <a:gd name="adj" fmla="val 50000"/>
+                </a:avLst>
+              </a:prstGeom>
+              <a:solidFill>
+                <a:srgbClr val="5986F7"/>
+              </a:solidFill>
+              <a:ln>
+                <a:noFill/>
+              </a:ln>
+            </p:spPr>
+            <p:style>
+              <a:lnRef idx="2">
+                <a:schemeClr val="accent1">
+                  <a:shade val="50000"/>
+                </a:schemeClr>
+              </a:lnRef>
+              <a:fillRef idx="1">
+                <a:schemeClr val="accent1"/>
+              </a:fillRef>
+              <a:effectRef idx="0">
+                <a:schemeClr val="accent1"/>
+              </a:effectRef>
+              <a:fontRef idx="minor">
+                <a:schemeClr val="lt1"/>
+              </a:fontRef>
+            </p:style>
+            <p:txBody>
+              <a:bodyPr rtlCol="0" anchor="ctr"/>
+              <a:lstStyle/>
+              <a:p>
+                <a:pPr algn="ctr"/>
+                <a:endParaRPr lang="zh-CN" altLang="en-US">
+                  <a:latin typeface="Arial"/>
+                  <a:ea typeface="微软雅黑"/>
+                  <a:sym typeface="Arial"/>
+                </a:endParaRPr>
+              </a:p>
+            </p:txBody>
+          </p:sp>
+          <p:sp>
+            <p:nvSpPr>
+              <p:cNvPr id="74" name="矩形 73">
+                <a:extLst>
+                  <a:ext uri="{FF2B5EF4-FFF2-40B4-BE49-F238E27FC236}">
+                    <a16:creationId xmlns:a16="http://schemas.microsoft.com/office/drawing/2014/main" id="{AF8384A5-0C11-4183-A03D-CCB0AF3B48AA}"/>
+                  </a:ext>
+                </a:extLst>
+              </p:cNvPr>
+              <p:cNvSpPr/>
+              <p:nvPr/>
+            </p:nvSpPr>
+            <p:spPr>
+              <a:xfrm>
+                <a:off x="2249874" y="5322241"/>
+                <a:ext cx="1416050" cy="306705"/>
+              </a:xfrm>
+              <a:prstGeom prst="rect">
+                <a:avLst/>
+              </a:prstGeom>
+            </p:spPr>
+            <p:txBody>
+              <a:bodyPr wrap="square">
+                <a:spAutoFit/>
+              </a:bodyPr>
+              <a:lstStyle/>
+              <a:p>
+                <a:pPr lvl="0" algn="ctr">
+                  <a:defRPr/>
+                </a:pPr>
+                <a:r>
+                  <a:rPr lang="zh-CN" altLang="en-US" sz="1400" kern="0" dirty="0">
+                    <a:ln w="0">
+                      <a:noFill/>
+                    </a:ln>
+                    <a:solidFill>
+                      <a:schemeClr val="bg1"/>
+                    </a:solidFill>
+                    <a:ea typeface="微软雅黑"/>
+                    <a:cs typeface="思源黑体 CN Bold" panose="020B0800000000000000" charset="-122"/>
+                    <a:sym typeface="Arial"/>
+                  </a:rPr>
+                  <a:t>豆果美食</a:t>
+                </a:r>
+                <a:endParaRPr kumimoji="0" lang="zh-CN" altLang="en-US" sz="1400" i="0" u="none" strike="noStrike" kern="0" cap="none" spc="0" normalizeH="0" baseline="0" noProof="0" dirty="0">
+                  <a:ln w="0">
+                    <a:noFill/>
+                  </a:ln>
+                  <a:solidFill>
+                    <a:schemeClr val="bg1"/>
+                  </a:solidFill>
+                  <a:effectLst/>
+                  <a:uLnTx/>
+                  <a:uFillTx/>
+                  <a:latin typeface="Arial"/>
+                  <a:ea typeface="微软雅黑"/>
+                  <a:cs typeface="思源黑体 CN Bold" panose="020B0800000000000000" charset="-122"/>
+                  <a:sym typeface="Arial"/>
+                </a:endParaRPr>
+              </a:p>
+            </p:txBody>
+          </p:sp>
+        </p:grpSp>
+        <p:sp>
+          <p:nvSpPr>
+            <p:cNvPr id="72" name="矩形 71">
+              <a:extLst>
+                <a:ext uri="{FF2B5EF4-FFF2-40B4-BE49-F238E27FC236}">
+                  <a16:creationId xmlns:a16="http://schemas.microsoft.com/office/drawing/2014/main" id="{46604467-1E15-473E-A456-77784DDFC0C1}"/>
+                </a:ext>
+              </a:extLst>
+            </p:cNvPr>
+            <p:cNvSpPr/>
+            <p:nvPr/>
+          </p:nvSpPr>
+          <p:spPr>
+            <a:xfrm>
+              <a:off x="1820704" y="4227243"/>
+              <a:ext cx="2267902" cy="1077218"/>
+            </a:xfrm>
+            <a:prstGeom prst="rect">
+              <a:avLst/>
+            </a:prstGeom>
+          </p:spPr>
+          <p:txBody>
+            <a:bodyPr wrap="square">
+              <a:spAutoFit/>
+            </a:bodyPr>
+            <a:lstStyle/>
+            <a:p>
+              <a:pPr marL="342900" lvl="0" indent="-342900">
+                <a:buAutoNum type="arabicPeriod"/>
+                <a:defRPr/>
+              </a:pPr>
+              <a:r>
+                <a:rPr lang="en-US" altLang="zh-CN" sz="1600" b="1" kern="0" dirty="0">
+                  <a:ln w="0">
+                    <a:noFill/>
+                  </a:ln>
+                  <a:solidFill>
+                    <a:schemeClr val="tx1">
+                      <a:lumMod val="65000"/>
+                      <a:lumOff val="35000"/>
+                    </a:schemeClr>
+                  </a:solidFill>
+                  <a:latin typeface="微软雅黑" panose="020B0503020204020204" pitchFamily="34" charset="-122"/>
+                  <a:ea typeface="微软雅黑" panose="020B0503020204020204" pitchFamily="34" charset="-122"/>
+                  <a:cs typeface="思源黑体 CN Bold" panose="020B0800000000000000" charset="-122"/>
+                  <a:sym typeface="Arial"/>
+                </a:rPr>
+                <a:t>AI</a:t>
+              </a:r>
+              <a:r>
+                <a:rPr lang="zh-CN" altLang="en-US" sz="1600" b="1" kern="0" dirty="0">
+                  <a:ln w="0">
+                    <a:noFill/>
+                  </a:ln>
+                  <a:solidFill>
+                    <a:schemeClr val="tx1">
+                      <a:lumMod val="65000"/>
+                      <a:lumOff val="35000"/>
+                    </a:schemeClr>
+                  </a:solidFill>
+                  <a:latin typeface="微软雅黑" panose="020B0503020204020204" pitchFamily="34" charset="-122"/>
+                  <a:ea typeface="微软雅黑" panose="020B0503020204020204" pitchFamily="34" charset="-122"/>
+                  <a:cs typeface="思源黑体 CN Bold" panose="020B0800000000000000" charset="-122"/>
+                  <a:sym typeface="Arial"/>
+                </a:rPr>
+                <a:t>智能推荐菜谱</a:t>
+              </a:r>
+              <a:endParaRPr lang="en-US" altLang="zh-CN" sz="1600" b="1" kern="0" dirty="0">
+                <a:ln w="0">
+                  <a:noFill/>
+                </a:ln>
+                <a:solidFill>
+                  <a:schemeClr val="tx1">
+                    <a:lumMod val="65000"/>
+                    <a:lumOff val="35000"/>
+                  </a:schemeClr>
+                </a:solidFill>
+                <a:latin typeface="微软雅黑" panose="020B0503020204020204" pitchFamily="34" charset="-122"/>
+                <a:ea typeface="微软雅黑" panose="020B0503020204020204" pitchFamily="34" charset="-122"/>
+                <a:cs typeface="思源黑体 CN Bold" panose="020B0800000000000000" charset="-122"/>
+                <a:sym typeface="Arial"/>
+              </a:endParaRPr>
+            </a:p>
+            <a:p>
+              <a:pPr marL="342900" lvl="0" indent="-342900">
+                <a:buAutoNum type="arabicPeriod"/>
+                <a:defRPr/>
+              </a:pPr>
+              <a:r>
+                <a:rPr lang="zh-CN" altLang="en-US" sz="1600" b="1" kern="0" dirty="0">
+                  <a:ln w="0">
+                    <a:noFill/>
+                  </a:ln>
+                  <a:solidFill>
+                    <a:schemeClr val="tx1">
+                      <a:lumMod val="65000"/>
+                      <a:lumOff val="35000"/>
+                    </a:schemeClr>
+                  </a:solidFill>
+                  <a:latin typeface="微软雅黑" panose="020B0503020204020204" pitchFamily="34" charset="-122"/>
+                  <a:ea typeface="微软雅黑" panose="020B0503020204020204" pitchFamily="34" charset="-122"/>
+                  <a:cs typeface="思源黑体 CN Bold" panose="020B0800000000000000" charset="-122"/>
+                  <a:sym typeface="Arial"/>
+                </a:rPr>
+                <a:t>记录健康数据</a:t>
+              </a:r>
+              <a:endParaRPr lang="en-US" altLang="zh-CN" sz="1600" b="1" kern="0" dirty="0">
+                <a:ln w="0">
+                  <a:noFill/>
+                </a:ln>
+                <a:solidFill>
+                  <a:schemeClr val="tx1">
+                    <a:lumMod val="65000"/>
+                    <a:lumOff val="35000"/>
+                  </a:schemeClr>
+                </a:solidFill>
+                <a:latin typeface="微软雅黑" panose="020B0503020204020204" pitchFamily="34" charset="-122"/>
+                <a:ea typeface="微软雅黑" panose="020B0503020204020204" pitchFamily="34" charset="-122"/>
+                <a:cs typeface="思源黑体 CN Bold" panose="020B0800000000000000" charset="-122"/>
+                <a:sym typeface="Arial"/>
+              </a:endParaRPr>
+            </a:p>
+            <a:p>
+              <a:pPr marL="342900" lvl="0" indent="-342900">
+                <a:buAutoNum type="arabicPeriod"/>
+                <a:defRPr/>
+              </a:pPr>
+              <a:r>
+                <a:rPr lang="zh-CN" altLang="en-US" sz="1600" b="1" kern="0" dirty="0">
+                  <a:ln w="0">
+                    <a:noFill/>
+                  </a:ln>
+                  <a:solidFill>
+                    <a:schemeClr val="tx1">
+                      <a:lumMod val="65000"/>
+                      <a:lumOff val="35000"/>
+                    </a:schemeClr>
+                  </a:solidFill>
+                  <a:latin typeface="微软雅黑" panose="020B0503020204020204" pitchFamily="34" charset="-122"/>
+                  <a:ea typeface="微软雅黑" panose="020B0503020204020204" pitchFamily="34" charset="-122"/>
+                  <a:cs typeface="思源黑体 CN Bold" panose="020B0800000000000000" charset="-122"/>
+                  <a:sym typeface="Arial"/>
+                </a:rPr>
+                <a:t>营养分析</a:t>
+              </a:r>
+              <a:endParaRPr lang="en-US" altLang="zh-CN" sz="1600" b="1" kern="0" dirty="0">
+                <a:ln w="0">
+                  <a:noFill/>
+                </a:ln>
+                <a:solidFill>
+                  <a:schemeClr val="tx1">
+                    <a:lumMod val="65000"/>
+                    <a:lumOff val="35000"/>
+                  </a:schemeClr>
+                </a:solidFill>
+                <a:latin typeface="微软雅黑" panose="020B0503020204020204" pitchFamily="34" charset="-122"/>
+                <a:ea typeface="微软雅黑" panose="020B0503020204020204" pitchFamily="34" charset="-122"/>
+                <a:cs typeface="思源黑体 CN Bold" panose="020B0800000000000000" charset="-122"/>
+                <a:sym typeface="Arial"/>
+              </a:endParaRPr>
+            </a:p>
+            <a:p>
+              <a:pPr marL="342900" lvl="0" indent="-342900">
+                <a:buAutoNum type="arabicPeriod"/>
+                <a:defRPr/>
+              </a:pPr>
+              <a:r>
+                <a:rPr lang="en-US" altLang="zh-CN" sz="1600" b="1" kern="0" dirty="0">
+                  <a:ln w="0">
+                    <a:noFill/>
+                  </a:ln>
+                  <a:solidFill>
+                    <a:schemeClr val="tx1">
+                      <a:lumMod val="65000"/>
+                      <a:lumOff val="35000"/>
+                    </a:schemeClr>
+                  </a:solidFill>
+                  <a:latin typeface="微软雅黑" panose="020B0503020204020204" pitchFamily="34" charset="-122"/>
+                  <a:ea typeface="微软雅黑" panose="020B0503020204020204" pitchFamily="34" charset="-122"/>
+                  <a:cs typeface="思源黑体 CN Bold" panose="020B0800000000000000" charset="-122"/>
+                  <a:sym typeface="Arial"/>
+                </a:rPr>
+                <a:t>"</a:t>
+              </a:r>
+              <a:r>
+                <a:rPr lang="zh-CN" altLang="en-US" sz="1600" b="1" kern="0" dirty="0">
+                  <a:ln w="0">
+                    <a:noFill/>
+                  </a:ln>
+                  <a:solidFill>
+                    <a:schemeClr val="tx1">
+                      <a:lumMod val="65000"/>
+                      <a:lumOff val="35000"/>
+                    </a:schemeClr>
+                  </a:solidFill>
+                  <a:latin typeface="微软雅黑" panose="020B0503020204020204" pitchFamily="34" charset="-122"/>
+                  <a:ea typeface="微软雅黑" panose="020B0503020204020204" pitchFamily="34" charset="-122"/>
+                  <a:cs typeface="思源黑体 CN Bold" panose="020B0800000000000000" charset="-122"/>
+                  <a:sym typeface="Arial"/>
+                </a:rPr>
+                <a:t>菜篮子</a:t>
+              </a:r>
+              <a:r>
+                <a:rPr lang="en-US" altLang="zh-CN" sz="1600" b="1" kern="0" dirty="0">
+                  <a:ln w="0">
+                    <a:noFill/>
+                  </a:ln>
+                  <a:solidFill>
+                    <a:schemeClr val="tx1">
+                      <a:lumMod val="65000"/>
+                      <a:lumOff val="35000"/>
+                    </a:schemeClr>
+                  </a:solidFill>
+                  <a:latin typeface="微软雅黑" panose="020B0503020204020204" pitchFamily="34" charset="-122"/>
+                  <a:ea typeface="微软雅黑" panose="020B0503020204020204" pitchFamily="34" charset="-122"/>
+                  <a:cs typeface="思源黑体 CN Bold" panose="020B0800000000000000" charset="-122"/>
+                  <a:sym typeface="Arial"/>
+                </a:rPr>
+                <a:t>"</a:t>
+              </a:r>
+              <a:r>
+                <a:rPr lang="zh-CN" altLang="en-US" sz="1600" b="1" kern="0" dirty="0">
+                  <a:ln w="0">
+                    <a:noFill/>
+                  </a:ln>
+                  <a:solidFill>
+                    <a:schemeClr val="tx1">
+                      <a:lumMod val="65000"/>
+                      <a:lumOff val="35000"/>
+                    </a:schemeClr>
+                  </a:solidFill>
+                  <a:latin typeface="微软雅黑" panose="020B0503020204020204" pitchFamily="34" charset="-122"/>
+                  <a:ea typeface="微软雅黑" panose="020B0503020204020204" pitchFamily="34" charset="-122"/>
+                  <a:cs typeface="思源黑体 CN Bold" panose="020B0800000000000000" charset="-122"/>
+                  <a:sym typeface="Arial"/>
+                </a:rPr>
+                <a:t>功能</a:t>
+              </a:r>
+              <a:endParaRPr kumimoji="0" lang="zh-CN" altLang="en-US" sz="1600" b="1" i="0" u="none" strike="noStrike" kern="0" cap="none" spc="0" normalizeH="0" baseline="0" noProof="0" dirty="0">
+                <a:ln w="0">
+                  <a:noFill/>
+                </a:ln>
+                <a:solidFill>
+                  <a:schemeClr val="tx1">
+                    <a:lumMod val="65000"/>
+                    <a:lumOff val="35000"/>
+                  </a:schemeClr>
+                </a:solidFill>
+                <a:effectLst/>
+                <a:uLnTx/>
+                <a:uFillTx/>
+                <a:latin typeface="微软雅黑" panose="020B0503020204020204" pitchFamily="34" charset="-122"/>
+                <a:ea typeface="微软雅黑" panose="020B0503020204020204" pitchFamily="34" charset="-122"/>
+                <a:cs typeface="思源黑体 CN Bold" panose="020B0800000000000000" charset="-122"/>
+                <a:sym typeface="Arial"/>
+              </a:endParaRPr>
+            </a:p>
+          </p:txBody>
+        </p:sp>
+      </p:grpSp>
+      <p:grpSp>
+        <p:nvGrpSpPr>
+          <p:cNvPr id="76" name="组合 1">
+            <a:extLst>
+              <a:ext uri="{FF2B5EF4-FFF2-40B4-BE49-F238E27FC236}">
+                <a16:creationId xmlns:a16="http://schemas.microsoft.com/office/drawing/2014/main" id="{B9097F6F-090D-4B38-AC31-0D8924016911}"/>
+              </a:ext>
+            </a:extLst>
+          </p:cNvPr>
+          <p:cNvGrpSpPr/>
+          <p:nvPr/>
+        </p:nvGrpSpPr>
+        <p:grpSpPr>
+          <a:xfrm>
+            <a:off x="6324848" y="1875925"/>
+            <a:ext cx="2163446" cy="3148032"/>
+            <a:chOff x="1716405" y="2534920"/>
+            <a:chExt cx="2477135" cy="3148032"/>
+          </a:xfrm>
+        </p:grpSpPr>
+        <p:sp>
+          <p:nvSpPr>
+            <p:cNvPr id="77" name="圆角矩形 73">
+              <a:extLst>
+                <a:ext uri="{FF2B5EF4-FFF2-40B4-BE49-F238E27FC236}">
+                  <a16:creationId xmlns:a16="http://schemas.microsoft.com/office/drawing/2014/main" id="{A6028EC6-B7E8-468E-AD71-4BC21BCA1EE8}"/>
+                </a:ext>
+              </a:extLst>
+            </p:cNvPr>
+            <p:cNvSpPr/>
+            <p:nvPr/>
+          </p:nvSpPr>
+          <p:spPr>
+            <a:xfrm>
+              <a:off x="1716405" y="2534920"/>
+              <a:ext cx="2477135" cy="2933667"/>
+            </a:xfrm>
+            <a:prstGeom prst="roundRect">
+              <a:avLst>
+                <a:gd name="adj" fmla="val 4897"/>
+              </a:avLst>
+            </a:prstGeom>
+            <a:solidFill>
+              <a:schemeClr val="bg1"/>
+            </a:solidFill>
+            <a:ln>
+              <a:noFill/>
+            </a:ln>
+            <a:effectLst>
+              <a:outerShdw blurRad="254000" dist="38100" dir="2700000" algn="tl" rotWithShape="0">
+                <a:srgbClr val="1D32CC">
+                  <a:alpha val="15000"/>
+                </a:srgbClr>
+              </a:outerShdw>
+            </a:effectLst>
+          </p:spPr>
+          <p:style>
+            <a:lnRef idx="2">
+              <a:schemeClr val="accent1">
+                <a:shade val="50000"/>
+              </a:schemeClr>
+            </a:lnRef>
+            <a:fillRef idx="1">
+              <a:schemeClr val="accent1"/>
+            </a:fillRef>
+            <a:effectRef idx="0">
+              <a:schemeClr val="accent1"/>
+            </a:effectRef>
+            <a:fontRef idx="minor">
+              <a:schemeClr val="lt1"/>
+            </a:fontRef>
+          </p:style>
+          <p:txBody>
+            <a:bodyPr rtlCol="0" anchor="ctr"/>
+            <a:lstStyle/>
+            <a:p>
+              <a:pPr algn="ctr"/>
+              <a:endParaRPr lang="zh-CN" altLang="en-US">
+                <a:latin typeface="Arial"/>
+                <a:ea typeface="微软雅黑"/>
+                <a:sym typeface="Arial"/>
+              </a:endParaRPr>
+            </a:p>
+          </p:txBody>
+        </p:sp>
+        <p:grpSp>
+          <p:nvGrpSpPr>
+            <p:cNvPr id="78" name="组合 77">
+              <a:extLst>
+                <a:ext uri="{FF2B5EF4-FFF2-40B4-BE49-F238E27FC236}">
+                  <a16:creationId xmlns:a16="http://schemas.microsoft.com/office/drawing/2014/main" id="{01F78B30-9911-4859-9362-B511710610B9}"/>
+                </a:ext>
+              </a:extLst>
+            </p:cNvPr>
+            <p:cNvGrpSpPr/>
+            <p:nvPr/>
+          </p:nvGrpSpPr>
+          <p:grpSpPr>
+            <a:xfrm>
+              <a:off x="2153921" y="5284807"/>
+              <a:ext cx="1602105" cy="398145"/>
+              <a:chOff x="2153921" y="5284807"/>
+              <a:chExt cx="1602105" cy="398145"/>
+            </a:xfrm>
+          </p:grpSpPr>
+          <p:sp>
+            <p:nvSpPr>
+              <p:cNvPr id="80" name="圆角矩形 16">
+                <a:extLst>
+                  <a:ext uri="{FF2B5EF4-FFF2-40B4-BE49-F238E27FC236}">
+                    <a16:creationId xmlns:a16="http://schemas.microsoft.com/office/drawing/2014/main" id="{D5FA4289-CA70-43E8-B276-DBD1B1905DC0}"/>
+                  </a:ext>
+                </a:extLst>
+              </p:cNvPr>
+              <p:cNvSpPr/>
+              <p:nvPr/>
+            </p:nvSpPr>
+            <p:spPr>
+              <a:xfrm>
+                <a:off x="2153921" y="5284807"/>
+                <a:ext cx="1602105" cy="398145"/>
+              </a:xfrm>
+              <a:prstGeom prst="roundRect">
+                <a:avLst>
+                  <a:gd name="adj" fmla="val 50000"/>
+                </a:avLst>
+              </a:prstGeom>
+              <a:solidFill>
+                <a:srgbClr val="5986F7"/>
+              </a:solidFill>
+              <a:ln>
+                <a:noFill/>
+              </a:ln>
+            </p:spPr>
+            <p:style>
+              <a:lnRef idx="2">
+                <a:schemeClr val="accent1">
+                  <a:shade val="50000"/>
+                </a:schemeClr>
+              </a:lnRef>
+              <a:fillRef idx="1">
+                <a:schemeClr val="accent1"/>
+              </a:fillRef>
+              <a:effectRef idx="0">
+                <a:schemeClr val="accent1"/>
+              </a:effectRef>
+              <a:fontRef idx="minor">
+                <a:schemeClr val="lt1"/>
+              </a:fontRef>
+            </p:style>
+            <p:txBody>
+              <a:bodyPr rtlCol="0" anchor="ctr"/>
+              <a:lstStyle/>
+              <a:p>
+                <a:pPr algn="ctr"/>
+                <a:endParaRPr lang="zh-CN" altLang="en-US">
+                  <a:latin typeface="Arial"/>
+                  <a:ea typeface="微软雅黑"/>
+                  <a:sym typeface="Arial"/>
+                </a:endParaRPr>
+              </a:p>
+            </p:txBody>
+          </p:sp>
+          <p:sp>
+            <p:nvSpPr>
+              <p:cNvPr id="81" name="矩形 80">
+                <a:extLst>
+                  <a:ext uri="{FF2B5EF4-FFF2-40B4-BE49-F238E27FC236}">
+                    <a16:creationId xmlns:a16="http://schemas.microsoft.com/office/drawing/2014/main" id="{0C6401A3-F327-4FFF-BB7B-CC7C72874225}"/>
+                  </a:ext>
+                </a:extLst>
+              </p:cNvPr>
+              <p:cNvSpPr/>
+              <p:nvPr/>
+            </p:nvSpPr>
+            <p:spPr>
+              <a:xfrm>
+                <a:off x="2246630" y="5330527"/>
+                <a:ext cx="1416050" cy="306705"/>
+              </a:xfrm>
+              <a:prstGeom prst="rect">
+                <a:avLst/>
+              </a:prstGeom>
+            </p:spPr>
+            <p:txBody>
+              <a:bodyPr wrap="square">
+                <a:spAutoFit/>
+              </a:bodyPr>
+              <a:lstStyle/>
+              <a:p>
+                <a:pPr lvl="0" algn="ctr">
+                  <a:defRPr/>
+                </a:pPr>
+                <a:r>
+                  <a:rPr lang="zh-CN" altLang="en-US" sz="1400" kern="0" dirty="0">
+                    <a:ln w="0">
+                      <a:noFill/>
+                    </a:ln>
+                    <a:solidFill>
+                      <a:schemeClr val="bg1"/>
+                    </a:solidFill>
+                    <a:ea typeface="微软雅黑"/>
+                    <a:cs typeface="思源黑体 CN Bold" panose="020B0800000000000000" charset="-122"/>
+                    <a:sym typeface="Arial"/>
+                  </a:rPr>
+                  <a:t>香哈菜谱</a:t>
+                </a:r>
+                <a:endParaRPr kumimoji="0" lang="zh-CN" altLang="en-US" sz="1400" i="0" u="none" strike="noStrike" kern="0" cap="none" spc="0" normalizeH="0" baseline="0" noProof="0" dirty="0">
+                  <a:ln w="0">
+                    <a:noFill/>
+                  </a:ln>
+                  <a:solidFill>
+                    <a:schemeClr val="bg1"/>
+                  </a:solidFill>
+                  <a:effectLst/>
+                  <a:uLnTx/>
+                  <a:uFillTx/>
+                  <a:latin typeface="Arial"/>
+                  <a:ea typeface="微软雅黑"/>
+                  <a:cs typeface="思源黑体 CN Bold" panose="020B0800000000000000" charset="-122"/>
+                  <a:sym typeface="Arial"/>
+                </a:endParaRPr>
+              </a:p>
+            </p:txBody>
+          </p:sp>
+        </p:grpSp>
+        <p:sp>
+          <p:nvSpPr>
+            <p:cNvPr id="79" name="矩形 78">
+              <a:extLst>
+                <a:ext uri="{FF2B5EF4-FFF2-40B4-BE49-F238E27FC236}">
+                  <a16:creationId xmlns:a16="http://schemas.microsoft.com/office/drawing/2014/main" id="{7BB1FCD1-0D30-470D-B5DE-E1DA3AC6F160}"/>
+                </a:ext>
+              </a:extLst>
+            </p:cNvPr>
+            <p:cNvSpPr/>
+            <p:nvPr/>
+          </p:nvSpPr>
+          <p:spPr>
+            <a:xfrm>
+              <a:off x="1948179" y="4212507"/>
+              <a:ext cx="2012951" cy="830997"/>
+            </a:xfrm>
+            <a:prstGeom prst="rect">
+              <a:avLst/>
+            </a:prstGeom>
+          </p:spPr>
+          <p:txBody>
+            <a:bodyPr wrap="square">
+              <a:spAutoFit/>
+            </a:bodyPr>
+            <a:lstStyle/>
+            <a:p>
+              <a:pPr marL="342900" lvl="0" indent="-342900">
+                <a:buAutoNum type="arabicPeriod"/>
+                <a:defRPr/>
+              </a:pPr>
+              <a:r>
+                <a:rPr lang="zh-CN" altLang="en-US" sz="1600" b="1" kern="0" dirty="0">
+                  <a:ln w="0">
+                    <a:noFill/>
+                  </a:ln>
+                  <a:solidFill>
+                    <a:schemeClr val="tx1">
+                      <a:lumMod val="65000"/>
+                      <a:lumOff val="35000"/>
+                    </a:schemeClr>
+                  </a:solidFill>
+                  <a:latin typeface="微软雅黑" panose="020B0503020204020204" pitchFamily="34" charset="-122"/>
+                  <a:ea typeface="微软雅黑" panose="020B0503020204020204" pitchFamily="34" charset="-122"/>
+                  <a:cs typeface="思源黑体 CN Bold" panose="020B0800000000000000" charset="-122"/>
+                  <a:sym typeface="Arial"/>
+                </a:rPr>
+                <a:t>大量视频为主</a:t>
+              </a:r>
+              <a:endParaRPr lang="en-US" altLang="zh-CN" sz="1600" b="1" kern="0" dirty="0">
+                <a:ln w="0">
+                  <a:noFill/>
+                </a:ln>
+                <a:solidFill>
+                  <a:schemeClr val="tx1">
+                    <a:lumMod val="65000"/>
+                    <a:lumOff val="35000"/>
+                  </a:schemeClr>
+                </a:solidFill>
+                <a:latin typeface="微软雅黑" panose="020B0503020204020204" pitchFamily="34" charset="-122"/>
+                <a:ea typeface="微软雅黑" panose="020B0503020204020204" pitchFamily="34" charset="-122"/>
+                <a:cs typeface="思源黑体 CN Bold" panose="020B0800000000000000" charset="-122"/>
+                <a:sym typeface="Arial"/>
+              </a:endParaRPr>
+            </a:p>
+            <a:p>
+              <a:pPr marL="342900" lvl="0" indent="-342900">
+                <a:buAutoNum type="arabicPeriod"/>
+                <a:defRPr/>
+              </a:pPr>
+              <a:r>
+                <a:rPr lang="zh-CN" altLang="en-US" sz="1600" b="1" kern="0" dirty="0">
+                  <a:ln w="0">
+                    <a:noFill/>
+                  </a:ln>
+                  <a:solidFill>
+                    <a:schemeClr val="tx1">
+                      <a:lumMod val="65000"/>
+                      <a:lumOff val="35000"/>
+                    </a:schemeClr>
+                  </a:solidFill>
+                  <a:latin typeface="微软雅黑" panose="020B0503020204020204" pitchFamily="34" charset="-122"/>
+                  <a:ea typeface="微软雅黑" panose="020B0503020204020204" pitchFamily="34" charset="-122"/>
+                  <a:cs typeface="思源黑体 CN Bold" panose="020B0800000000000000" charset="-122"/>
+                  <a:sym typeface="Arial"/>
+                </a:rPr>
+                <a:t>话题广场</a:t>
+              </a:r>
+              <a:endParaRPr lang="en-US" altLang="zh-CN" sz="1600" b="1" kern="0" dirty="0">
+                <a:ln w="0">
+                  <a:noFill/>
+                </a:ln>
+                <a:solidFill>
+                  <a:schemeClr val="tx1">
+                    <a:lumMod val="65000"/>
+                    <a:lumOff val="35000"/>
+                  </a:schemeClr>
+                </a:solidFill>
+                <a:latin typeface="微软雅黑" panose="020B0503020204020204" pitchFamily="34" charset="-122"/>
+                <a:ea typeface="微软雅黑" panose="020B0503020204020204" pitchFamily="34" charset="-122"/>
+                <a:cs typeface="思源黑体 CN Bold" panose="020B0800000000000000" charset="-122"/>
+                <a:sym typeface="Arial"/>
+              </a:endParaRPr>
+            </a:p>
+            <a:p>
+              <a:pPr marL="342900" lvl="0" indent="-342900">
+                <a:buAutoNum type="arabicPeriod"/>
+                <a:defRPr/>
+              </a:pPr>
+              <a:r>
+                <a:rPr lang="en-US" altLang="zh-CN" sz="1600" b="1" kern="0" dirty="0">
+                  <a:ln w="0">
+                    <a:noFill/>
+                  </a:ln>
+                  <a:solidFill>
+                    <a:schemeClr val="tx1">
+                      <a:lumMod val="65000"/>
+                      <a:lumOff val="35000"/>
+                    </a:schemeClr>
+                  </a:solidFill>
+                  <a:latin typeface="微软雅黑" panose="020B0503020204020204" pitchFamily="34" charset="-122"/>
+                  <a:ea typeface="微软雅黑" panose="020B0503020204020204" pitchFamily="34" charset="-122"/>
+                  <a:cs typeface="思源黑体 CN Bold" panose="020B0800000000000000" charset="-122"/>
+                  <a:sym typeface="Arial"/>
+                </a:rPr>
+                <a:t>"</a:t>
+              </a:r>
+              <a:r>
+                <a:rPr lang="zh-CN" altLang="en-US" sz="1600" b="1" kern="0" dirty="0">
+                  <a:ln w="0">
+                    <a:noFill/>
+                  </a:ln>
+                  <a:solidFill>
+                    <a:schemeClr val="tx1">
+                      <a:lumMod val="65000"/>
+                      <a:lumOff val="35000"/>
+                    </a:schemeClr>
+                  </a:solidFill>
+                  <a:latin typeface="微软雅黑" panose="020B0503020204020204" pitchFamily="34" charset="-122"/>
+                  <a:ea typeface="微软雅黑" panose="020B0503020204020204" pitchFamily="34" charset="-122"/>
+                  <a:cs typeface="思源黑体 CN Bold" panose="020B0800000000000000" charset="-122"/>
+                  <a:sym typeface="Arial"/>
+                </a:rPr>
+                <a:t>菜篮子</a:t>
+              </a:r>
+              <a:r>
+                <a:rPr lang="en-US" altLang="zh-CN" sz="1600" b="1" kern="0" dirty="0">
+                  <a:ln w="0">
+                    <a:noFill/>
+                  </a:ln>
+                  <a:solidFill>
+                    <a:schemeClr val="tx1">
+                      <a:lumMod val="65000"/>
+                      <a:lumOff val="35000"/>
+                    </a:schemeClr>
+                  </a:solidFill>
+                  <a:latin typeface="微软雅黑" panose="020B0503020204020204" pitchFamily="34" charset="-122"/>
+                  <a:ea typeface="微软雅黑" panose="020B0503020204020204" pitchFamily="34" charset="-122"/>
+                  <a:cs typeface="思源黑体 CN Bold" panose="020B0800000000000000" charset="-122"/>
+                  <a:sym typeface="Arial"/>
+                </a:rPr>
+                <a:t>"</a:t>
+              </a:r>
+              <a:r>
+                <a:rPr lang="zh-CN" altLang="en-US" sz="1600" b="1" kern="0" dirty="0">
+                  <a:ln w="0">
+                    <a:noFill/>
+                  </a:ln>
+                  <a:solidFill>
+                    <a:schemeClr val="tx1">
+                      <a:lumMod val="65000"/>
+                      <a:lumOff val="35000"/>
+                    </a:schemeClr>
+                  </a:solidFill>
+                  <a:latin typeface="微软雅黑" panose="020B0503020204020204" pitchFamily="34" charset="-122"/>
+                  <a:ea typeface="微软雅黑" panose="020B0503020204020204" pitchFamily="34" charset="-122"/>
+                  <a:cs typeface="思源黑体 CN Bold" panose="020B0800000000000000" charset="-122"/>
+                  <a:sym typeface="Arial"/>
+                </a:rPr>
+                <a:t>功能</a:t>
+              </a:r>
+              <a:endParaRPr kumimoji="0" lang="zh-CN" altLang="en-US" sz="1600" b="1" i="0" u="none" strike="noStrike" kern="0" cap="none" spc="0" normalizeH="0" baseline="0" noProof="0" dirty="0">
+                <a:ln w="0">
+                  <a:noFill/>
+                </a:ln>
+                <a:solidFill>
+                  <a:schemeClr val="tx1">
+                    <a:lumMod val="65000"/>
+                    <a:lumOff val="35000"/>
+                  </a:schemeClr>
+                </a:solidFill>
+                <a:effectLst/>
+                <a:uLnTx/>
+                <a:uFillTx/>
+                <a:latin typeface="微软雅黑" panose="020B0503020204020204" pitchFamily="34" charset="-122"/>
+                <a:ea typeface="微软雅黑" panose="020B0503020204020204" pitchFamily="34" charset="-122"/>
+                <a:cs typeface="思源黑体 CN Bold" panose="020B0800000000000000" charset="-122"/>
+                <a:sym typeface="Arial"/>
+              </a:endParaRPr>
+            </a:p>
+          </p:txBody>
+        </p:sp>
+      </p:grpSp>
+      <p:grpSp>
+        <p:nvGrpSpPr>
+          <p:cNvPr id="83" name="组合 1">
+            <a:extLst>
+              <a:ext uri="{FF2B5EF4-FFF2-40B4-BE49-F238E27FC236}">
+                <a16:creationId xmlns:a16="http://schemas.microsoft.com/office/drawing/2014/main" id="{31D46EBB-C4EC-4729-A54C-4AD99B772EFE}"/>
+              </a:ext>
+            </a:extLst>
+          </p:cNvPr>
+          <p:cNvGrpSpPr/>
+          <p:nvPr/>
+        </p:nvGrpSpPr>
+        <p:grpSpPr>
+          <a:xfrm>
+            <a:off x="8794996" y="1883253"/>
+            <a:ext cx="2444659" cy="3157717"/>
+            <a:chOff x="1630060" y="2534920"/>
+            <a:chExt cx="2799122" cy="3157717"/>
+          </a:xfrm>
+        </p:grpSpPr>
+        <p:sp>
+          <p:nvSpPr>
+            <p:cNvPr id="84" name="圆角矩形 73">
+              <a:extLst>
+                <a:ext uri="{FF2B5EF4-FFF2-40B4-BE49-F238E27FC236}">
+                  <a16:creationId xmlns:a16="http://schemas.microsoft.com/office/drawing/2014/main" id="{997CF6E4-CF0D-461A-BC3F-D4F4134F8158}"/>
+                </a:ext>
+              </a:extLst>
+            </p:cNvPr>
+            <p:cNvSpPr/>
+            <p:nvPr/>
+          </p:nvSpPr>
+          <p:spPr>
+            <a:xfrm>
+              <a:off x="1716405" y="2534920"/>
+              <a:ext cx="2477135" cy="2926339"/>
+            </a:xfrm>
+            <a:prstGeom prst="roundRect">
+              <a:avLst>
+                <a:gd name="adj" fmla="val 4897"/>
+              </a:avLst>
+            </a:prstGeom>
+            <a:solidFill>
+              <a:schemeClr val="bg1"/>
+            </a:solidFill>
+            <a:ln>
+              <a:noFill/>
+            </a:ln>
+            <a:effectLst>
+              <a:outerShdw blurRad="254000" dist="38100" dir="2700000" algn="tl" rotWithShape="0">
+                <a:srgbClr val="1D32CC">
+                  <a:alpha val="15000"/>
+                </a:srgbClr>
+              </a:outerShdw>
+            </a:effectLst>
+          </p:spPr>
+          <p:style>
+            <a:lnRef idx="2">
+              <a:schemeClr val="accent1">
+                <a:shade val="50000"/>
+              </a:schemeClr>
+            </a:lnRef>
+            <a:fillRef idx="1">
+              <a:schemeClr val="accent1"/>
+            </a:fillRef>
+            <a:effectRef idx="0">
+              <a:schemeClr val="accent1"/>
+            </a:effectRef>
+            <a:fontRef idx="minor">
+              <a:schemeClr val="lt1"/>
+            </a:fontRef>
+          </p:style>
+          <p:txBody>
+            <a:bodyPr rtlCol="0" anchor="ctr"/>
+            <a:lstStyle/>
+            <a:p>
+              <a:pPr algn="ctr"/>
+              <a:endParaRPr lang="zh-CN" altLang="en-US">
+                <a:latin typeface="Arial"/>
+                <a:ea typeface="微软雅黑"/>
+                <a:sym typeface="Arial"/>
+              </a:endParaRPr>
+            </a:p>
+          </p:txBody>
+        </p:sp>
+        <p:grpSp>
+          <p:nvGrpSpPr>
+            <p:cNvPr id="85" name="组合 84">
+              <a:extLst>
+                <a:ext uri="{FF2B5EF4-FFF2-40B4-BE49-F238E27FC236}">
+                  <a16:creationId xmlns:a16="http://schemas.microsoft.com/office/drawing/2014/main" id="{EAA83BCC-8643-4C1A-880E-BA75817AA6AD}"/>
+                </a:ext>
+              </a:extLst>
+            </p:cNvPr>
+            <p:cNvGrpSpPr/>
+            <p:nvPr/>
+          </p:nvGrpSpPr>
+          <p:grpSpPr>
+            <a:xfrm>
+              <a:off x="2136501" y="5294492"/>
+              <a:ext cx="1602105" cy="398145"/>
+              <a:chOff x="2136501" y="5294492"/>
+              <a:chExt cx="1602105" cy="398145"/>
+            </a:xfrm>
+          </p:grpSpPr>
+          <p:sp>
+            <p:nvSpPr>
+              <p:cNvPr id="87" name="圆角矩形 16">
+                <a:extLst>
+                  <a:ext uri="{FF2B5EF4-FFF2-40B4-BE49-F238E27FC236}">
+                    <a16:creationId xmlns:a16="http://schemas.microsoft.com/office/drawing/2014/main" id="{C3FA6DBA-B6DD-4017-9862-C69D4FEF6962}"/>
+                  </a:ext>
+                </a:extLst>
+              </p:cNvPr>
+              <p:cNvSpPr/>
+              <p:nvPr/>
+            </p:nvSpPr>
+            <p:spPr>
+              <a:xfrm>
+                <a:off x="2136501" y="5294492"/>
+                <a:ext cx="1602105" cy="398145"/>
+              </a:xfrm>
+              <a:prstGeom prst="roundRect">
+                <a:avLst>
+                  <a:gd name="adj" fmla="val 50000"/>
+                </a:avLst>
+              </a:prstGeom>
+              <a:solidFill>
+                <a:srgbClr val="5986F7"/>
+              </a:solidFill>
+              <a:ln>
+                <a:noFill/>
+              </a:ln>
+            </p:spPr>
+            <p:style>
+              <a:lnRef idx="2">
+                <a:schemeClr val="accent1">
+                  <a:shade val="50000"/>
+                </a:schemeClr>
+              </a:lnRef>
+              <a:fillRef idx="1">
+                <a:schemeClr val="accent1"/>
+              </a:fillRef>
+              <a:effectRef idx="0">
+                <a:schemeClr val="accent1"/>
+              </a:effectRef>
+              <a:fontRef idx="minor">
+                <a:schemeClr val="lt1"/>
+              </a:fontRef>
+            </p:style>
+            <p:txBody>
+              <a:bodyPr rtlCol="0" anchor="ctr"/>
+              <a:lstStyle/>
+              <a:p>
+                <a:pPr algn="ctr"/>
+                <a:endParaRPr lang="zh-CN" altLang="en-US">
+                  <a:latin typeface="Arial"/>
+                  <a:ea typeface="微软雅黑"/>
+                  <a:sym typeface="Arial"/>
+                </a:endParaRPr>
+              </a:p>
+            </p:txBody>
+          </p:sp>
+          <p:sp>
+            <p:nvSpPr>
+              <p:cNvPr id="88" name="矩形 87">
+                <a:extLst>
+                  <a:ext uri="{FF2B5EF4-FFF2-40B4-BE49-F238E27FC236}">
+                    <a16:creationId xmlns:a16="http://schemas.microsoft.com/office/drawing/2014/main" id="{9BDBCCFD-AAC4-41F2-BA7A-6543E719E369}"/>
+                  </a:ext>
+                </a:extLst>
+              </p:cNvPr>
+              <p:cNvSpPr/>
+              <p:nvPr/>
+            </p:nvSpPr>
+            <p:spPr>
+              <a:xfrm>
+                <a:off x="2229210" y="5340212"/>
+                <a:ext cx="1416050" cy="306705"/>
+              </a:xfrm>
+              <a:prstGeom prst="rect">
+                <a:avLst/>
+              </a:prstGeom>
+            </p:spPr>
+            <p:txBody>
+              <a:bodyPr wrap="square">
+                <a:spAutoFit/>
+              </a:bodyPr>
+              <a:lstStyle/>
+              <a:p>
+                <a:pPr lvl="0" algn="ctr">
+                  <a:defRPr/>
+                </a:pPr>
+                <a:r>
+                  <a:rPr lang="zh-CN" altLang="en-US" sz="1400" kern="0" dirty="0">
+                    <a:ln w="0">
+                      <a:noFill/>
+                    </a:ln>
+                    <a:solidFill>
+                      <a:schemeClr val="bg1"/>
+                    </a:solidFill>
+                    <a:ea typeface="微软雅黑"/>
+                    <a:cs typeface="思源黑体 CN Bold" panose="020B0800000000000000" charset="-122"/>
+                    <a:sym typeface="Arial"/>
+                  </a:rPr>
+                  <a:t>懒饭</a:t>
+                </a:r>
+                <a:endParaRPr kumimoji="0" lang="zh-CN" altLang="en-US" sz="1400" i="0" u="none" strike="noStrike" kern="0" cap="none" spc="0" normalizeH="0" baseline="0" noProof="0" dirty="0">
+                  <a:ln w="0">
+                    <a:noFill/>
+                  </a:ln>
+                  <a:solidFill>
+                    <a:schemeClr val="bg1"/>
+                  </a:solidFill>
+                  <a:effectLst/>
+                  <a:uLnTx/>
+                  <a:uFillTx/>
+                  <a:latin typeface="Arial"/>
+                  <a:ea typeface="微软雅黑"/>
+                  <a:cs typeface="思源黑体 CN Bold" panose="020B0800000000000000" charset="-122"/>
+                  <a:sym typeface="Arial"/>
+                </a:endParaRPr>
+              </a:p>
+            </p:txBody>
+          </p:sp>
+        </p:grpSp>
+        <p:sp>
+          <p:nvSpPr>
+            <p:cNvPr id="86" name="矩形 85">
+              <a:extLst>
+                <a:ext uri="{FF2B5EF4-FFF2-40B4-BE49-F238E27FC236}">
+                  <a16:creationId xmlns:a16="http://schemas.microsoft.com/office/drawing/2014/main" id="{B3F3DD7F-42E0-4FDC-A29E-D9D5147A2E17}"/>
+                </a:ext>
+              </a:extLst>
+            </p:cNvPr>
+            <p:cNvSpPr/>
+            <p:nvPr/>
+          </p:nvSpPr>
+          <p:spPr>
+            <a:xfrm>
+              <a:off x="1630060" y="4167505"/>
+              <a:ext cx="2799122" cy="830997"/>
+            </a:xfrm>
+            <a:prstGeom prst="rect">
+              <a:avLst/>
+            </a:prstGeom>
+          </p:spPr>
+          <p:txBody>
+            <a:bodyPr wrap="square">
+              <a:spAutoFit/>
+            </a:bodyPr>
+            <a:lstStyle/>
+            <a:p>
+              <a:pPr marL="342900" lvl="0" indent="-342900">
+                <a:buAutoNum type="arabicPeriod"/>
+                <a:defRPr/>
+              </a:pPr>
+              <a:r>
+                <a:rPr lang="zh-CN" altLang="en-US" sz="1600" b="1" kern="0" dirty="0">
+                  <a:ln w="0">
+                    <a:noFill/>
+                  </a:ln>
+                  <a:solidFill>
+                    <a:schemeClr val="tx1">
+                      <a:lumMod val="65000"/>
+                      <a:lumOff val="35000"/>
+                    </a:schemeClr>
+                  </a:solidFill>
+                  <a:latin typeface="微软雅黑" panose="020B0503020204020204" pitchFamily="34" charset="-122"/>
+                  <a:ea typeface="微软雅黑" panose="020B0503020204020204" pitchFamily="34" charset="-122"/>
+                  <a:cs typeface="思源黑体 CN Bold" panose="020B0800000000000000" charset="-122"/>
+                  <a:sym typeface="Arial"/>
+                </a:rPr>
+                <a:t>无菜谱发布功能</a:t>
+              </a:r>
+              <a:endParaRPr lang="en-US" altLang="zh-CN" sz="1600" b="1" kern="0" dirty="0">
+                <a:ln w="0">
+                  <a:noFill/>
+                </a:ln>
+                <a:solidFill>
+                  <a:schemeClr val="tx1">
+                    <a:lumMod val="65000"/>
+                    <a:lumOff val="35000"/>
+                  </a:schemeClr>
+                </a:solidFill>
+                <a:latin typeface="微软雅黑" panose="020B0503020204020204" pitchFamily="34" charset="-122"/>
+                <a:ea typeface="微软雅黑" panose="020B0503020204020204" pitchFamily="34" charset="-122"/>
+                <a:cs typeface="思源黑体 CN Bold" panose="020B0800000000000000" charset="-122"/>
+                <a:sym typeface="Arial"/>
+              </a:endParaRPr>
+            </a:p>
+            <a:p>
+              <a:pPr marL="342900" lvl="0" indent="-342900">
+                <a:buAutoNum type="arabicPeriod"/>
+                <a:defRPr/>
+              </a:pPr>
+              <a:r>
+                <a:rPr lang="zh-CN" altLang="en-US" sz="1600" b="1" kern="0" dirty="0">
+                  <a:ln w="0">
+                    <a:noFill/>
+                  </a:ln>
+                  <a:solidFill>
+                    <a:schemeClr val="tx1">
+                      <a:lumMod val="65000"/>
+                      <a:lumOff val="35000"/>
+                    </a:schemeClr>
+                  </a:solidFill>
+                  <a:latin typeface="微软雅黑" panose="020B0503020204020204" pitchFamily="34" charset="-122"/>
+                  <a:ea typeface="微软雅黑" panose="020B0503020204020204" pitchFamily="34" charset="-122"/>
+                  <a:cs typeface="思源黑体 CN Bold" panose="020B0800000000000000" charset="-122"/>
+                  <a:sym typeface="Arial"/>
+                </a:rPr>
+                <a:t>菜谱由专业人士提供</a:t>
+              </a:r>
+              <a:endParaRPr lang="en-US" altLang="zh-CN" sz="1600" b="1" kern="0" dirty="0">
+                <a:ln w="0">
+                  <a:noFill/>
+                </a:ln>
+                <a:solidFill>
+                  <a:schemeClr val="tx1">
+                    <a:lumMod val="65000"/>
+                    <a:lumOff val="35000"/>
+                  </a:schemeClr>
+                </a:solidFill>
+                <a:latin typeface="微软雅黑" panose="020B0503020204020204" pitchFamily="34" charset="-122"/>
+                <a:ea typeface="微软雅黑" panose="020B0503020204020204" pitchFamily="34" charset="-122"/>
+                <a:cs typeface="思源黑体 CN Bold" panose="020B0800000000000000" charset="-122"/>
+                <a:sym typeface="Arial"/>
+              </a:endParaRPr>
+            </a:p>
+            <a:p>
+              <a:pPr marL="342900" lvl="0" indent="-342900">
+                <a:buAutoNum type="arabicPeriod"/>
+                <a:defRPr/>
+              </a:pPr>
+              <a:r>
+                <a:rPr lang="zh-CN" altLang="en-US" sz="1600" b="1" kern="0" dirty="0">
+                  <a:ln w="0">
+                    <a:noFill/>
+                  </a:ln>
+                  <a:solidFill>
+                    <a:schemeClr val="tx1">
+                      <a:lumMod val="65000"/>
+                      <a:lumOff val="35000"/>
+                    </a:schemeClr>
+                  </a:solidFill>
+                  <a:latin typeface="微软雅黑" panose="020B0503020204020204" pitchFamily="34" charset="-122"/>
+                  <a:ea typeface="微软雅黑" panose="020B0503020204020204" pitchFamily="34" charset="-122"/>
+                  <a:cs typeface="思源黑体 CN Bold" panose="020B0800000000000000" charset="-122"/>
+                  <a:sym typeface="Arial"/>
+                </a:rPr>
+                <a:t>每周餐单</a:t>
+              </a:r>
+              <a:endParaRPr kumimoji="0" lang="zh-CN" altLang="en-US" sz="1600" b="1" i="0" u="none" strike="noStrike" kern="0" cap="none" spc="0" normalizeH="0" baseline="0" noProof="0" dirty="0">
+                <a:ln w="0">
+                  <a:noFill/>
+                </a:ln>
+                <a:solidFill>
+                  <a:schemeClr val="tx1">
+                    <a:lumMod val="65000"/>
+                    <a:lumOff val="35000"/>
+                  </a:schemeClr>
+                </a:solidFill>
+                <a:effectLst/>
+                <a:uLnTx/>
+                <a:uFillTx/>
+                <a:latin typeface="微软雅黑" panose="020B0503020204020204" pitchFamily="34" charset="-122"/>
+                <a:ea typeface="微软雅黑" panose="020B0503020204020204" pitchFamily="34" charset="-122"/>
+                <a:cs typeface="思源黑体 CN Bold" panose="020B0800000000000000" charset="-122"/>
+                <a:sym typeface="Arial"/>
+              </a:endParaRPr>
+            </a:p>
+          </p:txBody>
+        </p:sp>
+      </p:grpSp>
+      <p:pic>
+        <p:nvPicPr>
+          <p:cNvPr id="90" name="图片 89">
+            <a:extLst>
+              <a:ext uri="{FF2B5EF4-FFF2-40B4-BE49-F238E27FC236}">
+                <a16:creationId xmlns:a16="http://schemas.microsoft.com/office/drawing/2014/main" id="{1C473A7A-F0BF-4AD2-8A33-3BC39C8CB51F}"/>
+              </a:ext>
+            </a:extLst>
+          </p:cNvPr>
+          <p:cNvPicPr>
+            <a:picLocks noChangeAspect="1"/>
+          </p:cNvPicPr>
+          <p:nvPr/>
+        </p:nvPicPr>
+        <p:blipFill>
+          <a:blip r:embed="rId6"/>
+          <a:stretch>
+            <a:fillRect/>
+          </a:stretch>
+        </p:blipFill>
+        <p:spPr>
+          <a:xfrm>
+            <a:off x="4049172" y="2112904"/>
+            <a:ext cx="1395606" cy="1395606"/>
+          </a:xfrm>
+          <a:prstGeom prst="rect">
+            <a:avLst/>
+          </a:prstGeom>
+        </p:spPr>
+      </p:pic>
+      <p:pic>
+        <p:nvPicPr>
+          <p:cNvPr id="91" name="图片 90">
+            <a:extLst>
+              <a:ext uri="{FF2B5EF4-FFF2-40B4-BE49-F238E27FC236}">
+                <a16:creationId xmlns:a16="http://schemas.microsoft.com/office/drawing/2014/main" id="{7AD27851-E90A-4F8D-BC3A-24C424DD8E56}"/>
+              </a:ext>
+            </a:extLst>
+          </p:cNvPr>
+          <p:cNvPicPr>
+            <a:picLocks noChangeAspect="1"/>
+          </p:cNvPicPr>
+          <p:nvPr/>
+        </p:nvPicPr>
+        <p:blipFill>
+          <a:blip r:embed="rId7"/>
+          <a:stretch>
+            <a:fillRect/>
+          </a:stretch>
+        </p:blipFill>
+        <p:spPr>
+          <a:xfrm>
+            <a:off x="6787929" y="2143252"/>
+            <a:ext cx="1328765" cy="1313314"/>
+          </a:xfrm>
+          <a:prstGeom prst="rect">
+            <a:avLst/>
+          </a:prstGeom>
+        </p:spPr>
+      </p:pic>
+      <p:pic>
+        <p:nvPicPr>
+          <p:cNvPr id="92" name="图片 91">
+            <a:extLst>
+              <a:ext uri="{FF2B5EF4-FFF2-40B4-BE49-F238E27FC236}">
+                <a16:creationId xmlns:a16="http://schemas.microsoft.com/office/drawing/2014/main" id="{9AA96B59-09F6-4A51-AED1-254CA26A388A}"/>
+              </a:ext>
+            </a:extLst>
+          </p:cNvPr>
+          <p:cNvPicPr>
+            <a:picLocks noChangeAspect="1"/>
+          </p:cNvPicPr>
+          <p:nvPr/>
+        </p:nvPicPr>
+        <p:blipFill>
+          <a:blip r:embed="rId8"/>
+          <a:stretch>
+            <a:fillRect/>
+          </a:stretch>
+        </p:blipFill>
+        <p:spPr>
+          <a:xfrm>
+            <a:off x="9289661" y="2165675"/>
+            <a:ext cx="1324375" cy="1324375"/>
+          </a:xfrm>
+          <a:prstGeom prst="rect">
+            <a:avLst/>
+          </a:prstGeom>
+        </p:spPr>
+      </p:pic>
+      <p:grpSp>
+        <p:nvGrpSpPr>
+          <p:cNvPr id="93" name="组合 内容1">
+            <a:extLst>
+              <a:ext uri="{FF2B5EF4-FFF2-40B4-BE49-F238E27FC236}">
+                <a16:creationId xmlns:a16="http://schemas.microsoft.com/office/drawing/2014/main" id="{EB2C7E9C-B650-4857-94E2-62085B6F6951}"/>
+              </a:ext>
+            </a:extLst>
+          </p:cNvPr>
+          <p:cNvGrpSpPr/>
+          <p:nvPr/>
+        </p:nvGrpSpPr>
+        <p:grpSpPr>
+          <a:xfrm>
+            <a:off x="5086350" y="1339700"/>
+            <a:ext cx="1894205" cy="398780"/>
+            <a:chOff x="5086350" y="1896745"/>
+            <a:chExt cx="1894205" cy="398780"/>
+          </a:xfrm>
+        </p:grpSpPr>
+        <p:sp>
+          <p:nvSpPr>
+            <p:cNvPr id="95" name="矩形 94">
+              <a:extLst>
+                <a:ext uri="{FF2B5EF4-FFF2-40B4-BE49-F238E27FC236}">
+                  <a16:creationId xmlns:a16="http://schemas.microsoft.com/office/drawing/2014/main" id="{BD1EAD0F-54D0-4932-B01E-FEDBF4444C92}"/>
+                </a:ext>
+              </a:extLst>
+            </p:cNvPr>
+            <p:cNvSpPr/>
+            <p:nvPr/>
+          </p:nvSpPr>
+          <p:spPr>
+            <a:xfrm>
+              <a:off x="5277453" y="2190115"/>
+              <a:ext cx="1512000" cy="72000"/>
+            </a:xfrm>
+            <a:prstGeom prst="rect">
+              <a:avLst/>
+            </a:prstGeom>
+            <a:solidFill>
+              <a:schemeClr val="accent4">
+                <a:lumMod val="75000"/>
+              </a:schemeClr>
+            </a:solidFill>
+            <a:ln>
+              <a:noFill/>
+            </a:ln>
+          </p:spPr>
+          <p:style>
+            <a:lnRef idx="2">
+              <a:schemeClr val="accent1">
+                <a:shade val="50000"/>
+              </a:schemeClr>
+            </a:lnRef>
+            <a:fillRef idx="1">
+              <a:schemeClr val="accent1"/>
+            </a:fillRef>
+            <a:effectRef idx="0">
+              <a:schemeClr val="accent1"/>
+            </a:effectRef>
+            <a:fontRef idx="minor">
+              <a:schemeClr val="lt1"/>
+            </a:fontRef>
+          </p:style>
+          <p:txBody>
+            <a:bodyPr rtlCol="0" anchor="ctr"/>
+            <a:lstStyle/>
+            <a:p>
+              <a:pPr algn="ctr"/>
+              <a:endParaRPr lang="zh-CN" altLang="en-US">
+                <a:latin typeface="Arial"/>
+                <a:ea typeface="微软雅黑"/>
+                <a:sym typeface="Arial"/>
+              </a:endParaRPr>
+            </a:p>
+          </p:txBody>
+        </p:sp>
+        <p:sp>
+          <p:nvSpPr>
+            <p:cNvPr id="96" name="矩形 95">
+              <a:extLst>
+                <a:ext uri="{FF2B5EF4-FFF2-40B4-BE49-F238E27FC236}">
+                  <a16:creationId xmlns:a16="http://schemas.microsoft.com/office/drawing/2014/main" id="{E72D5DD4-2FF9-4F1E-A197-D9031120D276}"/>
+                </a:ext>
+              </a:extLst>
+            </p:cNvPr>
+            <p:cNvSpPr/>
+            <p:nvPr/>
+          </p:nvSpPr>
+          <p:spPr>
+            <a:xfrm>
+              <a:off x="5086350" y="1896745"/>
+              <a:ext cx="1894205" cy="398780"/>
+            </a:xfrm>
+            <a:prstGeom prst="rect">
+              <a:avLst/>
+            </a:prstGeom>
+          </p:spPr>
+          <p:txBody>
+            <a:bodyPr wrap="square">
+              <a:spAutoFit/>
+            </a:bodyPr>
+            <a:lstStyle/>
+            <a:p>
+              <a:pPr lvl="0" algn="ctr">
+                <a:defRPr/>
+              </a:pPr>
+              <a:r>
+                <a:rPr lang="zh-CN" altLang="en-US" sz="2000" kern="0" dirty="0">
+                  <a:ln w="0">
+                    <a:noFill/>
+                  </a:ln>
+                  <a:ea typeface="微软雅黑"/>
+                  <a:cs typeface="思源黑体 CN Bold" panose="020B0800000000000000" charset="-122"/>
+                  <a:sym typeface="Arial"/>
+                </a:rPr>
+                <a:t>竞品分析</a:t>
+              </a:r>
+            </a:p>
+          </p:txBody>
+        </p:sp>
+      </p:grpSp>
+      <p:sp>
+        <p:nvSpPr>
+          <p:cNvPr id="98" name="矩形 97">
+            <a:extLst>
+              <a:ext uri="{FF2B5EF4-FFF2-40B4-BE49-F238E27FC236}">
+                <a16:creationId xmlns:a16="http://schemas.microsoft.com/office/drawing/2014/main" id="{E0E18303-C8BE-4F20-A113-89C51689A470}"/>
+              </a:ext>
+            </a:extLst>
+          </p:cNvPr>
+          <p:cNvSpPr/>
+          <p:nvPr/>
+        </p:nvSpPr>
+        <p:spPr>
+          <a:xfrm>
+            <a:off x="3276035" y="5322037"/>
+            <a:ext cx="2819965" cy="923330"/>
+          </a:xfrm>
+          <a:prstGeom prst="rect">
+            <a:avLst/>
+          </a:prstGeom>
+        </p:spPr>
+        <p:txBody>
+          <a:bodyPr wrap="square">
+            <a:spAutoFit/>
+          </a:bodyPr>
+          <a:lstStyle/>
+          <a:p>
+            <a:pPr marL="342900" indent="-342900">
+              <a:buFont typeface="+mj-lt"/>
+              <a:buAutoNum type="arabicPeriod"/>
+            </a:pPr>
+            <a:r>
+              <a:rPr lang="zh-CN" altLang="zh-CN" kern="100" dirty="0">
+                <a:latin typeface="微软雅黑" panose="020B0503020204020204" pitchFamily="34" charset="-122"/>
+                <a:ea typeface="微软雅黑" panose="020B0503020204020204" pitchFamily="34" charset="-122"/>
+                <a:cs typeface="Times New Roman" panose="02020603050405020304" pitchFamily="18" charset="0"/>
+              </a:rPr>
+              <a:t>菜谱分类杂乱</a:t>
+            </a:r>
+            <a:endParaRPr lang="en-US" altLang="zh-CN" kern="100" dirty="0">
+              <a:latin typeface="微软雅黑" panose="020B0503020204020204" pitchFamily="34" charset="-122"/>
+              <a:ea typeface="微软雅黑" panose="020B0503020204020204" pitchFamily="34" charset="-122"/>
+              <a:cs typeface="Times New Roman" panose="02020603050405020304" pitchFamily="18" charset="0"/>
+            </a:endParaRPr>
+          </a:p>
+          <a:p>
+            <a:pPr marL="342900" indent="-342900">
+              <a:buFont typeface="+mj-lt"/>
+              <a:buAutoNum type="arabicPeriod"/>
+            </a:pPr>
+            <a:r>
+              <a:rPr lang="zh-CN" altLang="zh-CN" kern="100" dirty="0">
+                <a:latin typeface="微软雅黑" panose="020B0503020204020204" pitchFamily="34" charset="-122"/>
+                <a:ea typeface="微软雅黑" panose="020B0503020204020204" pitchFamily="34" charset="-122"/>
+                <a:cs typeface="Times New Roman" panose="02020603050405020304" pitchFamily="18" charset="0"/>
+              </a:rPr>
+              <a:t>烹饪步骤描述模糊</a:t>
+            </a:r>
+            <a:endParaRPr lang="en-US" altLang="zh-CN" kern="100" dirty="0">
+              <a:latin typeface="微软雅黑" panose="020B0503020204020204" pitchFamily="34" charset="-122"/>
+              <a:ea typeface="微软雅黑" panose="020B0503020204020204" pitchFamily="34" charset="-122"/>
+              <a:cs typeface="Times New Roman" panose="02020603050405020304" pitchFamily="18" charset="0"/>
+            </a:endParaRPr>
+          </a:p>
+          <a:p>
+            <a:pPr marL="342900" indent="-342900">
+              <a:buFont typeface="+mj-lt"/>
+              <a:buAutoNum type="arabicPeriod"/>
+            </a:pPr>
+            <a:r>
+              <a:rPr lang="zh-CN" altLang="zh-CN" kern="100" dirty="0">
+                <a:latin typeface="微软雅黑" panose="020B0503020204020204" pitchFamily="34" charset="-122"/>
+                <a:ea typeface="微软雅黑" panose="020B0503020204020204" pitchFamily="34" charset="-122"/>
+                <a:cs typeface="Times New Roman" panose="02020603050405020304" pitchFamily="18" charset="0"/>
+              </a:rPr>
+              <a:t>食材清单不够精准详细</a:t>
+            </a:r>
+          </a:p>
+        </p:txBody>
+      </p:sp>
+      <p:sp>
+        <p:nvSpPr>
+          <p:cNvPr id="100" name="矩形 99">
+            <a:extLst>
+              <a:ext uri="{FF2B5EF4-FFF2-40B4-BE49-F238E27FC236}">
+                <a16:creationId xmlns:a16="http://schemas.microsoft.com/office/drawing/2014/main" id="{501A0386-E575-4FC1-A54D-812EEE13A378}"/>
+              </a:ext>
+            </a:extLst>
+          </p:cNvPr>
+          <p:cNvSpPr/>
+          <p:nvPr/>
+        </p:nvSpPr>
+        <p:spPr>
+          <a:xfrm>
+            <a:off x="6348128" y="5336960"/>
+            <a:ext cx="2444659" cy="923330"/>
+          </a:xfrm>
+          <a:prstGeom prst="rect">
+            <a:avLst/>
+          </a:prstGeom>
+        </p:spPr>
+        <p:txBody>
+          <a:bodyPr wrap="square">
+            <a:spAutoFit/>
+          </a:bodyPr>
+          <a:lstStyle/>
+          <a:p>
+            <a:pPr marL="342900" indent="-342900">
+              <a:buFont typeface="+mj-lt"/>
+              <a:buAutoNum type="arabicPeriod" startAt="4"/>
+            </a:pPr>
+            <a:r>
+              <a:rPr lang="zh-CN" altLang="zh-CN" kern="100" dirty="0">
+                <a:latin typeface="微软雅黑" panose="020B0503020204020204" pitchFamily="34" charset="-122"/>
+                <a:ea typeface="微软雅黑" panose="020B0503020204020204" pitchFamily="34" charset="-122"/>
+                <a:cs typeface="Times New Roman" panose="02020603050405020304" pitchFamily="18" charset="0"/>
+              </a:rPr>
+              <a:t>趣味性不佳</a:t>
+            </a:r>
+            <a:endParaRPr lang="en-US" altLang="zh-CN" kern="100" dirty="0">
+              <a:latin typeface="微软雅黑" panose="020B0503020204020204" pitchFamily="34" charset="-122"/>
+              <a:ea typeface="微软雅黑" panose="020B0503020204020204" pitchFamily="34" charset="-122"/>
+              <a:cs typeface="Times New Roman" panose="02020603050405020304" pitchFamily="18" charset="0"/>
+            </a:endParaRPr>
+          </a:p>
+          <a:p>
+            <a:pPr marL="342900" indent="-342900">
+              <a:buFont typeface="+mj-lt"/>
+              <a:buAutoNum type="arabicPeriod" startAt="4"/>
+            </a:pPr>
+            <a:r>
+              <a:rPr lang="zh-CN" altLang="zh-CN" kern="100" dirty="0">
+                <a:latin typeface="微软雅黑" panose="020B0503020204020204" pitchFamily="34" charset="-122"/>
+                <a:ea typeface="微软雅黑" panose="020B0503020204020204" pitchFamily="34" charset="-122"/>
+                <a:cs typeface="Times New Roman" panose="02020603050405020304" pitchFamily="18" charset="0"/>
+              </a:rPr>
+              <a:t>功能散乱缺失</a:t>
+            </a:r>
+            <a:endParaRPr lang="en-US" altLang="zh-CN" kern="100" dirty="0">
+              <a:latin typeface="微软雅黑" panose="020B0503020204020204" pitchFamily="34" charset="-122"/>
+              <a:ea typeface="微软雅黑" panose="020B0503020204020204" pitchFamily="34" charset="-122"/>
+              <a:cs typeface="Times New Roman" panose="02020603050405020304" pitchFamily="18" charset="0"/>
+            </a:endParaRPr>
+          </a:p>
+          <a:p>
+            <a:pPr marL="342900" indent="-342900">
+              <a:buFont typeface="+mj-lt"/>
+              <a:buAutoNum type="arabicPeriod" startAt="4"/>
+            </a:pPr>
+            <a:r>
+              <a:rPr lang="zh-CN" altLang="zh-CN" kern="100" dirty="0">
+                <a:latin typeface="微软雅黑" panose="020B0503020204020204" pitchFamily="34" charset="-122"/>
+                <a:ea typeface="微软雅黑" panose="020B0503020204020204" pitchFamily="34" charset="-122"/>
+                <a:cs typeface="Times New Roman" panose="02020603050405020304" pitchFamily="18" charset="0"/>
+              </a:rPr>
+              <a:t>发布菜谱步骤繁琐</a:t>
+            </a:r>
+          </a:p>
+        </p:txBody>
+      </p:sp>
+    </p:spTree>
+    <p:extLst>
+      <p:ext uri="{BB962C8B-B14F-4D97-AF65-F5344CB8AC3E}">
+        <p14:creationId xmlns:p14="http://schemas.microsoft.com/office/powerpoint/2010/main" val="489674241"/>
+      </p:ext>
+    </p:extLst>
+  </p:cSld>
+  <p:clrMapOvr>
+    <a:masterClrMapping/>
+  </p:clrMapOvr>
+</p:sld>
+</file>
+
+<file path=ppt/slides/slide8.xml><?xml version="1.0" encoding="utf-8"?>
+<p:sld xmlns:a="http://schemas.openxmlformats.org/drawingml/2006/main" xmlns:r="http://schemas.openxmlformats.org/officeDocument/2006/relationships" xmlns:p="http://schemas.openxmlformats.org/presentationml/2006/main">
+  <p:cSld>
+    <p:spTree>
+      <p:nvGrpSpPr>
+        <p:cNvPr id="1" name=""/>
+        <p:cNvGrpSpPr/>
+        <p:nvPr/>
+      </p:nvGrpSpPr>
+      <p:grpSpPr>
+        <a:xfrm>
+          <a:off x="0" y="0"/>
+          <a:ext cx="0" cy="0"/>
+          <a:chOff x="0" y="0"/>
+          <a:chExt cx="0" cy="0"/>
+        </a:xfrm>
+      </p:grpSpPr>
+      <p:grpSp>
+        <p:nvGrpSpPr>
+          <p:cNvPr id="4" name="组合 3">
+            <a:extLst>
+              <a:ext uri="{FF2B5EF4-FFF2-40B4-BE49-F238E27FC236}">
+                <a16:creationId xmlns:a16="http://schemas.microsoft.com/office/drawing/2014/main" id="{0E541393-DBC7-4181-9787-0F0F6726F220}"/>
+              </a:ext>
+            </a:extLst>
+          </p:cNvPr>
+          <p:cNvGrpSpPr/>
+          <p:nvPr/>
+        </p:nvGrpSpPr>
+        <p:grpSpPr>
+          <a:xfrm>
+            <a:off x="635" y="-25400"/>
+            <a:ext cx="12197080" cy="6899910"/>
+            <a:chOff x="635" y="-25400"/>
+            <a:chExt cx="12197080" cy="6899910"/>
+          </a:xfrm>
+        </p:grpSpPr>
+        <p:sp>
+          <p:nvSpPr>
+            <p:cNvPr id="5" name="矩形 背景">
+              <a:extLst>
+                <a:ext uri="{FF2B5EF4-FFF2-40B4-BE49-F238E27FC236}">
+                  <a16:creationId xmlns:a16="http://schemas.microsoft.com/office/drawing/2014/main" id="{64DAAFEC-AFFD-4160-BC94-E974F9F3D60C}"/>
+                </a:ext>
+              </a:extLst>
+            </p:cNvPr>
+            <p:cNvSpPr/>
+            <p:nvPr/>
+          </p:nvSpPr>
+          <p:spPr>
+            <a:xfrm>
+              <a:off x="635" y="-25400"/>
+              <a:ext cx="12197080" cy="6899910"/>
+            </a:xfrm>
+            <a:prstGeom prst="rect">
+              <a:avLst/>
+            </a:prstGeom>
+            <a:solidFill>
+              <a:srgbClr val="DBE1EA"/>
+            </a:solidFill>
+            <a:ln>
+              <a:noFill/>
+            </a:ln>
+          </p:spPr>
+          <p:style>
+            <a:lnRef idx="2">
+              <a:schemeClr val="accent1">
+                <a:shade val="50000"/>
+              </a:schemeClr>
+            </a:lnRef>
+            <a:fillRef idx="1">
+              <a:schemeClr val="accent1"/>
+            </a:fillRef>
+            <a:effectRef idx="0">
+              <a:schemeClr val="accent1"/>
+            </a:effectRef>
+            <a:fontRef idx="minor">
+              <a:schemeClr val="lt1"/>
+            </a:fontRef>
+          </p:style>
+          <p:txBody>
+            <a:bodyPr rtlCol="0" anchor="ctr"/>
+            <a:lstStyle/>
+            <a:p>
+              <a:pPr algn="ctr"/>
+              <a:endParaRPr lang="zh-CN" altLang="en-US">
+                <a:latin typeface="Arial"/>
+                <a:ea typeface="微软雅黑"/>
+                <a:sym typeface="Arial"/>
+              </a:endParaRPr>
+            </a:p>
+          </p:txBody>
+        </p:sp>
+        <p:grpSp>
+          <p:nvGrpSpPr>
+            <p:cNvPr id="6" name="组合 5">
+              <a:extLst>
+                <a:ext uri="{FF2B5EF4-FFF2-40B4-BE49-F238E27FC236}">
+                  <a16:creationId xmlns:a16="http://schemas.microsoft.com/office/drawing/2014/main" id="{4FAFA875-368F-4BC3-885E-9F10ED1766E5}"/>
+                </a:ext>
+              </a:extLst>
+            </p:cNvPr>
+            <p:cNvGrpSpPr/>
+            <p:nvPr/>
+          </p:nvGrpSpPr>
+          <p:grpSpPr>
+            <a:xfrm>
+              <a:off x="242252" y="459105"/>
+              <a:ext cx="11072813" cy="5981700"/>
+              <a:chOff x="242252" y="459105"/>
+              <a:chExt cx="11072813" cy="5981700"/>
+            </a:xfrm>
+          </p:grpSpPr>
+          <p:sp>
+            <p:nvSpPr>
+              <p:cNvPr id="10" name="圆角矩形 5">
+                <a:extLst>
+                  <a:ext uri="{FF2B5EF4-FFF2-40B4-BE49-F238E27FC236}">
+                    <a16:creationId xmlns:a16="http://schemas.microsoft.com/office/drawing/2014/main" id="{EFEBA6BF-0670-420D-B96A-AD084EAEAABF}"/>
+                  </a:ext>
+                </a:extLst>
+              </p:cNvPr>
+              <p:cNvSpPr/>
+              <p:nvPr/>
+            </p:nvSpPr>
+            <p:spPr>
+              <a:xfrm>
+                <a:off x="732155" y="459105"/>
+                <a:ext cx="10563225" cy="5981700"/>
+              </a:xfrm>
+              <a:prstGeom prst="roundRect">
+                <a:avLst>
+                  <a:gd name="adj" fmla="val 5488"/>
+                </a:avLst>
+              </a:prstGeom>
+              <a:gradFill>
+                <a:gsLst>
+                  <a:gs pos="25000">
+                    <a:schemeClr val="bg1">
+                      <a:alpha val="100000"/>
+                    </a:schemeClr>
+                  </a:gs>
+                  <a:gs pos="99000">
+                    <a:srgbClr val="CFD8E9">
+                      <a:alpha val="68000"/>
+                    </a:srgbClr>
+                  </a:gs>
+                </a:gsLst>
+                <a:lin ang="1560000" scaled="0"/>
+              </a:gradFill>
+              <a:ln>
+                <a:noFill/>
+              </a:ln>
+              <a:effectLst>
+                <a:outerShdw blurRad="571500" dist="266700" dir="3180000" algn="tl" rotWithShape="0">
+                  <a:schemeClr val="tx2">
+                    <a:lumMod val="75000"/>
+                    <a:lumOff val="25000"/>
+                    <a:alpha val="13000"/>
+                  </a:schemeClr>
+                </a:outerShdw>
+              </a:effectLst>
+            </p:spPr>
+            <p:style>
+              <a:lnRef idx="2">
+                <a:schemeClr val="accent1">
+                  <a:shade val="50000"/>
+                </a:schemeClr>
+              </a:lnRef>
+              <a:fillRef idx="1">
+                <a:schemeClr val="accent1"/>
+              </a:fillRef>
+              <a:effectRef idx="0">
+                <a:schemeClr val="accent1"/>
+              </a:effectRef>
+              <a:fontRef idx="minor">
+                <a:schemeClr val="lt1"/>
+              </a:fontRef>
+            </p:style>
+            <p:txBody>
+              <a:bodyPr rtlCol="0" anchor="ctr"/>
+              <a:lstStyle/>
+              <a:p>
+                <a:pPr algn="ctr"/>
+                <a:endParaRPr lang="zh-CN" altLang="en-US">
+                  <a:latin typeface="Arial"/>
+                  <a:ea typeface="微软雅黑"/>
+                  <a:sym typeface="Arial"/>
+                </a:endParaRPr>
+              </a:p>
+            </p:txBody>
+          </p:sp>
+          <p:sp>
+            <p:nvSpPr>
+              <p:cNvPr id="11" name="圆角矩形 9">
+                <a:extLst>
+                  <a:ext uri="{FF2B5EF4-FFF2-40B4-BE49-F238E27FC236}">
+                    <a16:creationId xmlns:a16="http://schemas.microsoft.com/office/drawing/2014/main" id="{5F6CB8FA-CEE2-44A0-889E-E5CBD752C431}"/>
+                  </a:ext>
+                </a:extLst>
+              </p:cNvPr>
+              <p:cNvSpPr/>
+              <p:nvPr/>
+            </p:nvSpPr>
+            <p:spPr>
+              <a:xfrm>
+                <a:off x="751840" y="487045"/>
+                <a:ext cx="10563225" cy="5953125"/>
+              </a:xfrm>
+              <a:prstGeom prst="roundRect">
+                <a:avLst>
+                  <a:gd name="adj" fmla="val 5063"/>
+                </a:avLst>
+              </a:prstGeom>
+              <a:gradFill>
+                <a:gsLst>
+                  <a:gs pos="25000">
+                    <a:srgbClr val="F0F4FD"/>
+                  </a:gs>
+                  <a:gs pos="99000">
+                    <a:srgbClr val="CFD8E9">
+                      <a:alpha val="78000"/>
+                    </a:srgbClr>
+                  </a:gs>
+                </a:gsLst>
+                <a:lin ang="1560000" scaled="0"/>
+              </a:gradFill>
+              <a:ln>
+                <a:noFill/>
+              </a:ln>
+            </p:spPr>
+            <p:style>
+              <a:lnRef idx="2">
+                <a:schemeClr val="accent1">
+                  <a:shade val="50000"/>
+                </a:schemeClr>
+              </a:lnRef>
+              <a:fillRef idx="1">
+                <a:schemeClr val="accent1"/>
+              </a:fillRef>
+              <a:effectRef idx="0">
+                <a:schemeClr val="accent1"/>
+              </a:effectRef>
+              <a:fontRef idx="minor">
+                <a:schemeClr val="lt1"/>
+              </a:fontRef>
+            </p:style>
+            <p:txBody>
+              <a:bodyPr rtlCol="0" anchor="ctr"/>
+              <a:lstStyle/>
+              <a:p>
+                <a:pPr algn="ctr"/>
+                <a:endParaRPr lang="zh-CN" altLang="en-US">
+                  <a:latin typeface="Arial"/>
+                  <a:ea typeface="微软雅黑"/>
+                  <a:sym typeface="Arial"/>
+                </a:endParaRPr>
+              </a:p>
+            </p:txBody>
+          </p:sp>
+          <p:pic>
+            <p:nvPicPr>
+              <p:cNvPr id="12" name="图片 11" descr="椭圆 1">
+                <a:extLst>
+                  <a:ext uri="{FF2B5EF4-FFF2-40B4-BE49-F238E27FC236}">
+                    <a16:creationId xmlns:a16="http://schemas.microsoft.com/office/drawing/2014/main" id="{93B88E9D-2AD7-4E9C-AD91-0A9541C86961}"/>
+                  </a:ext>
+                </a:extLst>
+              </p:cNvPr>
+              <p:cNvPicPr>
+                <a:picLocks noChangeAspect="1"/>
+              </p:cNvPicPr>
+              <p:nvPr/>
+            </p:nvPicPr>
+            <p:blipFill>
+              <a:blip r:embed="rId2"/>
+              <a:srcRect l="13828" t="28344" r="73984" b="58494"/>
+              <a:stretch>
+                <a:fillRect/>
+              </a:stretch>
+            </p:blipFill>
+            <p:spPr>
+              <a:xfrm rot="16200000">
+                <a:off x="27940" y="1080135"/>
+                <a:ext cx="1140460" cy="711835"/>
+              </a:xfrm>
+              <a:prstGeom prst="rect">
+                <a:avLst/>
+              </a:prstGeom>
+            </p:spPr>
+          </p:pic>
+          <p:pic>
+            <p:nvPicPr>
+              <p:cNvPr id="13" name="图片 12" descr="椭圆 1 拷贝">
+                <a:extLst>
+                  <a:ext uri="{FF2B5EF4-FFF2-40B4-BE49-F238E27FC236}">
+                    <a16:creationId xmlns:a16="http://schemas.microsoft.com/office/drawing/2014/main" id="{BC79135F-394A-4F14-8DA6-9D4F523BCBDB}"/>
+                  </a:ext>
+                </a:extLst>
+              </p:cNvPr>
+              <p:cNvPicPr>
+                <a:picLocks noChangeAspect="1"/>
+              </p:cNvPicPr>
+              <p:nvPr/>
+            </p:nvPicPr>
+            <p:blipFill>
+              <a:blip r:embed="rId3"/>
+              <a:srcRect l="13057" t="37477" r="70461" b="42655"/>
+              <a:stretch>
+                <a:fillRect/>
+              </a:stretch>
+            </p:blipFill>
+            <p:spPr>
+              <a:xfrm rot="16200000">
+                <a:off x="495935" y="817245"/>
+                <a:ext cx="1456055" cy="988060"/>
+              </a:xfrm>
+              <a:prstGeom prst="rect">
+                <a:avLst/>
+              </a:prstGeom>
+            </p:spPr>
+          </p:pic>
+        </p:grpSp>
+        <p:grpSp>
+          <p:nvGrpSpPr>
+            <p:cNvPr id="7" name="组合 标题">
+              <a:extLst>
+                <a:ext uri="{FF2B5EF4-FFF2-40B4-BE49-F238E27FC236}">
+                  <a16:creationId xmlns:a16="http://schemas.microsoft.com/office/drawing/2014/main" id="{29AD5A47-BB6D-4BEE-9731-1854E9293250}"/>
+                </a:ext>
+              </a:extLst>
+            </p:cNvPr>
+            <p:cNvGrpSpPr/>
+            <p:nvPr/>
+          </p:nvGrpSpPr>
+          <p:grpSpPr>
+            <a:xfrm>
+              <a:off x="1260475" y="1039495"/>
+              <a:ext cx="2163445" cy="605482"/>
+              <a:chOff x="1260475" y="1039495"/>
+              <a:chExt cx="2163445" cy="605482"/>
+            </a:xfrm>
+          </p:grpSpPr>
+          <p:sp>
+            <p:nvSpPr>
+              <p:cNvPr id="8" name="文本框 7">
+                <a:extLst>
+                  <a:ext uri="{FF2B5EF4-FFF2-40B4-BE49-F238E27FC236}">
+                    <a16:creationId xmlns:a16="http://schemas.microsoft.com/office/drawing/2014/main" id="{3596E63C-0EF5-45FA-8D81-4C149A25AC74}"/>
+                  </a:ext>
+                </a:extLst>
+              </p:cNvPr>
+              <p:cNvSpPr txBox="1"/>
+              <p:nvPr/>
+            </p:nvSpPr>
+            <p:spPr>
+              <a:xfrm>
+                <a:off x="1260475" y="1414145"/>
+                <a:ext cx="1383712" cy="230832"/>
+              </a:xfrm>
+              <a:prstGeom prst="rect">
+                <a:avLst/>
+              </a:prstGeom>
+              <a:noFill/>
+            </p:spPr>
+            <p:txBody>
+              <a:bodyPr wrap="none" rtlCol="0">
+                <a:spAutoFit/>
+              </a:bodyPr>
+              <a:lstStyle/>
+              <a:p>
+                <a:r>
+                  <a:rPr lang="en-US" altLang="zh-CN" sz="900" kern="0" dirty="0">
+                    <a:solidFill>
+                      <a:schemeClr val="tx1">
+                        <a:lumMod val="50000"/>
+                        <a:lumOff val="50000"/>
+                      </a:schemeClr>
+                    </a:solidFill>
+                    <a:ea typeface="微软雅黑"/>
+                    <a:cs typeface="思源黑体 CN Bold" panose="020B0800000000000000" charset="-122"/>
+                    <a:sym typeface="Arial"/>
+                  </a:rPr>
+                  <a:t>Main research contents</a:t>
+                </a:r>
+              </a:p>
+            </p:txBody>
+          </p:sp>
+          <p:sp>
+            <p:nvSpPr>
+              <p:cNvPr id="9" name="矩形 8">
+                <a:extLst>
+                  <a:ext uri="{FF2B5EF4-FFF2-40B4-BE49-F238E27FC236}">
+                    <a16:creationId xmlns:a16="http://schemas.microsoft.com/office/drawing/2014/main" id="{813B8F19-86FD-4741-954C-6509145DE62C}"/>
+                  </a:ext>
+                </a:extLst>
+              </p:cNvPr>
+              <p:cNvSpPr/>
+              <p:nvPr/>
+            </p:nvSpPr>
+            <p:spPr>
+              <a:xfrm>
+                <a:off x="1260475" y="1039495"/>
+                <a:ext cx="2163445" cy="461665"/>
+              </a:xfrm>
+              <a:prstGeom prst="rect">
+                <a:avLst/>
+              </a:prstGeom>
+            </p:spPr>
+            <p:txBody>
+              <a:bodyPr wrap="square">
+                <a:spAutoFit/>
+              </a:bodyPr>
+              <a:lstStyle/>
+              <a:p>
+                <a:pPr lvl="0">
+                  <a:defRPr/>
+                </a:pPr>
+                <a:r>
+                  <a:rPr lang="zh-CN" altLang="en-US" sz="2400" kern="0" dirty="0">
+                    <a:ln w="0">
+                      <a:noFill/>
+                    </a:ln>
+                    <a:solidFill>
+                      <a:srgbClr val="1857F6"/>
+                    </a:solidFill>
+                    <a:ea typeface="微软雅黑"/>
+                    <a:cs typeface="思源黑体 CN Heavy" panose="020B0A00000000000000" charset="-122"/>
+                    <a:sym typeface="Arial"/>
+                  </a:rPr>
+                  <a:t>主要研究内容</a:t>
+                </a:r>
+              </a:p>
+            </p:txBody>
+          </p:sp>
+        </p:grpSp>
+      </p:grpSp>
+      <p:grpSp>
+        <p:nvGrpSpPr>
+          <p:cNvPr id="14" name="组合 内容1">
+            <a:extLst>
+              <a:ext uri="{FF2B5EF4-FFF2-40B4-BE49-F238E27FC236}">
+                <a16:creationId xmlns:a16="http://schemas.microsoft.com/office/drawing/2014/main" id="{C3D11F59-31C3-43A5-B154-413F7501B4DF}"/>
+              </a:ext>
+            </a:extLst>
+          </p:cNvPr>
+          <p:cNvGrpSpPr/>
+          <p:nvPr/>
+        </p:nvGrpSpPr>
+        <p:grpSpPr>
+          <a:xfrm>
+            <a:off x="1697084" y="2006283"/>
+            <a:ext cx="1894205" cy="398780"/>
+            <a:chOff x="5086350" y="1896745"/>
+            <a:chExt cx="1894205" cy="398780"/>
+          </a:xfrm>
+        </p:grpSpPr>
+        <p:sp>
+          <p:nvSpPr>
+            <p:cNvPr id="15" name="矩形 14">
+              <a:extLst>
+                <a:ext uri="{FF2B5EF4-FFF2-40B4-BE49-F238E27FC236}">
+                  <a16:creationId xmlns:a16="http://schemas.microsoft.com/office/drawing/2014/main" id="{079D0348-7079-4A23-8CBF-BE260612CA8B}"/>
+                </a:ext>
+              </a:extLst>
+            </p:cNvPr>
+            <p:cNvSpPr/>
+            <p:nvPr/>
+          </p:nvSpPr>
+          <p:spPr>
+            <a:xfrm>
+              <a:off x="5277453" y="2190115"/>
+              <a:ext cx="1512000" cy="72000"/>
+            </a:xfrm>
+            <a:prstGeom prst="rect">
+              <a:avLst/>
+            </a:prstGeom>
+            <a:solidFill>
+              <a:schemeClr val="accent4">
+                <a:lumMod val="75000"/>
+              </a:schemeClr>
+            </a:solidFill>
+            <a:ln>
+              <a:noFill/>
+            </a:ln>
+          </p:spPr>
+          <p:style>
+            <a:lnRef idx="2">
+              <a:schemeClr val="accent1">
+                <a:shade val="50000"/>
+              </a:schemeClr>
+            </a:lnRef>
+            <a:fillRef idx="1">
+              <a:schemeClr val="accent1"/>
+            </a:fillRef>
+            <a:effectRef idx="0">
+              <a:schemeClr val="accent1"/>
+            </a:effectRef>
+            <a:fontRef idx="minor">
+              <a:schemeClr val="lt1"/>
+            </a:fontRef>
+          </p:style>
+          <p:txBody>
+            <a:bodyPr rtlCol="0" anchor="ctr"/>
+            <a:lstStyle/>
+            <a:p>
+              <a:pPr algn="ctr"/>
+              <a:endParaRPr lang="zh-CN" altLang="en-US">
+                <a:latin typeface="Arial"/>
+                <a:ea typeface="微软雅黑"/>
+                <a:sym typeface="Arial"/>
+              </a:endParaRPr>
+            </a:p>
+          </p:txBody>
+        </p:sp>
+        <p:sp>
+          <p:nvSpPr>
+            <p:cNvPr id="16" name="矩形 15">
+              <a:extLst>
+                <a:ext uri="{FF2B5EF4-FFF2-40B4-BE49-F238E27FC236}">
+                  <a16:creationId xmlns:a16="http://schemas.microsoft.com/office/drawing/2014/main" id="{803B5E0B-6B7B-457D-BF74-57F259BFAC5C}"/>
+                </a:ext>
+              </a:extLst>
+            </p:cNvPr>
+            <p:cNvSpPr/>
+            <p:nvPr/>
+          </p:nvSpPr>
+          <p:spPr>
+            <a:xfrm>
+              <a:off x="5086350" y="1896745"/>
+              <a:ext cx="1894205" cy="398780"/>
+            </a:xfrm>
+            <a:prstGeom prst="rect">
+              <a:avLst/>
+            </a:prstGeom>
+          </p:spPr>
+          <p:txBody>
+            <a:bodyPr wrap="square">
+              <a:spAutoFit/>
+            </a:bodyPr>
+            <a:lstStyle/>
+            <a:p>
+              <a:pPr marL="0" marR="0" lvl="0" indent="0" algn="ctr" defTabSz="914400" rtl="0" eaLnBrk="1" fontAlgn="auto" latinLnBrk="0" hangingPunct="1">
+                <a:lnSpc>
+                  <a:spcPct val="100000"/>
+                </a:lnSpc>
+                <a:spcBef>
+                  <a:spcPts val="0"/>
+                </a:spcBef>
+                <a:spcAft>
+                  <a:spcPts val="0"/>
+                </a:spcAft>
+                <a:buClrTx/>
+                <a:buSzTx/>
+                <a:buFontTx/>
+                <a:buNone/>
+                <a:defRPr/>
+              </a:pPr>
+              <a:r>
+                <a:rPr lang="zh-CN" altLang="en-US" sz="2000" kern="0" dirty="0">
+                  <a:ln w="0">
+                    <a:noFill/>
+                  </a:ln>
+                  <a:latin typeface="Arial"/>
+                  <a:ea typeface="微软雅黑"/>
+                  <a:cs typeface="思源黑体 CN Bold" panose="020B0800000000000000" charset="-122"/>
+                  <a:sym typeface="Arial"/>
+                </a:rPr>
+                <a:t>需求分析</a:t>
+              </a:r>
+              <a:endParaRPr kumimoji="0" lang="zh-CN" altLang="en-US" sz="2000" i="0" u="none" strike="noStrike" kern="0" cap="none" spc="0" normalizeH="0" baseline="0" noProof="0" dirty="0">
+                <a:ln w="0">
+                  <a:noFill/>
+                </a:ln>
+                <a:solidFill>
+                  <a:schemeClr val="tx1"/>
+                </a:solidFill>
+                <a:effectLst/>
+                <a:uLnTx/>
+                <a:uFillTx/>
+                <a:latin typeface="Arial"/>
+                <a:ea typeface="微软雅黑"/>
+                <a:cs typeface="思源黑体 CN Bold" panose="020B0800000000000000" charset="-122"/>
+                <a:sym typeface="Arial"/>
+              </a:endParaRPr>
+            </a:p>
+          </p:txBody>
+        </p:sp>
+      </p:grpSp>
+      <p:pic>
+        <p:nvPicPr>
+          <p:cNvPr id="17" name="图片 16">
+            <a:extLst>
+              <a:ext uri="{FF2B5EF4-FFF2-40B4-BE49-F238E27FC236}">
+                <a16:creationId xmlns:a16="http://schemas.microsoft.com/office/drawing/2014/main" id="{C3159E41-A176-4664-AF97-33BF22FE2D55}"/>
+              </a:ext>
+            </a:extLst>
+          </p:cNvPr>
+          <p:cNvPicPr/>
+          <p:nvPr/>
+        </p:nvPicPr>
+        <p:blipFill>
+          <a:blip r:embed="rId4" cstate="print">
+            <a:extLst>
+              <a:ext uri="{28A0092B-C50C-407E-A947-70E740481C1C}">
+                <a14:useLocalDpi xmlns:a14="http://schemas.microsoft.com/office/drawing/2010/main" val="0"/>
+              </a:ext>
+            </a:extLst>
+          </a:blip>
+          <a:srcRect/>
+          <a:stretch>
+            <a:fillRect/>
+          </a:stretch>
+        </p:blipFill>
+        <p:spPr bwMode="auto">
+          <a:xfrm>
+            <a:off x="4556282" y="583248"/>
+            <a:ext cx="6623354" cy="5819150"/>
+          </a:xfrm>
+          <a:prstGeom prst="rect">
+            <a:avLst/>
+          </a:prstGeom>
+          <a:noFill/>
+          <a:ln>
+            <a:noFill/>
+          </a:ln>
+        </p:spPr>
+      </p:pic>
+      <p:sp>
+        <p:nvSpPr>
+          <p:cNvPr id="18" name="矩形 17">
+            <a:extLst>
+              <a:ext uri="{FF2B5EF4-FFF2-40B4-BE49-F238E27FC236}">
+                <a16:creationId xmlns:a16="http://schemas.microsoft.com/office/drawing/2014/main" id="{B62A78D6-E2C4-471B-89C2-365C683B1010}"/>
+              </a:ext>
+            </a:extLst>
+          </p:cNvPr>
+          <p:cNvSpPr/>
+          <p:nvPr/>
+        </p:nvSpPr>
+        <p:spPr>
+          <a:xfrm>
+            <a:off x="809439" y="2460301"/>
+            <a:ext cx="3689244" cy="874407"/>
+          </a:xfrm>
+          <a:prstGeom prst="rect">
+            <a:avLst/>
+          </a:prstGeom>
+        </p:spPr>
+        <p:txBody>
+          <a:bodyPr wrap="square">
+            <a:spAutoFit/>
+          </a:bodyPr>
+          <a:lstStyle/>
+          <a:p>
+            <a:pPr>
+              <a:lnSpc>
+                <a:spcPct val="150000"/>
+              </a:lnSpc>
+            </a:pPr>
+            <a:r>
+              <a:rPr lang="zh-CN" altLang="en-US" kern="100" dirty="0">
+                <a:latin typeface="微软雅黑" panose="020B0503020204020204" pitchFamily="34" charset="-122"/>
+                <a:ea typeface="微软雅黑" panose="020B0503020204020204" pitchFamily="34" charset="-122"/>
+                <a:cs typeface="Times New Roman" panose="02020603050405020304" pitchFamily="18" charset="0"/>
+              </a:rPr>
+              <a:t>除了对</a:t>
+            </a:r>
+            <a:r>
+              <a:rPr lang="zh-CN" altLang="zh-CN" kern="100" dirty="0">
+                <a:latin typeface="微软雅黑" panose="020B0503020204020204" pitchFamily="34" charset="-122"/>
+                <a:ea typeface="微软雅黑" panose="020B0503020204020204" pitchFamily="34" charset="-122"/>
+                <a:cs typeface="Times New Roman" panose="02020603050405020304" pitchFamily="18" charset="0"/>
+              </a:rPr>
+              <a:t>所有用户</a:t>
+            </a:r>
+            <a:r>
+              <a:rPr lang="zh-CN" altLang="en-US" kern="100" dirty="0">
+                <a:latin typeface="微软雅黑" panose="020B0503020204020204" pitchFamily="34" charset="-122"/>
+                <a:ea typeface="微软雅黑" panose="020B0503020204020204" pitchFamily="34" charset="-122"/>
+                <a:cs typeface="Times New Roman" panose="02020603050405020304" pitchFamily="18" charset="0"/>
+              </a:rPr>
+              <a:t>提供基础功能外</a:t>
+            </a:r>
+            <a:endParaRPr lang="en-US" altLang="zh-CN" kern="100" dirty="0">
+              <a:latin typeface="微软雅黑" panose="020B0503020204020204" pitchFamily="34" charset="-122"/>
+              <a:ea typeface="微软雅黑" panose="020B0503020204020204" pitchFamily="34" charset="-122"/>
+              <a:cs typeface="Times New Roman" panose="02020603050405020304" pitchFamily="18" charset="0"/>
+            </a:endParaRPr>
+          </a:p>
+          <a:p>
+            <a:pPr>
+              <a:lnSpc>
+                <a:spcPct val="150000"/>
+              </a:lnSpc>
+            </a:pPr>
+            <a:r>
+              <a:rPr lang="zh-CN" altLang="zh-CN" kern="100" dirty="0">
+                <a:latin typeface="微软雅黑" panose="020B0503020204020204" pitchFamily="34" charset="-122"/>
+                <a:ea typeface="微软雅黑" panose="020B0503020204020204" pitchFamily="34" charset="-122"/>
+                <a:cs typeface="Times New Roman" panose="02020603050405020304" pitchFamily="18" charset="0"/>
+              </a:rPr>
+              <a:t>针对各类用户的痛点提供特色功能</a:t>
+            </a:r>
+            <a:endParaRPr lang="zh-CN" altLang="en-US" dirty="0">
+              <a:latin typeface="微软雅黑" panose="020B0503020204020204" pitchFamily="34" charset="-122"/>
+              <a:ea typeface="微软雅黑" panose="020B0503020204020204" pitchFamily="34" charset="-122"/>
+            </a:endParaRPr>
+          </a:p>
+        </p:txBody>
+      </p:sp>
+      <p:sp>
+        <p:nvSpPr>
+          <p:cNvPr id="20" name="文本框 19">
+            <a:extLst>
+              <a:ext uri="{FF2B5EF4-FFF2-40B4-BE49-F238E27FC236}">
+                <a16:creationId xmlns:a16="http://schemas.microsoft.com/office/drawing/2014/main" id="{DC94ACCD-018E-4DB5-8051-5036682F58B4}"/>
+              </a:ext>
+            </a:extLst>
+          </p:cNvPr>
+          <p:cNvSpPr txBox="1"/>
+          <p:nvPr/>
+        </p:nvSpPr>
+        <p:spPr>
+          <a:xfrm>
+            <a:off x="809438" y="3479244"/>
+            <a:ext cx="3323665" cy="369332"/>
+          </a:xfrm>
+          <a:prstGeom prst="rect">
+            <a:avLst/>
+          </a:prstGeom>
+          <a:noFill/>
+        </p:spPr>
+        <p:txBody>
+          <a:bodyPr wrap="square" rtlCol="0">
+            <a:spAutoFit/>
+          </a:bodyPr>
+          <a:lstStyle/>
+          <a:p>
+            <a:r>
+              <a:rPr lang="zh-CN" altLang="zh-CN" dirty="0"/>
+              <a:t>在登录页面区</a:t>
+            </a:r>
+            <a:r>
+              <a:rPr lang="zh-CN" altLang="en-US" dirty="0">
+                <a:latin typeface="微软雅黑" panose="020B0503020204020204" pitchFamily="34" charset="-122"/>
+                <a:ea typeface="微软雅黑" panose="020B0503020204020204" pitchFamily="34" charset="-122"/>
+              </a:rPr>
+              <a:t>分为三大类用户：</a:t>
+            </a:r>
+            <a:endParaRPr lang="en-US" altLang="zh-CN" dirty="0">
+              <a:latin typeface="微软雅黑" panose="020B0503020204020204" pitchFamily="34" charset="-122"/>
+              <a:ea typeface="微软雅黑" panose="020B0503020204020204" pitchFamily="34" charset="-122"/>
+            </a:endParaRPr>
+          </a:p>
+        </p:txBody>
+      </p:sp>
+      <p:sp>
+        <p:nvSpPr>
+          <p:cNvPr id="21" name="矩形 20">
+            <a:extLst>
+              <a:ext uri="{FF2B5EF4-FFF2-40B4-BE49-F238E27FC236}">
+                <a16:creationId xmlns:a16="http://schemas.microsoft.com/office/drawing/2014/main" id="{457E11AE-826B-4708-AE8A-205D608F6681}"/>
+              </a:ext>
+            </a:extLst>
+          </p:cNvPr>
+          <p:cNvSpPr/>
+          <p:nvPr/>
+        </p:nvSpPr>
+        <p:spPr>
+          <a:xfrm>
+            <a:off x="1942452" y="4197843"/>
+            <a:ext cx="1403468" cy="646331"/>
+          </a:xfrm>
+          <a:prstGeom prst="rect">
+            <a:avLst/>
+          </a:prstGeom>
+        </p:spPr>
+        <p:txBody>
+          <a:bodyPr wrap="square">
+            <a:spAutoFit/>
+          </a:bodyPr>
+          <a:lstStyle/>
+          <a:p>
+            <a:pPr algn="ctr"/>
+            <a:r>
+              <a:rPr lang="zh-CN" altLang="en-US" dirty="0">
+                <a:latin typeface="微软雅黑" panose="020B0503020204020204" pitchFamily="34" charset="-122"/>
+                <a:ea typeface="微软雅黑" panose="020B0503020204020204" pitchFamily="34" charset="-122"/>
+              </a:rPr>
+              <a:t>餐饮从业者</a:t>
+            </a:r>
+            <a:endParaRPr lang="en-US" altLang="zh-CN" dirty="0">
+              <a:latin typeface="微软雅黑" panose="020B0503020204020204" pitchFamily="34" charset="-122"/>
+              <a:ea typeface="微软雅黑" panose="020B0503020204020204" pitchFamily="34" charset="-122"/>
+            </a:endParaRPr>
+          </a:p>
+          <a:p>
+            <a:pPr algn="ctr"/>
+            <a:r>
+              <a:rPr lang="zh-CN" altLang="en-US" dirty="0">
+                <a:latin typeface="微软雅黑" panose="020B0503020204020204" pitchFamily="34" charset="-122"/>
+                <a:ea typeface="微软雅黑" panose="020B0503020204020204" pitchFamily="34" charset="-122"/>
+              </a:rPr>
+              <a:t>食材供应商</a:t>
+            </a:r>
+            <a:endParaRPr lang="zh-CN" altLang="en-US" dirty="0"/>
+          </a:p>
+        </p:txBody>
+      </p:sp>
+      <p:sp>
+        <p:nvSpPr>
+          <p:cNvPr id="23" name="矩形 22">
+            <a:extLst>
+              <a:ext uri="{FF2B5EF4-FFF2-40B4-BE49-F238E27FC236}">
+                <a16:creationId xmlns:a16="http://schemas.microsoft.com/office/drawing/2014/main" id="{5049AD97-0FE2-4BCA-BE4D-26AC8B034A09}"/>
+              </a:ext>
+            </a:extLst>
+          </p:cNvPr>
+          <p:cNvSpPr/>
+          <p:nvPr/>
+        </p:nvSpPr>
+        <p:spPr>
+          <a:xfrm>
+            <a:off x="1032533" y="5061145"/>
+            <a:ext cx="3223305" cy="307777"/>
+          </a:xfrm>
+          <a:prstGeom prst="rect">
+            <a:avLst/>
+          </a:prstGeom>
+        </p:spPr>
+        <p:txBody>
+          <a:bodyPr wrap="square">
+            <a:spAutoFit/>
+          </a:bodyPr>
+          <a:lstStyle/>
+          <a:p>
+            <a:r>
+              <a:rPr lang="zh-CN" altLang="en-US" sz="1400" dirty="0">
+                <a:latin typeface="微软雅黑" panose="020B0503020204020204" pitchFamily="34" charset="-122"/>
+                <a:ea typeface="微软雅黑" panose="020B0503020204020204" pitchFamily="34" charset="-122"/>
+              </a:rPr>
+              <a:t>进一步针对不同人群需求提供特色功能</a:t>
+            </a:r>
+          </a:p>
+        </p:txBody>
+      </p:sp>
+      <p:cxnSp>
+        <p:nvCxnSpPr>
+          <p:cNvPr id="27" name="连接符: 曲线 26">
+            <a:extLst>
+              <a:ext uri="{FF2B5EF4-FFF2-40B4-BE49-F238E27FC236}">
+                <a16:creationId xmlns:a16="http://schemas.microsoft.com/office/drawing/2014/main" id="{18C2BED3-3279-4C93-A6E0-7C328E91935B}"/>
+              </a:ext>
+            </a:extLst>
+          </p:cNvPr>
+          <p:cNvCxnSpPr>
+            <a:cxnSpLocks/>
+            <a:stCxn id="29" idx="1"/>
+            <a:endCxn id="23" idx="1"/>
+          </p:cNvCxnSpPr>
+          <p:nvPr/>
+        </p:nvCxnSpPr>
+        <p:spPr>
+          <a:xfrm rot="10800000" flipV="1">
+            <a:off x="1032533" y="4119490"/>
+            <a:ext cx="1092718" cy="1095544"/>
+          </a:xfrm>
+          <a:prstGeom prst="curvedConnector3">
+            <a:avLst>
+              <a:gd name="adj1" fmla="val 120920"/>
+            </a:avLst>
+          </a:prstGeom>
+          <a:ln>
+            <a:tailEnd type="triangle"/>
+          </a:ln>
+        </p:spPr>
+        <p:style>
+          <a:lnRef idx="1">
+            <a:schemeClr val="accent1"/>
+          </a:lnRef>
+          <a:fillRef idx="0">
+            <a:schemeClr val="accent1"/>
+          </a:fillRef>
+          <a:effectRef idx="0">
+            <a:schemeClr val="accent1"/>
+          </a:effectRef>
+          <a:fontRef idx="minor">
+            <a:schemeClr val="tx1"/>
+          </a:fontRef>
+        </p:style>
+      </p:cxnSp>
+      <p:sp>
+        <p:nvSpPr>
+          <p:cNvPr id="29" name="矩形 28">
+            <a:extLst>
+              <a:ext uri="{FF2B5EF4-FFF2-40B4-BE49-F238E27FC236}">
+                <a16:creationId xmlns:a16="http://schemas.microsoft.com/office/drawing/2014/main" id="{CF43D01E-6544-44D5-967D-03AA5EB038CE}"/>
+              </a:ext>
+            </a:extLst>
+          </p:cNvPr>
+          <p:cNvSpPr/>
+          <p:nvPr/>
+        </p:nvSpPr>
+        <p:spPr>
+          <a:xfrm>
+            <a:off x="2125251" y="3934824"/>
+            <a:ext cx="1107996" cy="369332"/>
+          </a:xfrm>
+          <a:prstGeom prst="rect">
+            <a:avLst/>
+          </a:prstGeom>
+        </p:spPr>
+        <p:txBody>
+          <a:bodyPr wrap="none">
+            <a:spAutoFit/>
+          </a:bodyPr>
+          <a:lstStyle/>
+          <a:p>
+            <a:pPr algn="ctr"/>
+            <a:r>
+              <a:rPr lang="zh-CN" altLang="en-US" dirty="0">
+                <a:latin typeface="微软雅黑" panose="020B0503020204020204" pitchFamily="34" charset="-122"/>
+                <a:ea typeface="微软雅黑" panose="020B0503020204020204" pitchFamily="34" charset="-122"/>
+              </a:rPr>
+              <a:t>普通用户</a:t>
+            </a:r>
+            <a:endParaRPr lang="en-US" altLang="zh-CN" dirty="0">
+              <a:latin typeface="微软雅黑" panose="020B0503020204020204" pitchFamily="34" charset="-122"/>
+              <a:ea typeface="微软雅黑" panose="020B0503020204020204" pitchFamily="34" charset="-122"/>
+            </a:endParaRPr>
+          </a:p>
+        </p:txBody>
+      </p:sp>
+    </p:spTree>
+    <p:extLst>
+      <p:ext uri="{BB962C8B-B14F-4D97-AF65-F5344CB8AC3E}">
+        <p14:creationId xmlns:p14="http://schemas.microsoft.com/office/powerpoint/2010/main" val="439859146"/>
+      </p:ext>
+    </p:extLst>
+  </p:cSld>
+  <p:clrMapOvr>
+    <a:masterClrMapping/>
+  </p:clrMapOvr>
+</p:sld>
+</file>
+
+<file path=ppt/slides/slide9.xml><?xml version="1.0" encoding="utf-8"?>
+<p:sld xmlns:a="http://schemas.openxmlformats.org/drawingml/2006/main" xmlns:r="http://schemas.openxmlformats.org/officeDocument/2006/relationships" xmlns:p="http://schemas.openxmlformats.org/presentationml/2006/main">
+  <p:cSld>
+    <p:spTree>
+      <p:nvGrpSpPr>
+        <p:cNvPr id="1" name=""/>
+        <p:cNvGrpSpPr/>
+        <p:nvPr/>
+      </p:nvGrpSpPr>
+      <p:grpSpPr>
+        <a:xfrm>
+          <a:off x="0" y="0"/>
+          <a:ext cx="0" cy="0"/>
+          <a:chOff x="0" y="0"/>
+          <a:chExt cx="0" cy="0"/>
+        </a:xfrm>
+      </p:grpSpPr>
       <p:sp>
         <p:nvSpPr>
           <p:cNvPr id="4" name="矩形 背景"/>
@@ -29105,1048 +33958,6 @@
 </p:sld>
 </file>
 
-<file path=ppt/slides/slide8.xml><?xml version="1.0" encoding="utf-8"?>
-<p:sld xmlns:a="http://schemas.openxmlformats.org/drawingml/2006/main" xmlns:r="http://schemas.openxmlformats.org/officeDocument/2006/relationships" xmlns:p="http://schemas.openxmlformats.org/presentationml/2006/main">
-  <p:cSld>
-    <p:spTree>
-      <p:nvGrpSpPr>
-        <p:cNvPr id="1" name=""/>
-        <p:cNvGrpSpPr/>
-        <p:nvPr/>
-      </p:nvGrpSpPr>
-      <p:grpSpPr>
-        <a:xfrm>
-          <a:off x="0" y="0"/>
-          <a:ext cx="0" cy="0"/>
-          <a:chOff x="0" y="0"/>
-          <a:chExt cx="0" cy="0"/>
-        </a:xfrm>
-      </p:grpSpPr>
-      <p:sp>
-        <p:nvSpPr>
-          <p:cNvPr id="4" name="矩形 背景"/>
-          <p:cNvSpPr/>
-          <p:nvPr/>
-        </p:nvSpPr>
-        <p:spPr>
-          <a:xfrm>
-            <a:off x="635" y="-25400"/>
-            <a:ext cx="12197080" cy="6899910"/>
-          </a:xfrm>
-          <a:prstGeom prst="rect">
-            <a:avLst/>
-          </a:prstGeom>
-          <a:solidFill>
-            <a:srgbClr val="DBE1EA"/>
-          </a:solidFill>
-          <a:ln>
-            <a:noFill/>
-          </a:ln>
-        </p:spPr>
-        <p:style>
-          <a:lnRef idx="2">
-            <a:schemeClr val="accent1">
-              <a:shade val="50000"/>
-            </a:schemeClr>
-          </a:lnRef>
-          <a:fillRef idx="1">
-            <a:schemeClr val="accent1"/>
-          </a:fillRef>
-          <a:effectRef idx="0">
-            <a:schemeClr val="accent1"/>
-          </a:effectRef>
-          <a:fontRef idx="minor">
-            <a:schemeClr val="lt1"/>
-          </a:fontRef>
-        </p:style>
-        <p:txBody>
-          <a:bodyPr rtlCol="0" anchor="ctr"/>
-          <a:lstStyle/>
-          <a:p>
-            <a:pPr algn="ctr"/>
-            <a:endParaRPr lang="zh-CN" altLang="en-US">
-              <a:latin typeface="Arial"/>
-              <a:ea typeface="微软雅黑"/>
-              <a:sym typeface="Arial"/>
-            </a:endParaRPr>
-          </a:p>
-        </p:txBody>
-      </p:sp>
-      <p:grpSp>
-        <p:nvGrpSpPr>
-          <p:cNvPr id="26" name="组合 25">
-            <a:extLst>
-              <a:ext uri="{FF2B5EF4-FFF2-40B4-BE49-F238E27FC236}">
-                <a16:creationId xmlns:a16="http://schemas.microsoft.com/office/drawing/2014/main" id="{2660A8FA-5FA4-44D1-9ED8-D12F32F4C44B}"/>
-              </a:ext>
-            </a:extLst>
-          </p:cNvPr>
-          <p:cNvGrpSpPr/>
-          <p:nvPr/>
-        </p:nvGrpSpPr>
-        <p:grpSpPr>
-          <a:xfrm>
-            <a:off x="1607185" y="-382905"/>
-            <a:ext cx="9240520" cy="7011035"/>
-            <a:chOff x="1607185" y="-382905"/>
-            <a:chExt cx="9240520" cy="7011035"/>
-          </a:xfrm>
-        </p:grpSpPr>
-        <p:grpSp>
-          <p:nvGrpSpPr>
-            <p:cNvPr id="8" name="组合 7"/>
-            <p:cNvGrpSpPr/>
-            <p:nvPr/>
-          </p:nvGrpSpPr>
-          <p:grpSpPr>
-            <a:xfrm>
-              <a:off x="1607185" y="1978025"/>
-              <a:ext cx="8983980" cy="3355975"/>
-              <a:chOff x="3183" y="2744"/>
-              <a:chExt cx="12101" cy="6024"/>
-            </a:xfrm>
-          </p:grpSpPr>
-          <p:sp>
-            <p:nvSpPr>
-              <p:cNvPr id="6" name="圆角矩形 5"/>
-              <p:cNvSpPr/>
-              <p:nvPr/>
-            </p:nvSpPr>
-            <p:spPr>
-              <a:xfrm>
-                <a:off x="3183" y="2744"/>
-                <a:ext cx="12100" cy="6023"/>
-              </a:xfrm>
-              <a:prstGeom prst="roundRect">
-                <a:avLst>
-                  <a:gd name="adj" fmla="val 5488"/>
-                </a:avLst>
-              </a:prstGeom>
-              <a:gradFill>
-                <a:gsLst>
-                  <a:gs pos="25000">
-                    <a:schemeClr val="bg1">
-                      <a:alpha val="100000"/>
-                    </a:schemeClr>
-                  </a:gs>
-                  <a:gs pos="99000">
-                    <a:srgbClr val="EEF4FF"/>
-                  </a:gs>
-                </a:gsLst>
-                <a:lin ang="1560000" scaled="0"/>
-              </a:gradFill>
-              <a:ln>
-                <a:noFill/>
-              </a:ln>
-              <a:effectLst>
-                <a:outerShdw blurRad="571500" dist="266700" dir="3180000" algn="tl" rotWithShape="0">
-                  <a:schemeClr val="tx2">
-                    <a:lumMod val="75000"/>
-                    <a:lumOff val="25000"/>
-                    <a:alpha val="13000"/>
-                  </a:schemeClr>
-                </a:outerShdw>
-              </a:effectLst>
-            </p:spPr>
-            <p:style>
-              <a:lnRef idx="2">
-                <a:schemeClr val="accent1">
-                  <a:shade val="50000"/>
-                </a:schemeClr>
-              </a:lnRef>
-              <a:fillRef idx="1">
-                <a:schemeClr val="accent1"/>
-              </a:fillRef>
-              <a:effectRef idx="0">
-                <a:schemeClr val="accent1"/>
-              </a:effectRef>
-              <a:fontRef idx="minor">
-                <a:schemeClr val="lt1"/>
-              </a:fontRef>
-            </p:style>
-            <p:txBody>
-              <a:bodyPr rtlCol="0" anchor="ctr"/>
-              <a:lstStyle/>
-              <a:p>
-                <a:pPr algn="ctr"/>
-                <a:endParaRPr lang="zh-CN" altLang="en-US">
-                  <a:latin typeface="Arial"/>
-                  <a:ea typeface="微软雅黑"/>
-                  <a:sym typeface="Arial"/>
-                </a:endParaRPr>
-              </a:p>
-            </p:txBody>
-          </p:sp>
-          <p:sp>
-            <p:nvSpPr>
-              <p:cNvPr id="10" name="圆角矩形 9"/>
-              <p:cNvSpPr/>
-              <p:nvPr/>
-            </p:nvSpPr>
-            <p:spPr>
-              <a:xfrm>
-                <a:off x="3214" y="2776"/>
-                <a:ext cx="12070" cy="5993"/>
-              </a:xfrm>
-              <a:prstGeom prst="roundRect">
-                <a:avLst>
-                  <a:gd name="adj" fmla="val 5063"/>
-                </a:avLst>
-              </a:prstGeom>
-              <a:gradFill>
-                <a:gsLst>
-                  <a:gs pos="25000">
-                    <a:srgbClr val="F0F4FD"/>
-                  </a:gs>
-                  <a:gs pos="99000">
-                    <a:srgbClr val="CFD8E9">
-                      <a:alpha val="78000"/>
-                    </a:srgbClr>
-                  </a:gs>
-                </a:gsLst>
-                <a:lin ang="1560000" scaled="0"/>
-              </a:gradFill>
-              <a:ln>
-                <a:noFill/>
-              </a:ln>
-            </p:spPr>
-            <p:style>
-              <a:lnRef idx="2">
-                <a:schemeClr val="accent1">
-                  <a:shade val="50000"/>
-                </a:schemeClr>
-              </a:lnRef>
-              <a:fillRef idx="1">
-                <a:schemeClr val="accent1"/>
-              </a:fillRef>
-              <a:effectRef idx="0">
-                <a:schemeClr val="accent1"/>
-              </a:effectRef>
-              <a:fontRef idx="minor">
-                <a:schemeClr val="lt1"/>
-              </a:fontRef>
-            </p:style>
-            <p:txBody>
-              <a:bodyPr rtlCol="0" anchor="ctr"/>
-              <a:lstStyle/>
-              <a:p>
-                <a:pPr algn="ctr"/>
-                <a:endParaRPr lang="zh-CN" altLang="en-US">
-                  <a:latin typeface="Arial"/>
-                  <a:ea typeface="微软雅黑"/>
-                  <a:sym typeface="Arial"/>
-                </a:endParaRPr>
-              </a:p>
-            </p:txBody>
-          </p:sp>
-        </p:grpSp>
-        <p:grpSp>
-          <p:nvGrpSpPr>
-            <p:cNvPr id="13" name="组合 书"/>
-            <p:cNvGrpSpPr/>
-            <p:nvPr/>
-          </p:nvGrpSpPr>
-          <p:grpSpPr>
-            <a:xfrm>
-              <a:off x="9439275" y="4166870"/>
-              <a:ext cx="1408430" cy="1612900"/>
-              <a:chOff x="14862" y="3442"/>
-              <a:chExt cx="2709" cy="3102"/>
-            </a:xfrm>
-          </p:grpSpPr>
-          <p:sp>
-            <p:nvSpPr>
-              <p:cNvPr id="2" name="圆角矩形 1"/>
-              <p:cNvSpPr/>
-              <p:nvPr/>
-            </p:nvSpPr>
-            <p:spPr>
-              <a:xfrm rot="19860000">
-                <a:off x="14921" y="3442"/>
-                <a:ext cx="2650" cy="3062"/>
-              </a:xfrm>
-              <a:prstGeom prst="roundRect">
-                <a:avLst>
-                  <a:gd name="adj" fmla="val 7181"/>
-                </a:avLst>
-              </a:prstGeom>
-              <a:solidFill>
-                <a:srgbClr val="385AE6"/>
-              </a:solidFill>
-              <a:ln>
-                <a:noFill/>
-              </a:ln>
-              <a:effectLst/>
-            </p:spPr>
-            <p:style>
-              <a:lnRef idx="2">
-                <a:schemeClr val="accent1">
-                  <a:shade val="50000"/>
-                </a:schemeClr>
-              </a:lnRef>
-              <a:fillRef idx="1">
-                <a:schemeClr val="accent1"/>
-              </a:fillRef>
-              <a:effectRef idx="0">
-                <a:schemeClr val="accent1"/>
-              </a:effectRef>
-              <a:fontRef idx="minor">
-                <a:schemeClr val="lt1"/>
-              </a:fontRef>
-            </p:style>
-            <p:txBody>
-              <a:bodyPr rtlCol="0" anchor="ctr"/>
-              <a:lstStyle/>
-              <a:p>
-                <a:pPr algn="ctr"/>
-                <a:endParaRPr lang="zh-CN" altLang="en-US">
-                  <a:latin typeface="Arial"/>
-                  <a:ea typeface="微软雅黑"/>
-                  <a:sym typeface="Arial"/>
-                </a:endParaRPr>
-              </a:p>
-            </p:txBody>
-          </p:sp>
-          <p:sp>
-            <p:nvSpPr>
-              <p:cNvPr id="3" name="圆角矩形 2"/>
-              <p:cNvSpPr/>
-              <p:nvPr/>
-            </p:nvSpPr>
-            <p:spPr>
-              <a:xfrm rot="19860000">
-                <a:off x="14862" y="3482"/>
-                <a:ext cx="2650" cy="3062"/>
-              </a:xfrm>
-              <a:prstGeom prst="roundRect">
-                <a:avLst>
-                  <a:gd name="adj" fmla="val 7181"/>
-                </a:avLst>
-              </a:prstGeom>
-              <a:gradFill>
-                <a:gsLst>
-                  <a:gs pos="25000">
-                    <a:srgbClr val="F0F4FD"/>
-                  </a:gs>
-                  <a:gs pos="99000">
-                    <a:schemeClr val="bg1"/>
-                  </a:gs>
-                </a:gsLst>
-                <a:lin ang="1560000" scaled="0"/>
-              </a:gradFill>
-              <a:ln>
-                <a:solidFill>
-                  <a:schemeClr val="bg1"/>
-                </a:solidFill>
-              </a:ln>
-              <a:effectLst>
-                <a:outerShdw blurRad="393700" dist="38100" dir="2700000" algn="tl" rotWithShape="0">
-                  <a:srgbClr val="385AE6">
-                    <a:alpha val="18000"/>
-                  </a:srgbClr>
-                </a:outerShdw>
-              </a:effectLst>
-            </p:spPr>
-            <p:style>
-              <a:lnRef idx="2">
-                <a:schemeClr val="accent1">
-                  <a:shade val="50000"/>
-                </a:schemeClr>
-              </a:lnRef>
-              <a:fillRef idx="1">
-                <a:schemeClr val="accent1"/>
-              </a:fillRef>
-              <a:effectRef idx="0">
-                <a:schemeClr val="accent1"/>
-              </a:effectRef>
-              <a:fontRef idx="minor">
-                <a:schemeClr val="lt1"/>
-              </a:fontRef>
-            </p:style>
-            <p:txBody>
-              <a:bodyPr rtlCol="0" anchor="ctr"/>
-              <a:lstStyle/>
-              <a:p>
-                <a:pPr algn="ctr"/>
-                <a:endParaRPr lang="zh-CN" altLang="en-US">
-                  <a:latin typeface="Arial"/>
-                  <a:ea typeface="微软雅黑"/>
-                  <a:sym typeface="Arial"/>
-                </a:endParaRPr>
-              </a:p>
-            </p:txBody>
-          </p:sp>
-          <p:grpSp>
-            <p:nvGrpSpPr>
-              <p:cNvPr id="11" name="组合 10"/>
-              <p:cNvGrpSpPr/>
-              <p:nvPr/>
-            </p:nvGrpSpPr>
-            <p:grpSpPr>
-              <a:xfrm>
-                <a:off x="14873" y="4187"/>
-                <a:ext cx="2263" cy="1688"/>
-                <a:chOff x="14813" y="4037"/>
-                <a:chExt cx="2263" cy="1688"/>
-              </a:xfrm>
-            </p:grpSpPr>
-            <p:sp>
-              <p:nvSpPr>
-                <p:cNvPr id="9" name="圆角矩形 8"/>
-                <p:cNvSpPr/>
-                <p:nvPr/>
-              </p:nvSpPr>
-              <p:spPr>
-                <a:xfrm rot="19860000">
-                  <a:off x="14813" y="4037"/>
-                  <a:ext cx="1781" cy="211"/>
-                </a:xfrm>
-                <a:prstGeom prst="roundRect">
-                  <a:avLst>
-                    <a:gd name="adj" fmla="val 50000"/>
-                  </a:avLst>
-                </a:prstGeom>
-                <a:solidFill>
-                  <a:srgbClr val="DAE2F2"/>
-                </a:solidFill>
-                <a:ln>
-                  <a:noFill/>
-                </a:ln>
-              </p:spPr>
-              <p:style>
-                <a:lnRef idx="2">
-                  <a:schemeClr val="accent1">
-                    <a:shade val="50000"/>
-                  </a:schemeClr>
-                </a:lnRef>
-                <a:fillRef idx="1">
-                  <a:schemeClr val="accent1"/>
-                </a:fillRef>
-                <a:effectRef idx="0">
-                  <a:schemeClr val="accent1"/>
-                </a:effectRef>
-                <a:fontRef idx="minor">
-                  <a:schemeClr val="lt1"/>
-                </a:fontRef>
-              </p:style>
-              <p:txBody>
-                <a:bodyPr rtlCol="0" anchor="ctr"/>
-                <a:lstStyle/>
-                <a:p>
-                  <a:pPr algn="ctr"/>
-                  <a:endParaRPr lang="zh-CN" altLang="en-US">
-                    <a:latin typeface="Arial"/>
-                    <a:ea typeface="微软雅黑"/>
-                    <a:sym typeface="Arial"/>
-                  </a:endParaRPr>
-                </a:p>
-              </p:txBody>
-            </p:sp>
-            <p:sp>
-              <p:nvSpPr>
-                <p:cNvPr id="16" name="圆角矩形 15"/>
-                <p:cNvSpPr/>
-                <p:nvPr/>
-              </p:nvSpPr>
-              <p:spPr>
-                <a:xfrm rot="19860000">
-                  <a:off x="15055" y="4473"/>
-                  <a:ext cx="1781" cy="211"/>
-                </a:xfrm>
-                <a:prstGeom prst="roundRect">
-                  <a:avLst>
-                    <a:gd name="adj" fmla="val 50000"/>
-                  </a:avLst>
-                </a:prstGeom>
-                <a:solidFill>
-                  <a:srgbClr val="DAE2F2"/>
-                </a:solidFill>
-                <a:ln>
-                  <a:noFill/>
-                </a:ln>
-              </p:spPr>
-              <p:style>
-                <a:lnRef idx="2">
-                  <a:schemeClr val="accent1">
-                    <a:shade val="50000"/>
-                  </a:schemeClr>
-                </a:lnRef>
-                <a:fillRef idx="1">
-                  <a:schemeClr val="accent1"/>
-                </a:fillRef>
-                <a:effectRef idx="0">
-                  <a:schemeClr val="accent1"/>
-                </a:effectRef>
-                <a:fontRef idx="minor">
-                  <a:schemeClr val="lt1"/>
-                </a:fontRef>
-              </p:style>
-              <p:txBody>
-                <a:bodyPr rtlCol="0" anchor="ctr"/>
-                <a:lstStyle/>
-                <a:p>
-                  <a:pPr algn="ctr"/>
-                  <a:endParaRPr lang="zh-CN" altLang="en-US">
-                    <a:latin typeface="Arial"/>
-                    <a:ea typeface="微软雅黑"/>
-                    <a:sym typeface="Arial"/>
-                  </a:endParaRPr>
-                </a:p>
-              </p:txBody>
-            </p:sp>
-            <p:sp>
-              <p:nvSpPr>
-                <p:cNvPr id="17" name="圆角矩形 16"/>
-                <p:cNvSpPr/>
-                <p:nvPr/>
-              </p:nvSpPr>
-              <p:spPr>
-                <a:xfrm rot="19860000">
-                  <a:off x="15296" y="4908"/>
-                  <a:ext cx="1781" cy="211"/>
-                </a:xfrm>
-                <a:prstGeom prst="roundRect">
-                  <a:avLst>
-                    <a:gd name="adj" fmla="val 50000"/>
-                  </a:avLst>
-                </a:prstGeom>
-                <a:solidFill>
-                  <a:srgbClr val="DAE2F2"/>
-                </a:solidFill>
-                <a:ln>
-                  <a:noFill/>
-                </a:ln>
-              </p:spPr>
-              <p:style>
-                <a:lnRef idx="2">
-                  <a:schemeClr val="accent1">
-                    <a:shade val="50000"/>
-                  </a:schemeClr>
-                </a:lnRef>
-                <a:fillRef idx="1">
-                  <a:schemeClr val="accent1"/>
-                </a:fillRef>
-                <a:effectRef idx="0">
-                  <a:schemeClr val="accent1"/>
-                </a:effectRef>
-                <a:fontRef idx="minor">
-                  <a:schemeClr val="lt1"/>
-                </a:fontRef>
-              </p:style>
-              <p:txBody>
-                <a:bodyPr rtlCol="0" anchor="ctr"/>
-                <a:lstStyle/>
-                <a:p>
-                  <a:pPr algn="ctr"/>
-                  <a:endParaRPr lang="zh-CN" altLang="en-US">
-                    <a:latin typeface="Arial"/>
-                    <a:ea typeface="微软雅黑"/>
-                    <a:sym typeface="Arial"/>
-                  </a:endParaRPr>
-                </a:p>
-              </p:txBody>
-            </p:sp>
-            <p:sp>
-              <p:nvSpPr>
-                <p:cNvPr id="18" name="圆角矩形 17"/>
-                <p:cNvSpPr/>
-                <p:nvPr/>
-              </p:nvSpPr>
-              <p:spPr>
-                <a:xfrm rot="19860000">
-                  <a:off x="15582" y="5515"/>
-                  <a:ext cx="1074" cy="211"/>
-                </a:xfrm>
-                <a:prstGeom prst="roundRect">
-                  <a:avLst>
-                    <a:gd name="adj" fmla="val 50000"/>
-                  </a:avLst>
-                </a:prstGeom>
-                <a:solidFill>
-                  <a:srgbClr val="DAE2F2"/>
-                </a:solidFill>
-                <a:ln>
-                  <a:noFill/>
-                </a:ln>
-              </p:spPr>
-              <p:style>
-                <a:lnRef idx="2">
-                  <a:schemeClr val="accent1">
-                    <a:shade val="50000"/>
-                  </a:schemeClr>
-                </a:lnRef>
-                <a:fillRef idx="1">
-                  <a:schemeClr val="accent1"/>
-                </a:fillRef>
-                <a:effectRef idx="0">
-                  <a:schemeClr val="accent1"/>
-                </a:effectRef>
-                <a:fontRef idx="minor">
-                  <a:schemeClr val="lt1"/>
-                </a:fontRef>
-              </p:style>
-              <p:txBody>
-                <a:bodyPr rtlCol="0" anchor="ctr"/>
-                <a:lstStyle/>
-                <a:p>
-                  <a:pPr algn="ctr"/>
-                  <a:endParaRPr lang="zh-CN" altLang="en-US">
-                    <a:latin typeface="Arial"/>
-                    <a:ea typeface="微软雅黑"/>
-                    <a:sym typeface="Arial"/>
-                  </a:endParaRPr>
-                </a:p>
-              </p:txBody>
-            </p:sp>
-          </p:grpSp>
-        </p:grpSp>
-        <p:pic>
-          <p:nvPicPr>
-            <p:cNvPr id="15" name="图片 14" descr="椭圆 1 拷贝"/>
-            <p:cNvPicPr>
-              <a:picLocks noChangeAspect="1"/>
-            </p:cNvPicPr>
-            <p:nvPr/>
-          </p:nvPicPr>
-          <p:blipFill>
-            <a:blip r:embed="rId3"/>
-            <a:srcRect l="13057" t="37477" r="70461" b="42655"/>
-            <a:stretch>
-              <a:fillRect/>
-            </a:stretch>
-          </p:blipFill>
-          <p:spPr>
-            <a:xfrm>
-              <a:off x="2383155" y="1943100"/>
-              <a:ext cx="7869555" cy="4685030"/>
-            </a:xfrm>
-            <a:prstGeom prst="rect">
-              <a:avLst/>
-            </a:prstGeom>
-          </p:spPr>
-        </p:pic>
-        <p:pic>
-          <p:nvPicPr>
-            <p:cNvPr id="14" name="图片 13" descr="椭圆 1"/>
-            <p:cNvPicPr>
-              <a:picLocks noChangeAspect="1"/>
-            </p:cNvPicPr>
-            <p:nvPr/>
-          </p:nvPicPr>
-          <p:blipFill>
-            <a:blip r:embed="rId4"/>
-            <a:srcRect l="13828" t="28344" r="73984" b="58494"/>
-            <a:stretch>
-              <a:fillRect/>
-            </a:stretch>
-          </p:blipFill>
-          <p:spPr>
-            <a:xfrm>
-              <a:off x="2981960" y="-382905"/>
-              <a:ext cx="5380355" cy="3422015"/>
-            </a:xfrm>
-            <a:prstGeom prst="rect">
-              <a:avLst/>
-            </a:prstGeom>
-          </p:spPr>
-        </p:pic>
-      </p:grpSp>
-      <p:grpSp>
-        <p:nvGrpSpPr>
-          <p:cNvPr id="23" name="组合 22">
-            <a:extLst>
-              <a:ext uri="{FF2B5EF4-FFF2-40B4-BE49-F238E27FC236}">
-                <a16:creationId xmlns:a16="http://schemas.microsoft.com/office/drawing/2014/main" id="{45782416-ACE8-44FC-909B-48A2854B9AB6}"/>
-              </a:ext>
-            </a:extLst>
-          </p:cNvPr>
-          <p:cNvGrpSpPr/>
-          <p:nvPr/>
-        </p:nvGrpSpPr>
-        <p:grpSpPr>
-          <a:xfrm>
-            <a:off x="4715510" y="5108225"/>
-            <a:ext cx="2730500" cy="649863"/>
-            <a:chOff x="4761865" y="5107305"/>
-            <a:chExt cx="2730500" cy="649863"/>
-          </a:xfrm>
-        </p:grpSpPr>
-        <p:sp>
-          <p:nvSpPr>
-            <p:cNvPr id="20" name="圆角矩形 18">
-              <a:extLst>
-                <a:ext uri="{FF2B5EF4-FFF2-40B4-BE49-F238E27FC236}">
-                  <a16:creationId xmlns:a16="http://schemas.microsoft.com/office/drawing/2014/main" id="{590ADB0E-0398-43C5-9594-D3BF5BF2E37F}"/>
-                </a:ext>
-              </a:extLst>
-            </p:cNvPr>
-            <p:cNvSpPr/>
-            <p:nvPr/>
-          </p:nvSpPr>
-          <p:spPr>
-            <a:xfrm>
-              <a:off x="4932680" y="5107305"/>
-              <a:ext cx="2388870" cy="467360"/>
-            </a:xfrm>
-            <a:prstGeom prst="roundRect">
-              <a:avLst>
-                <a:gd name="adj" fmla="val 50000"/>
-              </a:avLst>
-            </a:prstGeom>
-            <a:solidFill>
-              <a:srgbClr val="0CCDBD"/>
-            </a:solidFill>
-            <a:ln>
-              <a:noFill/>
-            </a:ln>
-          </p:spPr>
-          <p:style>
-            <a:lnRef idx="2">
-              <a:schemeClr val="accent1">
-                <a:shade val="50000"/>
-              </a:schemeClr>
-            </a:lnRef>
-            <a:fillRef idx="1">
-              <a:schemeClr val="accent1"/>
-            </a:fillRef>
-            <a:effectRef idx="0">
-              <a:schemeClr val="accent1"/>
-            </a:effectRef>
-            <a:fontRef idx="minor">
-              <a:schemeClr val="lt1"/>
-            </a:fontRef>
-          </p:style>
-          <p:txBody>
-            <a:bodyPr rtlCol="0" anchor="ctr"/>
-            <a:lstStyle/>
-            <a:p>
-              <a:pPr algn="ctr"/>
-              <a:endParaRPr lang="zh-CN" altLang="en-US">
-                <a:latin typeface="Arial"/>
-                <a:ea typeface="微软雅黑"/>
-                <a:sym typeface="Arial"/>
-              </a:endParaRPr>
-            </a:p>
-          </p:txBody>
-        </p:sp>
-        <p:sp>
-          <p:nvSpPr>
-            <p:cNvPr id="21" name="文本框 20">
-              <a:extLst>
-                <a:ext uri="{FF2B5EF4-FFF2-40B4-BE49-F238E27FC236}">
-                  <a16:creationId xmlns:a16="http://schemas.microsoft.com/office/drawing/2014/main" id="{3003B357-2F05-46EF-830D-F4F3BE4EF425}"/>
-                </a:ext>
-              </a:extLst>
-            </p:cNvPr>
-            <p:cNvSpPr txBox="1"/>
-            <p:nvPr/>
-          </p:nvSpPr>
-          <p:spPr>
-            <a:xfrm>
-              <a:off x="4761865" y="5172393"/>
-              <a:ext cx="2730500" cy="584775"/>
-            </a:xfrm>
-            <a:prstGeom prst="rect">
-              <a:avLst/>
-            </a:prstGeom>
-            <a:noFill/>
-          </p:spPr>
-          <p:txBody>
-            <a:bodyPr wrap="square" rtlCol="0">
-              <a:spAutoFit/>
-            </a:bodyPr>
-            <a:lstStyle/>
-            <a:p>
-              <a:pPr algn="ctr"/>
-              <a:r>
-                <a:rPr lang="zh-CN" altLang="en-US" sz="1600" dirty="0">
-                  <a:solidFill>
-                    <a:schemeClr val="bg1"/>
-                  </a:solidFill>
-                  <a:latin typeface="Arial"/>
-                  <a:ea typeface="微软雅黑"/>
-                  <a:cs typeface="思源黑体 CN Normal" panose="020B0400000000000000" charset="-122"/>
-                  <a:sym typeface="Arial"/>
-                </a:rPr>
-                <a:t>智慧菜谱</a:t>
-              </a:r>
-              <a:r>
-                <a:rPr lang="en-US" altLang="zh-CN" sz="1600" dirty="0">
-                  <a:solidFill>
-                    <a:schemeClr val="bg1"/>
-                  </a:solidFill>
-                  <a:latin typeface="Arial"/>
-                  <a:ea typeface="微软雅黑"/>
-                  <a:cs typeface="思源黑体 CN Normal" panose="020B0400000000000000" charset="-122"/>
-                  <a:sym typeface="Arial"/>
-                </a:rPr>
-                <a:t>APP</a:t>
-              </a:r>
-              <a:endParaRPr lang="zh-CN" altLang="en-US" sz="1600" dirty="0">
-                <a:solidFill>
-                  <a:schemeClr val="bg1"/>
-                </a:solidFill>
-                <a:latin typeface="Arial"/>
-                <a:ea typeface="微软雅黑"/>
-                <a:cs typeface="思源黑体 CN Normal" panose="020B0400000000000000" charset="-122"/>
-                <a:sym typeface="Arial"/>
-              </a:endParaRPr>
-            </a:p>
-            <a:p>
-              <a:pPr algn="ctr"/>
-              <a:endParaRPr lang="zh-CN" altLang="en-US" sz="1600" dirty="0">
-                <a:solidFill>
-                  <a:schemeClr val="bg1"/>
-                </a:solidFill>
-                <a:latin typeface="Arial"/>
-                <a:ea typeface="微软雅黑"/>
-                <a:cs typeface="思源黑体 CN Normal" panose="020B0400000000000000" charset="-122"/>
-                <a:sym typeface="Arial"/>
-              </a:endParaRPr>
-            </a:p>
-          </p:txBody>
-        </p:sp>
-      </p:grpSp>
-      <p:sp>
-        <p:nvSpPr>
-          <p:cNvPr id="50" name="文本框 描述"/>
-          <p:cNvSpPr txBox="1"/>
-          <p:nvPr/>
-        </p:nvSpPr>
-        <p:spPr>
-          <a:xfrm>
-            <a:off x="3646564" y="4683336"/>
-            <a:ext cx="4928235" cy="377026"/>
-          </a:xfrm>
-          <a:prstGeom prst="rect">
-            <a:avLst/>
-          </a:prstGeom>
-          <a:noFill/>
-        </p:spPr>
-        <p:txBody>
-          <a:bodyPr wrap="square" rtlCol="0">
-            <a:spAutoFit/>
-          </a:bodyPr>
-          <a:lstStyle/>
-          <a:p>
-            <a:pPr algn="ctr">
-              <a:lnSpc>
-                <a:spcPct val="150000"/>
-              </a:lnSpc>
-            </a:pPr>
-            <a:r>
-              <a:rPr lang="en-US" altLang="zh-CN" sz="1400" spc="160" dirty="0" err="1">
-                <a:solidFill>
-                  <a:schemeClr val="tx1">
-                    <a:alpha val="53000"/>
-                  </a:schemeClr>
-                </a:solidFill>
-                <a:uFillTx/>
-                <a:latin typeface="Arial"/>
-                <a:ea typeface="微软雅黑"/>
-                <a:cs typeface="思源黑体 CN Normal" panose="020B0400000000000000" charset="-122"/>
-                <a:sym typeface="Arial"/>
-              </a:rPr>
-              <a:t>HarmonyOS</a:t>
-            </a:r>
-            <a:r>
-              <a:rPr lang="en-US" altLang="zh-CN" sz="1400" spc="160" dirty="0">
-                <a:solidFill>
-                  <a:schemeClr val="tx1">
-                    <a:alpha val="53000"/>
-                  </a:schemeClr>
-                </a:solidFill>
-                <a:uFillTx/>
-                <a:latin typeface="Arial"/>
-                <a:ea typeface="微软雅黑"/>
-                <a:cs typeface="思源黑体 CN Normal" panose="020B0400000000000000" charset="-122"/>
-                <a:sym typeface="Arial"/>
-              </a:rPr>
-              <a:t> Next</a:t>
-            </a:r>
-            <a:r>
-              <a:rPr lang="zh-CN" altLang="en-US" sz="1400" spc="160" dirty="0">
-                <a:solidFill>
-                  <a:schemeClr val="tx1">
-                    <a:alpha val="53000"/>
-                  </a:schemeClr>
-                </a:solidFill>
-                <a:uFillTx/>
-                <a:latin typeface="Arial"/>
-                <a:ea typeface="微软雅黑"/>
-                <a:cs typeface="思源黑体 CN Normal" panose="020B0400000000000000" charset="-122"/>
-                <a:sym typeface="Arial"/>
-              </a:rPr>
-              <a:t>原生应用开发</a:t>
-            </a:r>
-          </a:p>
-        </p:txBody>
-      </p:sp>
-      <p:sp>
-        <p:nvSpPr>
-          <p:cNvPr id="5" name="文本框 标题"/>
-          <p:cNvSpPr txBox="1"/>
-          <p:nvPr/>
-        </p:nvSpPr>
-        <p:spPr>
-          <a:xfrm>
-            <a:off x="3378835" y="3252470"/>
-            <a:ext cx="5403850" cy="337185"/>
-          </a:xfrm>
-          <a:prstGeom prst="rect">
-            <a:avLst/>
-          </a:prstGeom>
-          <a:noFill/>
-        </p:spPr>
-        <p:txBody>
-          <a:bodyPr wrap="square" rtlCol="0">
-            <a:spAutoFit/>
-          </a:bodyPr>
-          <a:lstStyle/>
-          <a:p>
-            <a:pPr algn="ctr"/>
-            <a:r>
-              <a:rPr lang="en-US" altLang="zh-CN" sz="1600" kern="0" dirty="0">
-                <a:ln>
-                  <a:noFill/>
-                </a:ln>
-                <a:solidFill>
-                  <a:schemeClr val="bg1"/>
-                </a:solidFill>
-                <a:effectLst/>
-                <a:uLnTx/>
-                <a:uFillTx/>
-                <a:latin typeface="Arial"/>
-                <a:ea typeface="微软雅黑"/>
-                <a:cs typeface="思源黑体 CN Bold" panose="020B0800000000000000" charset="-122"/>
-                <a:sym typeface="Arial"/>
-              </a:rPr>
-              <a:t>Review of the content of the work</a:t>
-            </a:r>
-          </a:p>
-        </p:txBody>
-      </p:sp>
-      <p:sp>
-        <p:nvSpPr>
-          <p:cNvPr id="7" name="矩形 标题"/>
-          <p:cNvSpPr/>
-          <p:nvPr/>
-        </p:nvSpPr>
-        <p:spPr>
-          <a:xfrm>
-            <a:off x="3979829" y="2536557"/>
-            <a:ext cx="4261706" cy="707886"/>
-          </a:xfrm>
-          <a:prstGeom prst="rect">
-            <a:avLst/>
-          </a:prstGeom>
-          <a:effectLst>
-            <a:outerShdw dist="38100" dir="2700000" algn="tl" rotWithShape="0">
-              <a:srgbClr val="1653F0">
-                <a:alpha val="100000"/>
-              </a:srgbClr>
-            </a:outerShdw>
-          </a:effectLst>
-        </p:spPr>
-        <p:txBody>
-          <a:bodyPr wrap="square">
-            <a:spAutoFit/>
-          </a:bodyPr>
-          <a:lstStyle/>
-          <a:p>
-            <a:pPr algn="ctr"/>
-            <a:r>
-              <a:rPr lang="zh-CN" altLang="en-US" sz="4000" b="1" kern="0" dirty="0">
-                <a:ln w="0">
-                  <a:noFill/>
-                </a:ln>
-                <a:solidFill>
-                  <a:schemeClr val="bg1"/>
-                </a:solidFill>
-                <a:latin typeface="Arial"/>
-                <a:ea typeface="微软雅黑"/>
-                <a:cs typeface="思源黑体 CN Heavy" panose="020B0A00000000000000" charset="-122"/>
-                <a:sym typeface="Arial"/>
-              </a:rPr>
-              <a:t>未来工作计划</a:t>
-            </a:r>
-          </a:p>
-        </p:txBody>
-      </p:sp>
-      <p:sp>
-        <p:nvSpPr>
-          <p:cNvPr id="12" name="矩形 序号"/>
-          <p:cNvSpPr/>
-          <p:nvPr/>
-        </p:nvSpPr>
-        <p:spPr>
-          <a:xfrm>
-            <a:off x="5093970" y="1106805"/>
-            <a:ext cx="1973580" cy="706755"/>
-          </a:xfrm>
-          <a:prstGeom prst="rect">
-            <a:avLst/>
-          </a:prstGeom>
-        </p:spPr>
-        <p:txBody>
-          <a:bodyPr wrap="square">
-            <a:spAutoFit/>
-          </a:bodyPr>
-          <a:lstStyle/>
-          <a:p>
-            <a:pPr marL="0" marR="0" lvl="0" indent="0" algn="ctr" defTabSz="914400" rtl="0" eaLnBrk="1" fontAlgn="auto" latinLnBrk="0" hangingPunct="1">
-              <a:lnSpc>
-                <a:spcPct val="100000"/>
-              </a:lnSpc>
-              <a:spcBef>
-                <a:spcPts val="0"/>
-              </a:spcBef>
-              <a:spcAft>
-                <a:spcPts val="0"/>
-              </a:spcAft>
-              <a:buClrTx/>
-              <a:buSzTx/>
-              <a:buFontTx/>
-              <a:buNone/>
-              <a:defRPr/>
-            </a:pPr>
-            <a:r>
-              <a:rPr kumimoji="0" lang="en-US" altLang="zh-CN" sz="4000" b="1" i="0" u="none" strike="noStrike" kern="0" cap="none" spc="0" normalizeH="0" baseline="0" noProof="0" dirty="0">
-                <a:ln w="0">
-                  <a:solidFill>
-                    <a:schemeClr val="bg1"/>
-                  </a:solidFill>
-                </a:ln>
-                <a:noFill/>
-                <a:effectLst/>
-                <a:uLnTx/>
-                <a:uFillTx/>
-                <a:latin typeface="Arial"/>
-                <a:ea typeface="微软雅黑"/>
-                <a:cs typeface="思源黑体 CN Heavy" panose="020B0A00000000000000" charset="-122"/>
-                <a:sym typeface="Arial"/>
-              </a:rPr>
-              <a:t>04</a:t>
-            </a:r>
-          </a:p>
-        </p:txBody>
-      </p:sp>
-    </p:spTree>
-    <p:custDataLst>
-      <p:tags r:id="rId1"/>
-    </p:custDataLst>
-    <p:extLst>
-      <p:ext uri="{BB962C8B-B14F-4D97-AF65-F5344CB8AC3E}">
-        <p14:creationId xmlns:p14="http://schemas.microsoft.com/office/powerpoint/2010/main" val="3185456925"/>
-      </p:ext>
-    </p:extLst>
-  </p:cSld>
-  <p:clrMapOvr>
-    <a:masterClrMapping/>
-  </p:clrMapOvr>
-</p:sld>
-</file>
-
 <file path=ppt/tags/tag1.xml><?xml version="1.0" encoding="utf-8"?>
 <p:tagLst xmlns:a="http://schemas.openxmlformats.org/drawingml/2006/main" xmlns:r="http://schemas.openxmlformats.org/officeDocument/2006/relationships" xmlns:p="http://schemas.openxmlformats.org/presentationml/2006/main">
   <p:tag name="KSO_WM_TEMPLATE_THUMBS_INDEX" val="1、4、7、12、13、14、15、16、17、18、20、24、25、28、33、36、40、43、44"/>
